--- a/SMS-Logistics.pptx
+++ b/SMS-Logistics.pptx
@@ -5,25 +5,24 @@
     <p:sldMasterId id="2147483660" r:id="rId1"/>
   </p:sldMasterIdLst>
   <p:notesMasterIdLst>
-    <p:notesMasterId r:id="rId10"/>
+    <p:notesMasterId r:id="rId9"/>
   </p:notesMasterIdLst>
   <p:handoutMasterIdLst>
-    <p:handoutMasterId r:id="rId11"/>
+    <p:handoutMasterId r:id="rId10"/>
   </p:handoutMasterIdLst>
   <p:sldIdLst>
     <p:sldId id="265" r:id="rId2"/>
     <p:sldId id="324" r:id="rId3"/>
     <p:sldId id="310" r:id="rId4"/>
     <p:sldId id="323" r:id="rId5"/>
-    <p:sldId id="320" r:id="rId6"/>
-    <p:sldId id="329" r:id="rId7"/>
-    <p:sldId id="330" r:id="rId8"/>
-    <p:sldId id="328" r:id="rId9"/>
+    <p:sldId id="329" r:id="rId6"/>
+    <p:sldId id="330" r:id="rId7"/>
+    <p:sldId id="328" r:id="rId8"/>
   </p:sldIdLst>
   <p:sldSz cx="12188825" cy="6858000"/>
   <p:notesSz cx="6858000" cy="9144000"/>
   <p:custDataLst>
-    <p:tags r:id="rId12"/>
+    <p:tags r:id="rId11"/>
   </p:custDataLst>
   <p:defaultTextStyle>
     <a:defPPr>
@@ -122,7 +121,7 @@
   </p:defaultTextStyle>
   <p:extLst>
     <p:ext uri="{EFAFB233-063F-42B5-8137-9DF3F51BA10A}">
-      <p15:sldGuideLst xmlns:p15="http://schemas.microsoft.com/office/powerpoint/2012/main" xmlns="">
+      <p15:sldGuideLst xmlns="" xmlns:p15="http://schemas.microsoft.com/office/powerpoint/2012/main">
         <p15:guide id="1" pos="3839" userDrawn="1">
           <p15:clr>
             <a:srgbClr val="A4A3A4"/>
@@ -136,7 +135,7 @@
       </p15:sldGuideLst>
     </p:ext>
     <p:ext uri="{2D200454-40CA-4A62-9FC3-DE9A4176ACB9}">
-      <p15:notesGuideLst xmlns:p15="http://schemas.microsoft.com/office/powerpoint/2012/main" xmlns=""/>
+      <p15:notesGuideLst xmlns="" xmlns:p15="http://schemas.microsoft.com/office/powerpoint/2012/main"/>
     </p:ext>
   </p:extLst>
 </p:presentation>
@@ -5414,7 +5413,7 @@
             </a:br>
             <a:r>
               <a:rPr lang="en-US" sz="6600" b="1" dirty="0" smtClean="0"/>
-              <a:t>LOGISTIC</a:t>
+              <a:t>LOGISTICS</a:t>
             </a:r>
             <a:endParaRPr lang="en-US" b="1" dirty="0"/>
           </a:p>
@@ -5525,7 +5524,7 @@
         </p:spPr>
         <p:txBody>
           <a:bodyPr>
-            <a:normAutofit fontScale="92500" lnSpcReduction="10000"/>
+            <a:normAutofit/>
           </a:bodyPr>
           <a:lstStyle>
             <a:lvl1pPr algn="l" rtl="0" eaLnBrk="1" latinLnBrk="0" hangingPunct="1">
@@ -5554,9 +5553,15 @@
           <a:p>
             <a:r>
               <a:rPr lang="en-US" sz="7200" dirty="0" smtClean="0"/>
-              <a:t>SERVICE MANAGEMENT SYSTEM</a:t>
+              <a:t>TECH-TRENDZ SERVICES</a:t>
             </a:r>
-            <a:endParaRPr lang="en-US" sz="7200" dirty="0"/>
+          </a:p>
+          <a:p>
+            <a:r>
+              <a:rPr lang="en-US" sz="2800" dirty="0" smtClean="0"/>
+              <a:t>Service Management System</a:t>
+            </a:r>
+            <a:endParaRPr lang="en-US" sz="2400" dirty="0"/>
           </a:p>
         </p:txBody>
       </p:sp>
@@ -5569,7 +5574,7 @@
         <p:spPr>
           <a:xfrm>
             <a:off x="722312" y="2398816"/>
-            <a:ext cx="10629900" cy="2308324"/>
+            <a:ext cx="10629900" cy="2477601"/>
           </a:xfrm>
           <a:prstGeom prst="rect">
             <a:avLst/>
@@ -5582,20 +5587,28 @@
           </a:bodyPr>
           <a:lstStyle/>
           <a:p>
-            <a:pPr>
+            <a:pPr algn="just">
               <a:lnSpc>
                 <a:spcPct val="200000"/>
               </a:lnSpc>
             </a:pPr>
             <a:r>
               <a:rPr lang="en-US" dirty="0" smtClean="0"/>
-              <a:t>	The </a:t>
+              <a:t>	</a:t>
             </a:r>
             <a:r>
-              <a:rPr lang="en-US" dirty="0"/>
-              <a:t>Service Management System is a huge modular system that covers almost all aspects of a service-oriented corporation. In order to have a service-management mindset, an organization must understand the level of process maturity required to become a service-oriented corporation.</a:t>
+              <a:rPr lang="en-US" sz="2000" dirty="0" smtClean="0"/>
+              <a:t>The </a:t>
             </a:r>
-            <a:endParaRPr lang="en-PH" dirty="0"/>
+            <a:r>
+              <a:rPr lang="en-US" sz="2000" dirty="0" smtClean="0"/>
+              <a:t>Tech-Trendz Services is a Service Management System that uses  </a:t>
+            </a:r>
+            <a:r>
+              <a:rPr lang="en-US" sz="2000" dirty="0"/>
+              <a:t>a huge modular system that covers almost all aspects of a service-oriented corporation. In order to have a service-management mindset, an organization must understand the level of process maturity required to become a service-oriented corporation.</a:t>
+            </a:r>
+            <a:endParaRPr lang="en-PH" sz="2000" dirty="0"/>
           </a:p>
         </p:txBody>
       </p:sp>
@@ -5609,13 +5622,13 @@
   <p:clrMapOvr>
     <a:masterClrMapping/>
   </p:clrMapOvr>
-  <mc:AlternateContent xmlns:mc="http://schemas.openxmlformats.org/markup-compatibility/2006" xmlns:p14="http://schemas.microsoft.com/office/powerpoint/2010/main">
-    <mc:Choice Requires="p14">
+  <mc:AlternateContent xmlns:mc="http://schemas.openxmlformats.org/markup-compatibility/2006">
+    <mc:Choice xmlns:p14="http://schemas.microsoft.com/office/powerpoint/2010/main" Requires="p14">
       <p:transition spd="slow" p14:dur="1500">
         <p:randomBar dir="vert"/>
       </p:transition>
     </mc:Choice>
-    <mc:Fallback xmlns="">
+    <mc:Fallback>
       <p:transition spd="slow">
         <p:randomBar dir="vert"/>
       </p:transition>
@@ -6472,13 +6485,13 @@
   <p:clrMapOvr>
     <a:masterClrMapping/>
   </p:clrMapOvr>
-  <mc:AlternateContent xmlns:mc="http://schemas.openxmlformats.org/markup-compatibility/2006" xmlns:p14="http://schemas.microsoft.com/office/powerpoint/2010/main">
-    <mc:Choice Requires="p14">
+  <mc:AlternateContent xmlns:mc="http://schemas.openxmlformats.org/markup-compatibility/2006">
+    <mc:Choice xmlns:p14="http://schemas.microsoft.com/office/powerpoint/2010/main" Requires="p14">
       <p:transition spd="med" p14:dur="700">
         <p:fade/>
       </p:transition>
     </mc:Choice>
-    <mc:Fallback xmlns="">
+    <mc:Fallback>
       <p:transition spd="med">
         <p:fade/>
       </p:transition>
@@ -7037,367 +7050,6 @@
 </file>
 
 <file path=ppt/slides/slide5.xml><?xml version="1.0" encoding="utf-8"?>
-<p:sld xmlns:a="http://schemas.openxmlformats.org/drawingml/2006/main" xmlns:r="http://schemas.openxmlformats.org/officeDocument/2006/relationships" xmlns:p="http://schemas.openxmlformats.org/presentationml/2006/main">
-  <p:cSld>
-    <p:spTree>
-      <p:nvGrpSpPr>
-        <p:cNvPr id="1" name=""/>
-        <p:cNvGrpSpPr/>
-        <p:nvPr/>
-      </p:nvGrpSpPr>
-      <p:grpSpPr>
-        <a:xfrm>
-          <a:off x="0" y="0"/>
-          <a:ext cx="0" cy="0"/>
-          <a:chOff x="0" y="0"/>
-          <a:chExt cx="0" cy="0"/>
-        </a:xfrm>
-      </p:grpSpPr>
-      <p:sp>
-        <p:nvSpPr>
-          <p:cNvPr id="2" name="AutoShape 2" descr="No description available.">
-            <a:extLst>
-              <a:ext uri="{FF2B5EF4-FFF2-40B4-BE49-F238E27FC236}">
-                <a16:creationId xmlns:a16="http://schemas.microsoft.com/office/drawing/2014/main" xmlns="" id="{43DBDC66-F8A6-60C6-99F9-FBF7C1F88A8B}"/>
-              </a:ext>
-            </a:extLst>
-          </p:cNvPr>
-          <p:cNvSpPr>
-            <a:spLocks noChangeAspect="1" noChangeArrowheads="1"/>
-          </p:cNvSpPr>
-          <p:nvPr/>
-        </p:nvSpPr>
-        <p:spPr bwMode="auto">
-          <a:xfrm>
-            <a:off x="5942013" y="3276600"/>
-            <a:ext cx="304800" cy="304800"/>
-          </a:xfrm>
-          <a:prstGeom prst="rect">
-            <a:avLst/>
-          </a:prstGeom>
-          <a:noFill/>
-          <a:extLst>
-            <a:ext uri="{909E8E84-426E-40DD-AFC4-6F175D3DCCD1}">
-              <a14:hiddenFill xmlns:a14="http://schemas.microsoft.com/office/drawing/2010/main">
-                <a:solidFill>
-                  <a:srgbClr val="FFFFFF"/>
-                </a:solidFill>
-              </a14:hiddenFill>
-            </a:ext>
-          </a:extLst>
-        </p:spPr>
-        <p:txBody>
-          <a:bodyPr vert="horz" wrap="square" lIns="91440" tIns="45720" rIns="91440" bIns="45720" numCol="1" anchor="t" anchorCtr="0" compatLnSpc="1">
-            <a:prstTxWarp prst="textNoShape">
-              <a:avLst/>
-            </a:prstTxWarp>
-          </a:bodyPr>
-          <a:lstStyle/>
-          <a:p>
-            <a:endParaRPr lang="en-US"/>
-          </a:p>
-        </p:txBody>
-      </p:sp>
-      <p:pic>
-        <p:nvPicPr>
-          <p:cNvPr id="1028" name="Picture 4" descr="No description available.">
-            <a:extLst>
-              <a:ext uri="{FF2B5EF4-FFF2-40B4-BE49-F238E27FC236}">
-                <a16:creationId xmlns:a16="http://schemas.microsoft.com/office/drawing/2014/main" xmlns="" id="{9EA06DC7-8E01-72BB-88D8-143BA025B9B0}"/>
-              </a:ext>
-            </a:extLst>
-          </p:cNvPr>
-          <p:cNvPicPr>
-            <a:picLocks noGrp="1" noChangeAspect="1" noChangeArrowheads="1"/>
-          </p:cNvPicPr>
-          <p:nvPr>
-            <p:ph idx="1"/>
-          </p:nvPr>
-        </p:nvPicPr>
-        <p:blipFill>
-          <a:blip r:embed="rId2">
-            <a:extLst>
-              <a:ext uri="{28A0092B-C50C-407E-A947-70E740481C1C}">
-                <a14:useLocalDpi xmlns:a14="http://schemas.microsoft.com/office/drawing/2010/main" val="0"/>
-              </a:ext>
-            </a:extLst>
-          </a:blip>
-          <a:srcRect/>
-          <a:stretch>
-            <a:fillRect/>
-          </a:stretch>
-        </p:blipFill>
-        <p:spPr bwMode="auto">
-          <a:xfrm>
-            <a:off x="4189412" y="268945"/>
-            <a:ext cx="7310470" cy="6015309"/>
-          </a:xfrm>
-          <a:prstGeom prst="rect">
-            <a:avLst/>
-          </a:prstGeom>
-          <a:noFill/>
-          <a:extLst>
-            <a:ext uri="{909E8E84-426E-40DD-AFC4-6F175D3DCCD1}">
-              <a14:hiddenFill xmlns:a14="http://schemas.microsoft.com/office/drawing/2010/main">
-                <a:solidFill>
-                  <a:srgbClr val="FFFFFF"/>
-                </a:solidFill>
-              </a14:hiddenFill>
-            </a:ext>
-          </a:extLst>
-        </p:spPr>
-      </p:pic>
-      <p:sp>
-        <p:nvSpPr>
-          <p:cNvPr id="6" name="Rectangle 5"/>
-          <p:cNvSpPr/>
-          <p:nvPr/>
-        </p:nvSpPr>
-        <p:spPr>
-          <a:xfrm>
-            <a:off x="531812" y="2438400"/>
-            <a:ext cx="3427412" cy="1457130"/>
-          </a:xfrm>
-          <a:prstGeom prst="rect">
-            <a:avLst/>
-          </a:prstGeom>
-        </p:spPr>
-        <p:txBody>
-          <a:bodyPr wrap="square">
-            <a:spAutoFit/>
-          </a:bodyPr>
-          <a:lstStyle/>
-          <a:p>
-            <a:pPr lvl="0">
-              <a:lnSpc>
-                <a:spcPct val="200000"/>
-              </a:lnSpc>
-            </a:pPr>
-            <a:r>
-              <a:rPr lang="en-US" sz="2400" b="1" dirty="0" smtClean="0">
-                <a:solidFill>
-                  <a:prstClr val="black"/>
-                </a:solidFill>
-                <a:latin typeface="Times New Roman" pitchFamily="18" charset="0"/>
-                <a:cs typeface="Times New Roman" pitchFamily="18" charset="0"/>
-              </a:rPr>
-              <a:t>Business Process Architecture</a:t>
-            </a:r>
-            <a:endParaRPr lang="en-PH" sz="2400" b="1" dirty="0">
-              <a:solidFill>
-                <a:prstClr val="black"/>
-              </a:solidFill>
-              <a:latin typeface="Times New Roman" pitchFamily="18" charset="0"/>
-              <a:cs typeface="Times New Roman" pitchFamily="18" charset="0"/>
-            </a:endParaRPr>
-          </a:p>
-        </p:txBody>
-      </p:sp>
-    </p:spTree>
-    <p:extLst>
-      <p:ext uri="{BB962C8B-B14F-4D97-AF65-F5344CB8AC3E}">
-        <p14:creationId xmlns:p14="http://schemas.microsoft.com/office/powerpoint/2010/main" val="1603455609"/>
-      </p:ext>
-    </p:extLst>
-  </p:cSld>
-  <p:clrMapOvr>
-    <a:masterClrMapping/>
-  </p:clrMapOvr>
-  <mc:AlternateContent xmlns:mc="http://schemas.openxmlformats.org/markup-compatibility/2006" xmlns:p14="http://schemas.microsoft.com/office/powerpoint/2010/main">
-    <mc:Choice Requires="p14">
-      <p:transition spd="med" p14:dur="700">
-        <p:fade/>
-      </p:transition>
-    </mc:Choice>
-    <mc:Fallback xmlns="">
-      <p:transition spd="med">
-        <p:fade/>
-      </p:transition>
-    </mc:Fallback>
-  </mc:AlternateContent>
-  <p:timing>
-    <p:tnLst>
-      <p:par>
-        <p:cTn id="1" dur="indefinite" restart="never" nodeType="tmRoot">
-          <p:childTnLst>
-            <p:seq concurrent="1" nextAc="seek">
-              <p:cTn id="2" dur="indefinite" nodeType="mainSeq">
-                <p:childTnLst>
-                  <p:par>
-                    <p:cTn id="3" fill="hold">
-                      <p:stCondLst>
-                        <p:cond delay="indefinite"/>
-                        <p:cond evt="onBegin" delay="0">
-                          <p:tn val="2"/>
-                        </p:cond>
-                      </p:stCondLst>
-                      <p:childTnLst>
-                        <p:par>
-                          <p:cTn id="4" fill="hold">
-                            <p:stCondLst>
-                              <p:cond delay="0"/>
-                            </p:stCondLst>
-                            <p:childTnLst>
-                              <p:par>
-                                <p:cTn id="5" presetID="42" presetClass="entr" presetSubtype="0" fill="hold" grpId="0" nodeType="withEffect">
-                                  <p:stCondLst>
-                                    <p:cond delay="1000"/>
-                                  </p:stCondLst>
-                                  <p:childTnLst>
-                                    <p:set>
-                                      <p:cBhvr>
-                                        <p:cTn id="6" dur="1" fill="hold">
-                                          <p:stCondLst>
-                                            <p:cond delay="0"/>
-                                          </p:stCondLst>
-                                        </p:cTn>
-                                        <p:tgtEl>
-                                          <p:spTgt spid="6"/>
-                                        </p:tgtEl>
-                                        <p:attrNameLst>
-                                          <p:attrName>style.visibility</p:attrName>
-                                        </p:attrNameLst>
-                                      </p:cBhvr>
-                                      <p:to>
-                                        <p:strVal val="visible"/>
-                                      </p:to>
-                                    </p:set>
-                                    <p:animEffect transition="in" filter="fade">
-                                      <p:cBhvr>
-                                        <p:cTn id="7" dur="1000"/>
-                                        <p:tgtEl>
-                                          <p:spTgt spid="6"/>
-                                        </p:tgtEl>
-                                      </p:cBhvr>
-                                    </p:animEffect>
-                                    <p:anim calcmode="lin" valueType="num">
-                                      <p:cBhvr>
-                                        <p:cTn id="8" dur="1000" fill="hold"/>
-                                        <p:tgtEl>
-                                          <p:spTgt spid="6"/>
-                                        </p:tgtEl>
-                                        <p:attrNameLst>
-                                          <p:attrName>ppt_x</p:attrName>
-                                        </p:attrNameLst>
-                                      </p:cBhvr>
-                                      <p:tavLst>
-                                        <p:tav tm="0">
-                                          <p:val>
-                                            <p:strVal val="#ppt_x"/>
-                                          </p:val>
-                                        </p:tav>
-                                        <p:tav tm="100000">
-                                          <p:val>
-                                            <p:strVal val="#ppt_x"/>
-                                          </p:val>
-                                        </p:tav>
-                                      </p:tavLst>
-                                    </p:anim>
-                                    <p:anim calcmode="lin" valueType="num">
-                                      <p:cBhvr>
-                                        <p:cTn id="9" dur="1000" fill="hold"/>
-                                        <p:tgtEl>
-                                          <p:spTgt spid="6"/>
-                                        </p:tgtEl>
-                                        <p:attrNameLst>
-                                          <p:attrName>ppt_y</p:attrName>
-                                        </p:attrNameLst>
-                                      </p:cBhvr>
-                                      <p:tavLst>
-                                        <p:tav tm="0">
-                                          <p:val>
-                                            <p:strVal val="#ppt_y+.1"/>
-                                          </p:val>
-                                        </p:tav>
-                                        <p:tav tm="100000">
-                                          <p:val>
-                                            <p:strVal val="#ppt_y"/>
-                                          </p:val>
-                                        </p:tav>
-                                      </p:tavLst>
-                                    </p:anim>
-                                  </p:childTnLst>
-                                </p:cTn>
-                              </p:par>
-                            </p:childTnLst>
-                          </p:cTn>
-                        </p:par>
-                        <p:par>
-                          <p:cTn id="10" fill="hold">
-                            <p:stCondLst>
-                              <p:cond delay="2000"/>
-                            </p:stCondLst>
-                            <p:childTnLst>
-                              <p:par>
-                                <p:cTn id="11" presetID="14" presetClass="entr" presetSubtype="10" fill="hold" nodeType="afterEffect">
-                                  <p:stCondLst>
-                                    <p:cond delay="0"/>
-                                  </p:stCondLst>
-                                  <p:childTnLst>
-                                    <p:set>
-                                      <p:cBhvr>
-                                        <p:cTn id="12" dur="1" fill="hold">
-                                          <p:stCondLst>
-                                            <p:cond delay="0"/>
-                                          </p:stCondLst>
-                                        </p:cTn>
-                                        <p:tgtEl>
-                                          <p:spTgt spid="1028"/>
-                                        </p:tgtEl>
-                                        <p:attrNameLst>
-                                          <p:attrName>style.visibility</p:attrName>
-                                        </p:attrNameLst>
-                                      </p:cBhvr>
-                                      <p:to>
-                                        <p:strVal val="visible"/>
-                                      </p:to>
-                                    </p:set>
-                                    <p:animEffect transition="in" filter="randombar(horizontal)">
-                                      <p:cBhvr>
-                                        <p:cTn id="13" dur="1500"/>
-                                        <p:tgtEl>
-                                          <p:spTgt spid="1028"/>
-                                        </p:tgtEl>
-                                      </p:cBhvr>
-                                    </p:animEffect>
-                                  </p:childTnLst>
-                                </p:cTn>
-                              </p:par>
-                            </p:childTnLst>
-                          </p:cTn>
-                        </p:par>
-                      </p:childTnLst>
-                    </p:cTn>
-                  </p:par>
-                </p:childTnLst>
-              </p:cTn>
-              <p:prevCondLst>
-                <p:cond evt="onPrev" delay="0">
-                  <p:tgtEl>
-                    <p:sldTgt/>
-                  </p:tgtEl>
-                </p:cond>
-              </p:prevCondLst>
-              <p:nextCondLst>
-                <p:cond evt="onNext" delay="0">
-                  <p:tgtEl>
-                    <p:sldTgt/>
-                  </p:tgtEl>
-                </p:cond>
-              </p:nextCondLst>
-            </p:seq>
-          </p:childTnLst>
-        </p:cTn>
-      </p:par>
-    </p:tnLst>
-    <p:bldLst>
-      <p:bldP spid="6" grpId="0"/>
-    </p:bldLst>
-  </p:timing>
-</p:sld>
-</file>
-
-<file path=ppt/slides/slide6.xml><?xml version="1.0" encoding="utf-8"?>
 <p:sld xmlns:a="http://schemas.openxmlformats.org/drawingml/2006/main" xmlns:r="http://schemas.openxmlformats.org/officeDocument/2006/relationships" xmlns:p="http://schemas.openxmlformats.org/presentationml/2006/main">
   <p:cSld>
     <p:spTree>
@@ -7820,6 +7472,10 @@
             <a:prstGeom prst="rect">
               <a:avLst/>
             </a:prstGeom>
+            <a:noFill/>
+            <a:ln>
+              <a:prstDash val="dash"/>
+            </a:ln>
           </p:spPr>
           <p:style>
             <a:lnRef idx="1">
@@ -7862,6 +7518,10 @@
             <a:prstGeom prst="rect">
               <a:avLst/>
             </a:prstGeom>
+            <a:noFill/>
+            <a:ln>
+              <a:prstDash val="dash"/>
+            </a:ln>
           </p:spPr>
           <p:style>
             <a:lnRef idx="1">
@@ -7904,6 +7564,10 @@
             <a:prstGeom prst="rect">
               <a:avLst/>
             </a:prstGeom>
+            <a:noFill/>
+            <a:ln>
+              <a:prstDash val="dash"/>
+            </a:ln>
           </p:spPr>
           <p:style>
             <a:lnRef idx="1">
@@ -9785,11 +9449,7 @@
               <a:pPr algn="ctr"/>
               <a:r>
                 <a:rPr lang="en-US" sz="1000" dirty="0" smtClean="0"/>
-                <a:t>Request </a:t>
-              </a:r>
-              <a:r>
-                <a:rPr lang="en-US" sz="1000" dirty="0" smtClean="0"/>
-                <a:t>Subcontractors</a:t>
+                <a:t>Request Subcontractors</a:t>
               </a:r>
               <a:endParaRPr lang="en-PH" sz="1000" dirty="0"/>
             </a:p>
@@ -9820,11 +9480,7 @@
               <a:pPr algn="ctr"/>
               <a:r>
                 <a:rPr lang="en-US" sz="1000" dirty="0" smtClean="0"/>
-                <a:t>List of </a:t>
-              </a:r>
-              <a:r>
-                <a:rPr lang="en-US" sz="1000" dirty="0" smtClean="0"/>
-                <a:t>Subcontractors</a:t>
+                <a:t>List of Subcontractors</a:t>
               </a:r>
               <a:endParaRPr lang="en-PH" sz="1000" dirty="0"/>
             </a:p>
@@ -9869,7 +9525,7 @@
           </p:nvSpPr>
           <p:spPr>
             <a:xfrm>
-              <a:off x="7117239" y="2518432"/>
+              <a:off x="7117239" y="2379820"/>
               <a:ext cx="1118949" cy="210980"/>
             </a:xfrm>
             <a:prstGeom prst="rect">
@@ -9994,7 +9650,7 @@
           <p:spPr>
             <a:xfrm>
               <a:off x="9766531" y="4134394"/>
-              <a:ext cx="1036947" cy="342842"/>
+              <a:ext cx="1036947" cy="400110"/>
             </a:xfrm>
             <a:prstGeom prst="rect">
               <a:avLst/>
@@ -10010,7 +9666,7 @@
               <a:pPr algn="ctr"/>
               <a:r>
                 <a:rPr lang="en-US" sz="1000" dirty="0" smtClean="0"/>
-                <a:t>Reserve Vehicle</a:t>
+                <a:t>Request Vehicle</a:t>
               </a:r>
               <a:endParaRPr lang="en-PH" sz="1000" dirty="0"/>
             </a:p>
@@ -10272,7 +9928,7 @@
           </p:nvSpPr>
           <p:spPr>
             <a:xfrm>
-              <a:off x="9169460" y="4542529"/>
+              <a:off x="9169460" y="4495800"/>
               <a:ext cx="1115545" cy="342842"/>
             </a:xfrm>
             <a:prstGeom prst="rect">
@@ -10304,7 +9960,7 @@
           <p:spPr>
             <a:xfrm>
               <a:off x="8933897" y="5768007"/>
-              <a:ext cx="756939" cy="210980"/>
+              <a:ext cx="756939" cy="246221"/>
             </a:xfrm>
             <a:prstGeom prst="rect">
               <a:avLst/>
@@ -10320,7 +9976,7 @@
               <a:pPr algn="ctr"/>
               <a:r>
                 <a:rPr lang="en-US" sz="1000" dirty="0" smtClean="0"/>
-                <a:t>Approve</a:t>
+                <a:t>Deny</a:t>
               </a:r>
               <a:endParaRPr lang="en-PH" sz="1000" dirty="0"/>
             </a:p>
@@ -10335,7 +9991,7 @@
           <p:spPr>
             <a:xfrm>
               <a:off x="7117241" y="5099973"/>
-              <a:ext cx="756939" cy="210980"/>
+              <a:ext cx="756939" cy="246221"/>
             </a:xfrm>
             <a:prstGeom prst="rect">
               <a:avLst/>
@@ -10351,7 +10007,7 @@
               <a:pPr algn="ctr"/>
               <a:r>
                 <a:rPr lang="en-US" sz="1000" dirty="0" smtClean="0"/>
-                <a:t>Approve</a:t>
+                <a:t>Deny</a:t>
               </a:r>
               <a:endParaRPr lang="en-PH" sz="1000" dirty="0"/>
             </a:p>
@@ -10939,7 +10595,7 @@
 </p:sld>
 </file>
 
-<file path=ppt/slides/slide7.xml><?xml version="1.0" encoding="utf-8"?>
+<file path=ppt/slides/slide6.xml><?xml version="1.0" encoding="utf-8"?>
 <p:sld xmlns:a="http://schemas.openxmlformats.org/drawingml/2006/main" xmlns:r="http://schemas.openxmlformats.org/officeDocument/2006/relationships" xmlns:p="http://schemas.openxmlformats.org/presentationml/2006/main">
   <p:cSld>
     <p:spTree>
@@ -11348,6 +11004,10 @@
           <a:prstGeom prst="rect">
             <a:avLst/>
           </a:prstGeom>
+          <a:noFill/>
+          <a:ln>
+            <a:prstDash val="dash"/>
+          </a:ln>
         </p:spPr>
         <p:style>
           <a:lnRef idx="1">
@@ -11390,6 +11050,10 @@
           <a:prstGeom prst="rect">
             <a:avLst/>
           </a:prstGeom>
+          <a:noFill/>
+          <a:ln>
+            <a:prstDash val="dash"/>
+          </a:ln>
         </p:spPr>
         <p:style>
           <a:lnRef idx="1">
@@ -11432,6 +11096,10 @@
           <a:prstGeom prst="rect">
             <a:avLst/>
           </a:prstGeom>
+          <a:noFill/>
+          <a:ln>
+            <a:prstDash val="dash"/>
+          </a:ln>
         </p:spPr>
         <p:style>
           <a:lnRef idx="1">
@@ -11635,7 +11303,7 @@
           <a:prstGeom prst="straightConnector1">
             <a:avLst/>
           </a:prstGeom>
-          <a:ln w="19050">
+          <a:ln w="28575">
             <a:solidFill>
               <a:srgbClr val="C00000"/>
             </a:solidFill>
@@ -11830,7 +11498,7 @@
           </a:prstGeom>
           <a:ln w="28575">
             <a:solidFill>
-              <a:schemeClr val="accent4"/>
+              <a:srgbClr val="0070C0"/>
             </a:solidFill>
             <a:tailEnd type="arrow"/>
           </a:ln>
@@ -11977,7 +11645,7 @@
           </a:prstGeom>
           <a:ln w="28575">
             <a:solidFill>
-              <a:schemeClr val="accent4"/>
+              <a:srgbClr val="0070C0"/>
             </a:solidFill>
             <a:tailEnd type="arrow"/>
           </a:ln>
@@ -12016,7 +11684,7 @@
           </a:prstGeom>
           <a:ln w="28575">
             <a:solidFill>
-              <a:schemeClr val="accent4"/>
+              <a:srgbClr val="0070C0"/>
             </a:solidFill>
             <a:tailEnd type="arrow"/>
           </a:ln>
@@ -13296,8 +12964,8 @@
         </p:nvSpPr>
         <p:spPr>
           <a:xfrm>
-            <a:off x="6360299" y="3171367"/>
-            <a:ext cx="1118949" cy="342842"/>
+            <a:off x="6323012" y="3171367"/>
+            <a:ext cx="1118949" cy="400110"/>
           </a:xfrm>
           <a:prstGeom prst="rect">
             <a:avLst/>
@@ -13317,7 +12985,7 @@
             </a:r>
             <a:r>
               <a:rPr lang="en-US" sz="1000" dirty="0" smtClean="0"/>
-              <a:t>Subcontractors</a:t>
+              <a:t>Contractors</a:t>
             </a:r>
             <a:endParaRPr lang="en-PH" sz="1000" dirty="0"/>
           </a:p>
@@ -13331,8 +12999,8 @@
         </p:nvSpPr>
         <p:spPr>
           <a:xfrm>
-            <a:off x="5014269" y="3171367"/>
-            <a:ext cx="1118949" cy="342842"/>
+            <a:off x="5051663" y="3171367"/>
+            <a:ext cx="1118949" cy="400110"/>
           </a:xfrm>
           <a:prstGeom prst="rect">
             <a:avLst/>
@@ -13352,7 +13020,7 @@
             </a:r>
             <a:r>
               <a:rPr lang="en-US" sz="1000" dirty="0" smtClean="0"/>
-              <a:t>Subcontractors</a:t>
+              <a:t>Contractors</a:t>
             </a:r>
             <a:endParaRPr lang="en-PH" sz="1000" dirty="0"/>
           </a:p>
@@ -13522,7 +13190,7 @@
         <p:spPr>
           <a:xfrm>
             <a:off x="9766531" y="4134394"/>
-            <a:ext cx="1036947" cy="342842"/>
+            <a:ext cx="1036947" cy="400110"/>
           </a:xfrm>
           <a:prstGeom prst="rect">
             <a:avLst/>
@@ -13538,7 +13206,7 @@
             <a:pPr algn="ctr"/>
             <a:r>
               <a:rPr lang="en-US" sz="1000" dirty="0" smtClean="0"/>
-              <a:t>Reserve Vehicle</a:t>
+              <a:t>Request Vehicle</a:t>
             </a:r>
             <a:endParaRPr lang="en-PH" sz="1000" dirty="0"/>
           </a:p>
@@ -13862,7 +13530,7 @@
         </p:nvSpPr>
         <p:spPr>
           <a:xfrm>
-            <a:off x="7117241" y="5099973"/>
+            <a:off x="7242473" y="5697379"/>
             <a:ext cx="756939" cy="246221"/>
           </a:xfrm>
           <a:prstGeom prst="rect">
@@ -14434,6 +14102,193 @@
           </a:p>
         </p:txBody>
       </p:sp>
+      <p:sp>
+        <p:nvSpPr>
+          <p:cNvPr id="101" name="Rectangle 100"/>
+          <p:cNvSpPr/>
+          <p:nvPr/>
+        </p:nvSpPr>
+        <p:spPr>
+          <a:xfrm>
+            <a:off x="6627812" y="4800746"/>
+            <a:ext cx="1143869" cy="457054"/>
+          </a:xfrm>
+          <a:prstGeom prst="rect">
+            <a:avLst/>
+          </a:prstGeom>
+          <a:noFill/>
+          <a:ln>
+            <a:solidFill>
+              <a:schemeClr val="tx1"/>
+            </a:solidFill>
+            <a:prstDash val="dash"/>
+          </a:ln>
+        </p:spPr>
+        <p:style>
+          <a:lnRef idx="1">
+            <a:schemeClr val="accent1"/>
+          </a:lnRef>
+          <a:fillRef idx="2">
+            <a:schemeClr val="accent1"/>
+          </a:fillRef>
+          <a:effectRef idx="1">
+            <a:schemeClr val="accent1"/>
+          </a:effectRef>
+          <a:fontRef idx="minor">
+            <a:schemeClr val="dk1"/>
+          </a:fontRef>
+        </p:style>
+        <p:txBody>
+          <a:bodyPr rtlCol="0" anchor="ctr"/>
+          <a:lstStyle/>
+          <a:p>
+            <a:pPr algn="ctr"/>
+            <a:r>
+              <a:rPr lang="en-US" sz="1050" dirty="0" smtClean="0"/>
+              <a:t>Administrative</a:t>
+            </a:r>
+            <a:endParaRPr lang="en-PH" sz="1050" dirty="0"/>
+          </a:p>
+        </p:txBody>
+      </p:sp>
+      <p:cxnSp>
+        <p:nvCxnSpPr>
+          <p:cNvPr id="103" name="Straight Arrow Connector 102"/>
+          <p:cNvCxnSpPr/>
+          <p:nvPr/>
+        </p:nvCxnSpPr>
+        <p:spPr>
+          <a:xfrm rot="16200000" flipH="1">
+            <a:off x="6519588" y="4236482"/>
+            <a:ext cx="740250" cy="390598"/>
+          </a:xfrm>
+          <a:prstGeom prst="bentConnector3">
+            <a:avLst>
+              <a:gd name="adj1" fmla="val 50000"/>
+            </a:avLst>
+          </a:prstGeom>
+          <a:ln w="28575">
+            <a:solidFill>
+              <a:srgbClr val="0070C0"/>
+            </a:solidFill>
+            <a:tailEnd type="arrow"/>
+          </a:ln>
+        </p:spPr>
+        <p:style>
+          <a:lnRef idx="1">
+            <a:schemeClr val="accent1"/>
+          </a:lnRef>
+          <a:fillRef idx="0">
+            <a:schemeClr val="accent1"/>
+          </a:fillRef>
+          <a:effectRef idx="0">
+            <a:schemeClr val="accent1"/>
+          </a:effectRef>
+          <a:fontRef idx="minor">
+            <a:schemeClr val="tx1"/>
+          </a:fontRef>
+        </p:style>
+      </p:cxnSp>
+      <p:cxnSp>
+        <p:nvCxnSpPr>
+          <p:cNvPr id="107" name="Elbow Connector 106"/>
+          <p:cNvCxnSpPr>
+            <a:endCxn id="5" idx="3"/>
+          </p:cNvCxnSpPr>
+          <p:nvPr/>
+        </p:nvCxnSpPr>
+        <p:spPr>
+          <a:xfrm rot="16200000" flipV="1">
+            <a:off x="6801075" y="4044599"/>
+            <a:ext cx="792000" cy="720000"/>
+          </a:xfrm>
+          <a:prstGeom prst="bentConnector2">
+            <a:avLst/>
+          </a:prstGeom>
+          <a:ln w="28575">
+            <a:solidFill>
+              <a:srgbClr val="0070C0"/>
+            </a:solidFill>
+            <a:tailEnd type="arrow"/>
+          </a:ln>
+        </p:spPr>
+        <p:style>
+          <a:lnRef idx="1">
+            <a:schemeClr val="accent1"/>
+          </a:lnRef>
+          <a:fillRef idx="0">
+            <a:schemeClr val="accent1"/>
+          </a:fillRef>
+          <a:effectRef idx="0">
+            <a:schemeClr val="accent1"/>
+          </a:effectRef>
+          <a:fontRef idx="minor">
+            <a:schemeClr val="tx1"/>
+          </a:fontRef>
+        </p:style>
+      </p:cxnSp>
+      <p:sp>
+        <p:nvSpPr>
+          <p:cNvPr id="114" name="TextBox 113"/>
+          <p:cNvSpPr txBox="1"/>
+          <p:nvPr/>
+        </p:nvSpPr>
+        <p:spPr>
+          <a:xfrm>
+            <a:off x="6627812" y="4038600"/>
+            <a:ext cx="756939" cy="400110"/>
+          </a:xfrm>
+          <a:prstGeom prst="rect">
+            <a:avLst/>
+          </a:prstGeom>
+          <a:noFill/>
+        </p:spPr>
+        <p:txBody>
+          <a:bodyPr wrap="square" rtlCol="0">
+            <a:spAutoFit/>
+          </a:bodyPr>
+          <a:lstStyle/>
+          <a:p>
+            <a:pPr algn="ctr"/>
+            <a:r>
+              <a:rPr lang="en-US" sz="1000" dirty="0" smtClean="0"/>
+              <a:t>Project Proposal</a:t>
+            </a:r>
+            <a:endParaRPr lang="en-PH" sz="1000" dirty="0"/>
+          </a:p>
+        </p:txBody>
+      </p:sp>
+      <p:sp>
+        <p:nvSpPr>
+          <p:cNvPr id="115" name="TextBox 114"/>
+          <p:cNvSpPr txBox="1"/>
+          <p:nvPr/>
+        </p:nvSpPr>
+        <p:spPr>
+          <a:xfrm>
+            <a:off x="7547273" y="4020979"/>
+            <a:ext cx="756939" cy="246221"/>
+          </a:xfrm>
+          <a:prstGeom prst="rect">
+            <a:avLst/>
+          </a:prstGeom>
+          <a:noFill/>
+        </p:spPr>
+        <p:txBody>
+          <a:bodyPr wrap="square" rtlCol="0">
+            <a:spAutoFit/>
+          </a:bodyPr>
+          <a:lstStyle/>
+          <a:p>
+            <a:pPr algn="ctr"/>
+            <a:r>
+              <a:rPr lang="en-US" sz="1000" dirty="0" smtClean="0"/>
+              <a:t>Decision</a:t>
+            </a:r>
+            <a:endParaRPr lang="en-PH" sz="1000" dirty="0"/>
+          </a:p>
+        </p:txBody>
+      </p:sp>
     </p:spTree>
     <p:extLst>
       <p:ext uri="{BB962C8B-B14F-4D97-AF65-F5344CB8AC3E}">
@@ -14490,7 +14345,7 @@
                                           </p:stCondLst>
                                         </p:cTn>
                                         <p:tgtEl>
-                                          <p:spTgt spid="2"/>
+                                          <p:spTgt spid="87"/>
                                         </p:tgtEl>
                                         <p:attrNameLst>
                                           <p:attrName>style.visibility</p:attrName>
@@ -14504,7 +14359,7 @@
                                       <p:cBhvr>
                                         <p:cTn id="7" dur="1000"/>
                                         <p:tgtEl>
-                                          <p:spTgt spid="2"/>
+                                          <p:spTgt spid="87"/>
                                         </p:tgtEl>
                                       </p:cBhvr>
                                     </p:animEffect>
@@ -14512,7 +14367,7 @@
                                       <p:cBhvr>
                                         <p:cTn id="8" dur="1000" fill="hold"/>
                                         <p:tgtEl>
-                                          <p:spTgt spid="2"/>
+                                          <p:spTgt spid="87"/>
                                         </p:tgtEl>
                                         <p:attrNameLst>
                                           <p:attrName>ppt_x</p:attrName>
@@ -14535,7 +14390,88 @@
                                       <p:cBhvr>
                                         <p:cTn id="9" dur="1000" fill="hold"/>
                                         <p:tgtEl>
-                                          <p:spTgt spid="2"/>
+                                          <p:spTgt spid="87"/>
+                                        </p:tgtEl>
+                                        <p:attrNameLst>
+                                          <p:attrName>ppt_y</p:attrName>
+                                        </p:attrNameLst>
+                                      </p:cBhvr>
+                                      <p:tavLst>
+                                        <p:tav tm="0">
+                                          <p:val>
+                                            <p:strVal val="#ppt_y+.1"/>
+                                          </p:val>
+                                        </p:tav>
+                                        <p:tav tm="100000">
+                                          <p:val>
+                                            <p:strVal val="#ppt_y"/>
+                                          </p:val>
+                                        </p:tav>
+                                      </p:tavLst>
+                                    </p:anim>
+                                  </p:childTnLst>
+                                </p:cTn>
+                              </p:par>
+                              <p:par>
+                                <p:cTn id="10" presetID="42" presetClass="entr" presetSubtype="0" fill="hold" grpId="0" nodeType="withEffect">
+                                  <p:stCondLst>
+                                    <p:cond delay="0"/>
+                                  </p:stCondLst>
+                                  <p:childTnLst>
+                                    <p:set>
+                                      <p:cBhvr>
+                                        <p:cTn id="11" dur="1" fill="hold">
+                                          <p:stCondLst>
+                                            <p:cond delay="0"/>
+                                          </p:stCondLst>
+                                        </p:cTn>
+                                        <p:tgtEl>
+                                          <p:spTgt spid="89"/>
+                                        </p:tgtEl>
+                                        <p:attrNameLst>
+                                          <p:attrName>style.visibility</p:attrName>
+                                        </p:attrNameLst>
+                                      </p:cBhvr>
+                                      <p:to>
+                                        <p:strVal val="visible"/>
+                                      </p:to>
+                                    </p:set>
+                                    <p:animEffect transition="in" filter="fade">
+                                      <p:cBhvr>
+                                        <p:cTn id="12" dur="1000"/>
+                                        <p:tgtEl>
+                                          <p:spTgt spid="89"/>
+                                        </p:tgtEl>
+                                      </p:cBhvr>
+                                    </p:animEffect>
+                                    <p:anim calcmode="lin" valueType="num">
+                                      <p:cBhvr>
+                                        <p:cTn id="13" dur="1000" fill="hold"/>
+                                        <p:tgtEl>
+                                          <p:spTgt spid="89"/>
+                                        </p:tgtEl>
+                                        <p:attrNameLst>
+                                          <p:attrName>ppt_x</p:attrName>
+                                        </p:attrNameLst>
+                                      </p:cBhvr>
+                                      <p:tavLst>
+                                        <p:tav tm="0">
+                                          <p:val>
+                                            <p:strVal val="#ppt_x"/>
+                                          </p:val>
+                                        </p:tav>
+                                        <p:tav tm="100000">
+                                          <p:val>
+                                            <p:strVal val="#ppt_x"/>
+                                          </p:val>
+                                        </p:tav>
+                                      </p:tavLst>
+                                    </p:anim>
+                                    <p:anim calcmode="lin" valueType="num">
+                                      <p:cBhvr>
+                                        <p:cTn id="14" dur="1000" fill="hold"/>
+                                        <p:tgtEl>
+                                          <p:spTgt spid="89"/>
                                         </p:tgtEl>
                                         <p:attrNameLst>
                                           <p:attrName>ppt_y</p:attrName>
@@ -14564,173 +14500,32 @@
                     </p:cTn>
                   </p:par>
                   <p:par>
-                    <p:cTn id="10" fill="hold">
+                    <p:cTn id="15" fill="hold">
                       <p:stCondLst>
                         <p:cond delay="indefinite"/>
                       </p:stCondLst>
                       <p:childTnLst>
                         <p:par>
-                          <p:cTn id="11" fill="hold">
+                          <p:cTn id="16" fill="hold">
                             <p:stCondLst>
                               <p:cond delay="0"/>
                             </p:stCondLst>
                             <p:childTnLst>
                               <p:par>
-                                <p:cTn id="12" presetID="16" presetClass="entr" presetSubtype="21" fill="hold" grpId="0" nodeType="clickEffect">
+                                <p:cTn id="17" presetID="42" presetClass="entr" presetSubtype="0" fill="hold" grpId="0" nodeType="clickEffect">
                                   <p:stCondLst>
                                     <p:cond delay="0"/>
                                   </p:stCondLst>
                                   <p:childTnLst>
                                     <p:set>
                                       <p:cBhvr>
-                                        <p:cTn id="13" dur="1" fill="hold">
+                                        <p:cTn id="18" dur="1" fill="hold">
                                           <p:stCondLst>
                                             <p:cond delay="0"/>
                                           </p:stCondLst>
                                         </p:cTn>
                                         <p:tgtEl>
-                                          <p:spTgt spid="3"/>
-                                        </p:tgtEl>
-                                        <p:attrNameLst>
-                                          <p:attrName>style.visibility</p:attrName>
-                                        </p:attrNameLst>
-                                      </p:cBhvr>
-                                      <p:to>
-                                        <p:strVal val="visible"/>
-                                      </p:to>
-                                    </p:set>
-                                    <p:animEffect transition="in" filter="barn(inVertical)">
-                                      <p:cBhvr>
-                                        <p:cTn id="14" dur="500"/>
-                                        <p:tgtEl>
-                                          <p:spTgt spid="3"/>
-                                        </p:tgtEl>
-                                      </p:cBhvr>
-                                    </p:animEffect>
-                                  </p:childTnLst>
-                                </p:cTn>
-                              </p:par>
-                            </p:childTnLst>
-                          </p:cTn>
-                        </p:par>
-                        <p:par>
-                          <p:cTn id="15" fill="hold">
-                            <p:stCondLst>
-                              <p:cond delay="500"/>
-                            </p:stCondLst>
-                            <p:childTnLst>
-                              <p:par>
-                                <p:cTn id="16" presetID="22" presetClass="entr" presetSubtype="4" fill="hold" nodeType="afterEffect">
-                                  <p:stCondLst>
-                                    <p:cond delay="0"/>
-                                  </p:stCondLst>
-                                  <p:childTnLst>
-                                    <p:set>
-                                      <p:cBhvr>
-                                        <p:cTn id="17" dur="1" fill="hold">
-                                          <p:stCondLst>
-                                            <p:cond delay="0"/>
-                                          </p:stCondLst>
-                                        </p:cTn>
-                                        <p:tgtEl>
-                                          <p:spTgt spid="19"/>
-                                        </p:tgtEl>
-                                        <p:attrNameLst>
-                                          <p:attrName>style.visibility</p:attrName>
-                                        </p:attrNameLst>
-                                      </p:cBhvr>
-                                      <p:to>
-                                        <p:strVal val="visible"/>
-                                      </p:to>
-                                    </p:set>
-                                    <p:animEffect transition="in" filter="wipe(down)">
-                                      <p:cBhvr>
-                                        <p:cTn id="18" dur="500"/>
-                                        <p:tgtEl>
-                                          <p:spTgt spid="19"/>
-                                        </p:tgtEl>
-                                      </p:cBhvr>
-                                    </p:animEffect>
-                                  </p:childTnLst>
-                                </p:cTn>
-                              </p:par>
-                            </p:childTnLst>
-                          </p:cTn>
-                        </p:par>
-                        <p:par>
-                          <p:cTn id="19" fill="hold">
-                            <p:stCondLst>
-                              <p:cond delay="1000"/>
-                            </p:stCondLst>
-                            <p:childTnLst>
-                              <p:par>
-                                <p:cTn id="20" presetID="16" presetClass="entr" presetSubtype="26" fill="hold" grpId="0" nodeType="afterEffect">
-                                  <p:stCondLst>
-                                    <p:cond delay="0"/>
-                                  </p:stCondLst>
-                                  <p:childTnLst>
-                                    <p:set>
-                                      <p:cBhvr>
-                                        <p:cTn id="21" dur="1" fill="hold">
-                                          <p:stCondLst>
-                                            <p:cond delay="0"/>
-                                          </p:stCondLst>
-                                        </p:cTn>
-                                        <p:tgtEl>
-                                          <p:spTgt spid="55"/>
-                                        </p:tgtEl>
-                                        <p:attrNameLst>
-                                          <p:attrName>style.visibility</p:attrName>
-                                        </p:attrNameLst>
-                                      </p:cBhvr>
-                                      <p:to>
-                                        <p:strVal val="visible"/>
-                                      </p:to>
-                                    </p:set>
-                                    <p:animEffect transition="in" filter="barn(inHorizontal)">
-                                      <p:cBhvr>
-                                        <p:cTn id="22" dur="500"/>
-                                        <p:tgtEl>
-                                          <p:spTgt spid="55"/>
-                                        </p:tgtEl>
-                                      </p:cBhvr>
-                                    </p:animEffect>
-                                  </p:childTnLst>
-                                </p:cTn>
-                              </p:par>
-                            </p:childTnLst>
-                          </p:cTn>
-                        </p:par>
-                      </p:childTnLst>
-                    </p:cTn>
-                  </p:par>
-                  <p:par>
-                    <p:cTn id="23" fill="hold">
-                      <p:stCondLst>
-                        <p:cond delay="indefinite"/>
-                      </p:stCondLst>
-                      <p:childTnLst>
-                        <p:par>
-                          <p:cTn id="24" fill="hold">
-                            <p:stCondLst>
-                              <p:cond delay="0"/>
-                            </p:stCondLst>
-                            <p:childTnLst>
-                              <p:par>
-                                <p:cTn id="25" presetID="47" presetClass="entr" presetSubtype="0" fill="hold" grpId="0" nodeType="clickEffect">
-                                  <p:stCondLst>
-                                    <p:cond delay="0"/>
-                                  </p:stCondLst>
-                                  <p:childTnLst>
-                                    <p:set>
-                                      <p:cBhvr>
-                                        <p:cTn id="26" dur="1" fill="hold">
-                                          <p:stCondLst>
-                                            <p:cond delay="0"/>
-                                          </p:stCondLst>
-                                        </p:cTn>
-                                        <p:tgtEl>
-                                          <p:spTgt spid="11"/>
+                                          <p:spTgt spid="2"/>
                                         </p:tgtEl>
                                         <p:attrNameLst>
                                           <p:attrName>style.visibility</p:attrName>
@@ -14742,17 +14537,17 @@
                                     </p:set>
                                     <p:animEffect transition="in" filter="fade">
                                       <p:cBhvr>
-                                        <p:cTn id="27" dur="1000"/>
-                                        <p:tgtEl>
-                                          <p:spTgt spid="11"/>
+                                        <p:cTn id="19" dur="1000"/>
+                                        <p:tgtEl>
+                                          <p:spTgt spid="2"/>
                                         </p:tgtEl>
                                       </p:cBhvr>
                                     </p:animEffect>
                                     <p:anim calcmode="lin" valueType="num">
                                       <p:cBhvr>
-                                        <p:cTn id="28" dur="1000" fill="hold"/>
-                                        <p:tgtEl>
-                                          <p:spTgt spid="11"/>
+                                        <p:cTn id="20" dur="1000" fill="hold"/>
+                                        <p:tgtEl>
+                                          <p:spTgt spid="2"/>
                                         </p:tgtEl>
                                         <p:attrNameLst>
                                           <p:attrName>ppt_x</p:attrName>
@@ -14773,845 +14568,9 @@
                                     </p:anim>
                                     <p:anim calcmode="lin" valueType="num">
                                       <p:cBhvr>
-                                        <p:cTn id="29" dur="1000" fill="hold"/>
-                                        <p:tgtEl>
-                                          <p:spTgt spid="11"/>
-                                        </p:tgtEl>
-                                        <p:attrNameLst>
-                                          <p:attrName>ppt_y</p:attrName>
-                                        </p:attrNameLst>
-                                      </p:cBhvr>
-                                      <p:tavLst>
-                                        <p:tav tm="0">
-                                          <p:val>
-                                            <p:strVal val="#ppt_y-.1"/>
-                                          </p:val>
-                                        </p:tav>
-                                        <p:tav tm="100000">
-                                          <p:val>
-                                            <p:strVal val="#ppt_y"/>
-                                          </p:val>
-                                        </p:tav>
-                                      </p:tavLst>
-                                    </p:anim>
-                                  </p:childTnLst>
-                                </p:cTn>
-                              </p:par>
-                            </p:childTnLst>
-                          </p:cTn>
-                        </p:par>
-                        <p:par>
-                          <p:cTn id="30" fill="hold">
-                            <p:stCondLst>
-                              <p:cond delay="1000"/>
-                            </p:stCondLst>
-                            <p:childTnLst>
-                              <p:par>
-                                <p:cTn id="31" presetID="22" presetClass="entr" presetSubtype="4" fill="hold" nodeType="afterEffect">
-                                  <p:stCondLst>
-                                    <p:cond delay="0"/>
-                                  </p:stCondLst>
-                                  <p:childTnLst>
-                                    <p:set>
-                                      <p:cBhvr>
-                                        <p:cTn id="32" dur="1" fill="hold">
-                                          <p:stCondLst>
-                                            <p:cond delay="0"/>
-                                          </p:stCondLst>
-                                        </p:cTn>
-                                        <p:tgtEl>
-                                          <p:spTgt spid="17"/>
-                                        </p:tgtEl>
-                                        <p:attrNameLst>
-                                          <p:attrName>style.visibility</p:attrName>
-                                        </p:attrNameLst>
-                                      </p:cBhvr>
-                                      <p:to>
-                                        <p:strVal val="visible"/>
-                                      </p:to>
-                                    </p:set>
-                                    <p:animEffect transition="in" filter="wipe(down)">
-                                      <p:cBhvr>
-                                        <p:cTn id="33" dur="500"/>
-                                        <p:tgtEl>
-                                          <p:spTgt spid="17"/>
-                                        </p:tgtEl>
-                                      </p:cBhvr>
-                                    </p:animEffect>
-                                  </p:childTnLst>
-                                </p:cTn>
-                              </p:par>
-                            </p:childTnLst>
-                          </p:cTn>
-                        </p:par>
-                        <p:par>
-                          <p:cTn id="34" fill="hold">
-                            <p:stCondLst>
-                              <p:cond delay="1500"/>
-                            </p:stCondLst>
-                            <p:childTnLst>
-                              <p:par>
-                                <p:cTn id="35" presetID="16" presetClass="entr" presetSubtype="21" fill="hold" grpId="0" nodeType="afterEffect">
-                                  <p:stCondLst>
-                                    <p:cond delay="0"/>
-                                  </p:stCondLst>
-                                  <p:childTnLst>
-                                    <p:set>
-                                      <p:cBhvr>
-                                        <p:cTn id="36" dur="1" fill="hold">
-                                          <p:stCondLst>
-                                            <p:cond delay="0"/>
-                                          </p:stCondLst>
-                                        </p:cTn>
-                                        <p:tgtEl>
-                                          <p:spTgt spid="57"/>
-                                        </p:tgtEl>
-                                        <p:attrNameLst>
-                                          <p:attrName>style.visibility</p:attrName>
-                                        </p:attrNameLst>
-                                      </p:cBhvr>
-                                      <p:to>
-                                        <p:strVal val="visible"/>
-                                      </p:to>
-                                    </p:set>
-                                    <p:animEffect transition="in" filter="barn(inVertical)">
-                                      <p:cBhvr>
-                                        <p:cTn id="37" dur="500"/>
-                                        <p:tgtEl>
-                                          <p:spTgt spid="57"/>
-                                        </p:tgtEl>
-                                      </p:cBhvr>
-                                    </p:animEffect>
-                                  </p:childTnLst>
-                                </p:cTn>
-                              </p:par>
-                            </p:childTnLst>
-                          </p:cTn>
-                        </p:par>
-                        <p:par>
-                          <p:cTn id="38" fill="hold">
-                            <p:stCondLst>
-                              <p:cond delay="2000"/>
-                            </p:stCondLst>
-                            <p:childTnLst>
-                              <p:par>
-                                <p:cTn id="39" presetID="10" presetClass="entr" presetSubtype="0" fill="hold" nodeType="afterEffect">
-                                  <p:stCondLst>
-                                    <p:cond delay="0"/>
-                                  </p:stCondLst>
-                                  <p:childTnLst>
-                                    <p:set>
-                                      <p:cBhvr>
-                                        <p:cTn id="40" dur="1" fill="hold">
-                                          <p:stCondLst>
-                                            <p:cond delay="0"/>
-                                          </p:stCondLst>
-                                        </p:cTn>
-                                        <p:tgtEl>
-                                          <p:spTgt spid="14"/>
-                                        </p:tgtEl>
-                                        <p:attrNameLst>
-                                          <p:attrName>style.visibility</p:attrName>
-                                        </p:attrNameLst>
-                                      </p:cBhvr>
-                                      <p:to>
-                                        <p:strVal val="visible"/>
-                                      </p:to>
-                                    </p:set>
-                                    <p:animEffect transition="in" filter="fade">
-                                      <p:cBhvr>
-                                        <p:cTn id="41" dur="1000"/>
-                                        <p:tgtEl>
-                                          <p:spTgt spid="14"/>
-                                        </p:tgtEl>
-                                      </p:cBhvr>
-                                    </p:animEffect>
-                                  </p:childTnLst>
-                                </p:cTn>
-                              </p:par>
-                            </p:childTnLst>
-                          </p:cTn>
-                        </p:par>
-                        <p:par>
-                          <p:cTn id="42" fill="hold">
-                            <p:stCondLst>
-                              <p:cond delay="3000"/>
-                            </p:stCondLst>
-                            <p:childTnLst>
-                              <p:par>
-                                <p:cTn id="43" presetID="22" presetClass="entr" presetSubtype="4" fill="hold" nodeType="afterEffect">
-                                  <p:stCondLst>
-                                    <p:cond delay="0"/>
-                                  </p:stCondLst>
-                                  <p:childTnLst>
-                                    <p:set>
-                                      <p:cBhvr>
-                                        <p:cTn id="44" dur="1" fill="hold">
-                                          <p:stCondLst>
-                                            <p:cond delay="0"/>
-                                          </p:stCondLst>
-                                        </p:cTn>
-                                        <p:tgtEl>
-                                          <p:spTgt spid="18"/>
-                                        </p:tgtEl>
-                                        <p:attrNameLst>
-                                          <p:attrName>style.visibility</p:attrName>
-                                        </p:attrNameLst>
-                                      </p:cBhvr>
-                                      <p:to>
-                                        <p:strVal val="visible"/>
-                                      </p:to>
-                                    </p:set>
-                                    <p:animEffect transition="in" filter="wipe(down)">
-                                      <p:cBhvr>
-                                        <p:cTn id="45" dur="500"/>
-                                        <p:tgtEl>
-                                          <p:spTgt spid="18"/>
-                                        </p:tgtEl>
-                                      </p:cBhvr>
-                                    </p:animEffect>
-                                  </p:childTnLst>
-                                </p:cTn>
-                              </p:par>
-                            </p:childTnLst>
-                          </p:cTn>
-                        </p:par>
-                      </p:childTnLst>
-                    </p:cTn>
-                  </p:par>
-                  <p:par>
-                    <p:cTn id="46" fill="hold">
-                      <p:stCondLst>
-                        <p:cond delay="indefinite"/>
-                      </p:stCondLst>
-                      <p:childTnLst>
-                        <p:par>
-                          <p:cTn id="47" fill="hold">
-                            <p:stCondLst>
-                              <p:cond delay="0"/>
-                            </p:stCondLst>
-                            <p:childTnLst>
-                              <p:par>
-                                <p:cTn id="48" presetID="42" presetClass="entr" presetSubtype="0" fill="hold" nodeType="clickEffect">
-                                  <p:stCondLst>
-                                    <p:cond delay="0"/>
-                                  </p:stCondLst>
-                                  <p:childTnLst>
-                                    <p:set>
-                                      <p:cBhvr>
-                                        <p:cTn id="49" dur="1" fill="hold">
-                                          <p:stCondLst>
-                                            <p:cond delay="0"/>
-                                          </p:stCondLst>
-                                        </p:cTn>
-                                        <p:tgtEl>
-                                          <p:spTgt spid="21"/>
-                                        </p:tgtEl>
-                                        <p:attrNameLst>
-                                          <p:attrName>style.visibility</p:attrName>
-                                        </p:attrNameLst>
-                                      </p:cBhvr>
-                                      <p:to>
-                                        <p:strVal val="visible"/>
-                                      </p:to>
-                                    </p:set>
-                                    <p:animEffect transition="in" filter="fade">
-                                      <p:cBhvr>
-                                        <p:cTn id="50" dur="1000"/>
-                                        <p:tgtEl>
-                                          <p:spTgt spid="21"/>
-                                        </p:tgtEl>
-                                      </p:cBhvr>
-                                    </p:animEffect>
-                                    <p:anim calcmode="lin" valueType="num">
-                                      <p:cBhvr>
-                                        <p:cTn id="51" dur="1000" fill="hold"/>
-                                        <p:tgtEl>
-                                          <p:spTgt spid="21"/>
-                                        </p:tgtEl>
-                                        <p:attrNameLst>
-                                          <p:attrName>ppt_x</p:attrName>
-                                        </p:attrNameLst>
-                                      </p:cBhvr>
-                                      <p:tavLst>
-                                        <p:tav tm="0">
-                                          <p:val>
-                                            <p:strVal val="#ppt_x"/>
-                                          </p:val>
-                                        </p:tav>
-                                        <p:tav tm="100000">
-                                          <p:val>
-                                            <p:strVal val="#ppt_x"/>
-                                          </p:val>
-                                        </p:tav>
-                                      </p:tavLst>
-                                    </p:anim>
-                                    <p:anim calcmode="lin" valueType="num">
-                                      <p:cBhvr>
-                                        <p:cTn id="52" dur="1000" fill="hold"/>
-                                        <p:tgtEl>
-                                          <p:spTgt spid="21"/>
-                                        </p:tgtEl>
-                                        <p:attrNameLst>
-                                          <p:attrName>ppt_y</p:attrName>
-                                        </p:attrNameLst>
-                                      </p:cBhvr>
-                                      <p:tavLst>
-                                        <p:tav tm="0">
-                                          <p:val>
-                                            <p:strVal val="#ppt_y+.1"/>
-                                          </p:val>
-                                        </p:tav>
-                                        <p:tav tm="100000">
-                                          <p:val>
-                                            <p:strVal val="#ppt_y"/>
-                                          </p:val>
-                                        </p:tav>
-                                      </p:tavLst>
-                                    </p:anim>
-                                  </p:childTnLst>
-                                </p:cTn>
-                              </p:par>
-                            </p:childTnLst>
-                          </p:cTn>
-                        </p:par>
-                        <p:par>
-                          <p:cTn id="53" fill="hold">
-                            <p:stCondLst>
-                              <p:cond delay="1000"/>
-                            </p:stCondLst>
-                            <p:childTnLst>
-                              <p:par>
-                                <p:cTn id="54" presetID="16" presetClass="entr" presetSubtype="21" fill="hold" grpId="0" nodeType="afterEffect">
-                                  <p:stCondLst>
-                                    <p:cond delay="0"/>
-                                  </p:stCondLst>
-                                  <p:childTnLst>
-                                    <p:set>
-                                      <p:cBhvr>
-                                        <p:cTn id="55" dur="1" fill="hold">
-                                          <p:stCondLst>
-                                            <p:cond delay="0"/>
-                                          </p:stCondLst>
-                                        </p:cTn>
-                                        <p:tgtEl>
-                                          <p:spTgt spid="59"/>
-                                        </p:tgtEl>
-                                        <p:attrNameLst>
-                                          <p:attrName>style.visibility</p:attrName>
-                                        </p:attrNameLst>
-                                      </p:cBhvr>
-                                      <p:to>
-                                        <p:strVal val="visible"/>
-                                      </p:to>
-                                    </p:set>
-                                    <p:animEffect transition="in" filter="barn(inVertical)">
-                                      <p:cBhvr>
-                                        <p:cTn id="56" dur="500"/>
-                                        <p:tgtEl>
-                                          <p:spTgt spid="59"/>
-                                        </p:tgtEl>
-                                      </p:cBhvr>
-                                    </p:animEffect>
-                                  </p:childTnLst>
-                                </p:cTn>
-                              </p:par>
-                            </p:childTnLst>
-                          </p:cTn>
-                        </p:par>
-                      </p:childTnLst>
-                    </p:cTn>
-                  </p:par>
-                  <p:par>
-                    <p:cTn id="57" fill="hold">
-                      <p:stCondLst>
-                        <p:cond delay="indefinite"/>
-                      </p:stCondLst>
-                      <p:childTnLst>
-                        <p:par>
-                          <p:cTn id="58" fill="hold">
-                            <p:stCondLst>
-                              <p:cond delay="0"/>
-                            </p:stCondLst>
-                            <p:childTnLst>
-                              <p:par>
-                                <p:cTn id="59" presetID="16" presetClass="entr" presetSubtype="21" fill="hold" grpId="0" nodeType="clickEffect">
-                                  <p:stCondLst>
-                                    <p:cond delay="0"/>
-                                  </p:stCondLst>
-                                  <p:childTnLst>
-                                    <p:set>
-                                      <p:cBhvr>
-                                        <p:cTn id="60" dur="1" fill="hold">
-                                          <p:stCondLst>
-                                            <p:cond delay="0"/>
-                                          </p:stCondLst>
-                                        </p:cTn>
-                                        <p:tgtEl>
-                                          <p:spTgt spid="13"/>
-                                        </p:tgtEl>
-                                        <p:attrNameLst>
-                                          <p:attrName>style.visibility</p:attrName>
-                                        </p:attrNameLst>
-                                      </p:cBhvr>
-                                      <p:to>
-                                        <p:strVal val="visible"/>
-                                      </p:to>
-                                    </p:set>
-                                    <p:animEffect transition="in" filter="barn(inVertical)">
-                                      <p:cBhvr>
-                                        <p:cTn id="61" dur="500"/>
-                                        <p:tgtEl>
-                                          <p:spTgt spid="13"/>
-                                        </p:tgtEl>
-                                      </p:cBhvr>
-                                    </p:animEffect>
-                                  </p:childTnLst>
-                                </p:cTn>
-                              </p:par>
-                            </p:childTnLst>
-                          </p:cTn>
-                        </p:par>
-                        <p:par>
-                          <p:cTn id="62" fill="hold">
-                            <p:stCondLst>
-                              <p:cond delay="500"/>
-                            </p:stCondLst>
-                            <p:childTnLst>
-                              <p:par>
-                                <p:cTn id="63" presetID="42" presetClass="entr" presetSubtype="0" fill="hold" nodeType="afterEffect">
-                                  <p:stCondLst>
-                                    <p:cond delay="0"/>
-                                  </p:stCondLst>
-                                  <p:childTnLst>
-                                    <p:set>
-                                      <p:cBhvr>
-                                        <p:cTn id="64" dur="1" fill="hold">
-                                          <p:stCondLst>
-                                            <p:cond delay="0"/>
-                                          </p:stCondLst>
-                                        </p:cTn>
-                                        <p:tgtEl>
-                                          <p:spTgt spid="22"/>
-                                        </p:tgtEl>
-                                        <p:attrNameLst>
-                                          <p:attrName>style.visibility</p:attrName>
-                                        </p:attrNameLst>
-                                      </p:cBhvr>
-                                      <p:to>
-                                        <p:strVal val="visible"/>
-                                      </p:to>
-                                    </p:set>
-                                    <p:animEffect transition="in" filter="fade">
-                                      <p:cBhvr>
-                                        <p:cTn id="65" dur="1000"/>
-                                        <p:tgtEl>
-                                          <p:spTgt spid="22"/>
-                                        </p:tgtEl>
-                                      </p:cBhvr>
-                                    </p:animEffect>
-                                    <p:anim calcmode="lin" valueType="num">
-                                      <p:cBhvr>
-                                        <p:cTn id="66" dur="1000" fill="hold"/>
-                                        <p:tgtEl>
-                                          <p:spTgt spid="22"/>
-                                        </p:tgtEl>
-                                        <p:attrNameLst>
-                                          <p:attrName>ppt_x</p:attrName>
-                                        </p:attrNameLst>
-                                      </p:cBhvr>
-                                      <p:tavLst>
-                                        <p:tav tm="0">
-                                          <p:val>
-                                            <p:strVal val="#ppt_x"/>
-                                          </p:val>
-                                        </p:tav>
-                                        <p:tav tm="100000">
-                                          <p:val>
-                                            <p:strVal val="#ppt_x"/>
-                                          </p:val>
-                                        </p:tav>
-                                      </p:tavLst>
-                                    </p:anim>
-                                    <p:anim calcmode="lin" valueType="num">
-                                      <p:cBhvr>
-                                        <p:cTn id="67" dur="1000" fill="hold"/>
-                                        <p:tgtEl>
-                                          <p:spTgt spid="22"/>
-                                        </p:tgtEl>
-                                        <p:attrNameLst>
-                                          <p:attrName>ppt_y</p:attrName>
-                                        </p:attrNameLst>
-                                      </p:cBhvr>
-                                      <p:tavLst>
-                                        <p:tav tm="0">
-                                          <p:val>
-                                            <p:strVal val="#ppt_y+.1"/>
-                                          </p:val>
-                                        </p:tav>
-                                        <p:tav tm="100000">
-                                          <p:val>
-                                            <p:strVal val="#ppt_y"/>
-                                          </p:val>
-                                        </p:tav>
-                                      </p:tavLst>
-                                    </p:anim>
-                                  </p:childTnLst>
-                                </p:cTn>
-                              </p:par>
-                            </p:childTnLst>
-                          </p:cTn>
-                        </p:par>
-                        <p:par>
-                          <p:cTn id="68" fill="hold">
-                            <p:stCondLst>
-                              <p:cond delay="1500"/>
-                            </p:stCondLst>
-                            <p:childTnLst>
-                              <p:par>
-                                <p:cTn id="69" presetID="16" presetClass="entr" presetSubtype="21" fill="hold" grpId="0" nodeType="afterEffect">
-                                  <p:stCondLst>
-                                    <p:cond delay="0"/>
-                                  </p:stCondLst>
-                                  <p:childTnLst>
-                                    <p:set>
-                                      <p:cBhvr>
-                                        <p:cTn id="70" dur="1" fill="hold">
-                                          <p:stCondLst>
-                                            <p:cond delay="0"/>
-                                          </p:stCondLst>
-                                        </p:cTn>
-                                        <p:tgtEl>
-                                          <p:spTgt spid="58"/>
-                                        </p:tgtEl>
-                                        <p:attrNameLst>
-                                          <p:attrName>style.visibility</p:attrName>
-                                        </p:attrNameLst>
-                                      </p:cBhvr>
-                                      <p:to>
-                                        <p:strVal val="visible"/>
-                                      </p:to>
-                                    </p:set>
-                                    <p:animEffect transition="in" filter="barn(inVertical)">
-                                      <p:cBhvr>
-                                        <p:cTn id="71" dur="500"/>
-                                        <p:tgtEl>
-                                          <p:spTgt spid="58"/>
-                                        </p:tgtEl>
-                                      </p:cBhvr>
-                                    </p:animEffect>
-                                  </p:childTnLst>
-                                </p:cTn>
-                              </p:par>
-                            </p:childTnLst>
-                          </p:cTn>
-                        </p:par>
-                      </p:childTnLst>
-                    </p:cTn>
-                  </p:par>
-                  <p:par>
-                    <p:cTn id="72" fill="hold">
-                      <p:stCondLst>
-                        <p:cond delay="indefinite"/>
-                      </p:stCondLst>
-                      <p:childTnLst>
-                        <p:par>
-                          <p:cTn id="73" fill="hold">
-                            <p:stCondLst>
-                              <p:cond delay="0"/>
-                            </p:stCondLst>
-                            <p:childTnLst>
-                              <p:par>
-                                <p:cTn id="74" presetID="22" presetClass="entr" presetSubtype="4" fill="hold" nodeType="clickEffect">
-                                  <p:stCondLst>
-                                    <p:cond delay="0"/>
-                                  </p:stCondLst>
-                                  <p:childTnLst>
-                                    <p:set>
-                                      <p:cBhvr>
-                                        <p:cTn id="75" dur="1" fill="hold">
-                                          <p:stCondLst>
-                                            <p:cond delay="0"/>
-                                          </p:stCondLst>
-                                        </p:cTn>
-                                        <p:tgtEl>
-                                          <p:spTgt spid="23"/>
-                                        </p:tgtEl>
-                                        <p:attrNameLst>
-                                          <p:attrName>style.visibility</p:attrName>
-                                        </p:attrNameLst>
-                                      </p:cBhvr>
-                                      <p:to>
-                                        <p:strVal val="visible"/>
-                                      </p:to>
-                                    </p:set>
-                                    <p:animEffect transition="in" filter="wipe(down)">
-                                      <p:cBhvr>
-                                        <p:cTn id="76" dur="1000"/>
-                                        <p:tgtEl>
-                                          <p:spTgt spid="23"/>
-                                        </p:tgtEl>
-                                      </p:cBhvr>
-                                    </p:animEffect>
-                                  </p:childTnLst>
-                                </p:cTn>
-                              </p:par>
-                            </p:childTnLst>
-                          </p:cTn>
-                        </p:par>
-                        <p:par>
-                          <p:cTn id="77" fill="hold">
-                            <p:stCondLst>
-                              <p:cond delay="1000"/>
-                            </p:stCondLst>
-                            <p:childTnLst>
-                              <p:par>
-                                <p:cTn id="78" presetID="16" presetClass="entr" presetSubtype="21" fill="hold" grpId="0" nodeType="afterEffect">
-                                  <p:stCondLst>
-                                    <p:cond delay="0"/>
-                                  </p:stCondLst>
-                                  <p:childTnLst>
-                                    <p:set>
-                                      <p:cBhvr>
-                                        <p:cTn id="79" dur="1" fill="hold">
-                                          <p:stCondLst>
-                                            <p:cond delay="0"/>
-                                          </p:stCondLst>
-                                        </p:cTn>
-                                        <p:tgtEl>
-                                          <p:spTgt spid="61"/>
-                                        </p:tgtEl>
-                                        <p:attrNameLst>
-                                          <p:attrName>style.visibility</p:attrName>
-                                        </p:attrNameLst>
-                                      </p:cBhvr>
-                                      <p:to>
-                                        <p:strVal val="visible"/>
-                                      </p:to>
-                                    </p:set>
-                                    <p:animEffect transition="in" filter="barn(inVertical)">
-                                      <p:cBhvr>
-                                        <p:cTn id="80" dur="500"/>
-                                        <p:tgtEl>
-                                          <p:spTgt spid="61"/>
-                                        </p:tgtEl>
-                                      </p:cBhvr>
-                                    </p:animEffect>
-                                  </p:childTnLst>
-                                </p:cTn>
-                              </p:par>
-                            </p:childTnLst>
-                          </p:cTn>
-                        </p:par>
-                      </p:childTnLst>
-                    </p:cTn>
-                  </p:par>
-                  <p:par>
-                    <p:cTn id="81" fill="hold">
-                      <p:stCondLst>
-                        <p:cond delay="indefinite"/>
-                      </p:stCondLst>
-                      <p:childTnLst>
-                        <p:par>
-                          <p:cTn id="82" fill="hold">
-                            <p:stCondLst>
-                              <p:cond delay="0"/>
-                            </p:stCondLst>
-                            <p:childTnLst>
-                              <p:par>
-                                <p:cTn id="83" presetID="47" presetClass="entr" presetSubtype="0" fill="hold" grpId="0" nodeType="clickEffect">
-                                  <p:stCondLst>
-                                    <p:cond delay="0"/>
-                                  </p:stCondLst>
-                                  <p:childTnLst>
-                                    <p:set>
-                                      <p:cBhvr>
-                                        <p:cTn id="84" dur="1" fill="hold">
-                                          <p:stCondLst>
-                                            <p:cond delay="0"/>
-                                          </p:stCondLst>
-                                        </p:cTn>
-                                        <p:tgtEl>
-                                          <p:spTgt spid="10"/>
-                                        </p:tgtEl>
-                                        <p:attrNameLst>
-                                          <p:attrName>style.visibility</p:attrName>
-                                        </p:attrNameLst>
-                                      </p:cBhvr>
-                                      <p:to>
-                                        <p:strVal val="visible"/>
-                                      </p:to>
-                                    </p:set>
-                                    <p:animEffect transition="in" filter="fade">
-                                      <p:cBhvr>
-                                        <p:cTn id="85" dur="1000"/>
-                                        <p:tgtEl>
-                                          <p:spTgt spid="10"/>
-                                        </p:tgtEl>
-                                      </p:cBhvr>
-                                    </p:animEffect>
-                                    <p:anim calcmode="lin" valueType="num">
-                                      <p:cBhvr>
-                                        <p:cTn id="86" dur="1000" fill="hold"/>
-                                        <p:tgtEl>
-                                          <p:spTgt spid="10"/>
-                                        </p:tgtEl>
-                                        <p:attrNameLst>
-                                          <p:attrName>ppt_x</p:attrName>
-                                        </p:attrNameLst>
-                                      </p:cBhvr>
-                                      <p:tavLst>
-                                        <p:tav tm="0">
-                                          <p:val>
-                                            <p:strVal val="#ppt_x"/>
-                                          </p:val>
-                                        </p:tav>
-                                        <p:tav tm="100000">
-                                          <p:val>
-                                            <p:strVal val="#ppt_x"/>
-                                          </p:val>
-                                        </p:tav>
-                                      </p:tavLst>
-                                    </p:anim>
-                                    <p:anim calcmode="lin" valueType="num">
-                                      <p:cBhvr>
-                                        <p:cTn id="87" dur="1000" fill="hold"/>
-                                        <p:tgtEl>
-                                          <p:spTgt spid="10"/>
-                                        </p:tgtEl>
-                                        <p:attrNameLst>
-                                          <p:attrName>ppt_y</p:attrName>
-                                        </p:attrNameLst>
-                                      </p:cBhvr>
-                                      <p:tavLst>
-                                        <p:tav tm="0">
-                                          <p:val>
-                                            <p:strVal val="#ppt_y-.1"/>
-                                          </p:val>
-                                        </p:tav>
-                                        <p:tav tm="100000">
-                                          <p:val>
-                                            <p:strVal val="#ppt_y"/>
-                                          </p:val>
-                                        </p:tav>
-                                      </p:tavLst>
-                                    </p:anim>
-                                  </p:childTnLst>
-                                </p:cTn>
-                              </p:par>
-                            </p:childTnLst>
-                          </p:cTn>
-                        </p:par>
-                        <p:par>
-                          <p:cTn id="88" fill="hold">
-                            <p:stCondLst>
-                              <p:cond delay="1000"/>
-                            </p:stCondLst>
-                            <p:childTnLst>
-                              <p:par>
-                                <p:cTn id="89" presetID="16" presetClass="entr" presetSubtype="21" fill="hold" nodeType="afterEffect">
-                                  <p:stCondLst>
-                                    <p:cond delay="0"/>
-                                  </p:stCondLst>
-                                  <p:childTnLst>
-                                    <p:set>
-                                      <p:cBhvr>
-                                        <p:cTn id="90" dur="1" fill="hold">
-                                          <p:stCondLst>
-                                            <p:cond delay="0"/>
-                                          </p:stCondLst>
-                                        </p:cTn>
-                                        <p:tgtEl>
-                                          <p:spTgt spid="35"/>
-                                        </p:tgtEl>
-                                        <p:attrNameLst>
-                                          <p:attrName>style.visibility</p:attrName>
-                                        </p:attrNameLst>
-                                      </p:cBhvr>
-                                      <p:to>
-                                        <p:strVal val="visible"/>
-                                      </p:to>
-                                    </p:set>
-                                    <p:animEffect transition="in" filter="barn(inVertical)">
-                                      <p:cBhvr>
-                                        <p:cTn id="91" dur="500"/>
-                                        <p:tgtEl>
-                                          <p:spTgt spid="35"/>
-                                        </p:tgtEl>
-                                      </p:cBhvr>
-                                    </p:animEffect>
-                                  </p:childTnLst>
-                                </p:cTn>
-                              </p:par>
-                            </p:childTnLst>
-                          </p:cTn>
-                        </p:par>
-                        <p:par>
-                          <p:cTn id="92" fill="hold">
-                            <p:stCondLst>
-                              <p:cond delay="1500"/>
-                            </p:stCondLst>
-                            <p:childTnLst>
-                              <p:par>
-                                <p:cTn id="93" presetID="42" presetClass="entr" presetSubtype="0" fill="hold" grpId="0" nodeType="afterEffect">
-                                  <p:stCondLst>
-                                    <p:cond delay="0"/>
-                                  </p:stCondLst>
-                                  <p:childTnLst>
-                                    <p:set>
-                                      <p:cBhvr>
-                                        <p:cTn id="94" dur="1" fill="hold">
-                                          <p:stCondLst>
-                                            <p:cond delay="0"/>
-                                          </p:stCondLst>
-                                        </p:cTn>
-                                        <p:tgtEl>
-                                          <p:spTgt spid="63"/>
-                                        </p:tgtEl>
-                                        <p:attrNameLst>
-                                          <p:attrName>style.visibility</p:attrName>
-                                        </p:attrNameLst>
-                                      </p:cBhvr>
-                                      <p:to>
-                                        <p:strVal val="visible"/>
-                                      </p:to>
-                                    </p:set>
-                                    <p:animEffect transition="in" filter="fade">
-                                      <p:cBhvr>
-                                        <p:cTn id="95" dur="1000"/>
-                                        <p:tgtEl>
-                                          <p:spTgt spid="63"/>
-                                        </p:tgtEl>
-                                      </p:cBhvr>
-                                    </p:animEffect>
-                                    <p:anim calcmode="lin" valueType="num">
-                                      <p:cBhvr>
-                                        <p:cTn id="96" dur="1000" fill="hold"/>
-                                        <p:tgtEl>
-                                          <p:spTgt spid="63"/>
-                                        </p:tgtEl>
-                                        <p:attrNameLst>
-                                          <p:attrName>ppt_x</p:attrName>
-                                        </p:attrNameLst>
-                                      </p:cBhvr>
-                                      <p:tavLst>
-                                        <p:tav tm="0">
-                                          <p:val>
-                                            <p:strVal val="#ppt_x"/>
-                                          </p:val>
-                                        </p:tav>
-                                        <p:tav tm="100000">
-                                          <p:val>
-                                            <p:strVal val="#ppt_x"/>
-                                          </p:val>
-                                        </p:tav>
-                                      </p:tavLst>
-                                    </p:anim>
-                                    <p:anim calcmode="lin" valueType="num">
-                                      <p:cBhvr>
-                                        <p:cTn id="97" dur="1000" fill="hold"/>
-                                        <p:tgtEl>
-                                          <p:spTgt spid="63"/>
+                                        <p:cTn id="21" dur="1000" fill="hold"/>
+                                        <p:tgtEl>
+                                          <p:spTgt spid="2"/>
                                         </p:tgtEl>
                                         <p:attrNameLst>
                                           <p:attrName>ppt_y</p:attrName>
@@ -15640,32 +14599,173 @@
                     </p:cTn>
                   </p:par>
                   <p:par>
-                    <p:cTn id="98" fill="hold">
+                    <p:cTn id="22" fill="hold">
                       <p:stCondLst>
                         <p:cond delay="indefinite"/>
                       </p:stCondLst>
                       <p:childTnLst>
                         <p:par>
-                          <p:cTn id="99" fill="hold">
+                          <p:cTn id="23" fill="hold">
                             <p:stCondLst>
                               <p:cond delay="0"/>
                             </p:stCondLst>
                             <p:childTnLst>
                               <p:par>
-                                <p:cTn id="100" presetID="42" presetClass="entr" presetSubtype="0" fill="hold" nodeType="clickEffect">
+                                <p:cTn id="24" presetID="16" presetClass="entr" presetSubtype="21" fill="hold" grpId="0" nodeType="clickEffect">
                                   <p:stCondLst>
                                     <p:cond delay="0"/>
                                   </p:stCondLst>
                                   <p:childTnLst>
                                     <p:set>
                                       <p:cBhvr>
-                                        <p:cTn id="101" dur="1" fill="hold">
+                                        <p:cTn id="25" dur="1" fill="hold">
                                           <p:stCondLst>
                                             <p:cond delay="0"/>
                                           </p:stCondLst>
                                         </p:cTn>
                                         <p:tgtEl>
-                                          <p:spTgt spid="34"/>
+                                          <p:spTgt spid="3"/>
+                                        </p:tgtEl>
+                                        <p:attrNameLst>
+                                          <p:attrName>style.visibility</p:attrName>
+                                        </p:attrNameLst>
+                                      </p:cBhvr>
+                                      <p:to>
+                                        <p:strVal val="visible"/>
+                                      </p:to>
+                                    </p:set>
+                                    <p:animEffect transition="in" filter="barn(inVertical)">
+                                      <p:cBhvr>
+                                        <p:cTn id="26" dur="500"/>
+                                        <p:tgtEl>
+                                          <p:spTgt spid="3"/>
+                                        </p:tgtEl>
+                                      </p:cBhvr>
+                                    </p:animEffect>
+                                  </p:childTnLst>
+                                </p:cTn>
+                              </p:par>
+                            </p:childTnLst>
+                          </p:cTn>
+                        </p:par>
+                        <p:par>
+                          <p:cTn id="27" fill="hold">
+                            <p:stCondLst>
+                              <p:cond delay="500"/>
+                            </p:stCondLst>
+                            <p:childTnLst>
+                              <p:par>
+                                <p:cTn id="28" presetID="22" presetClass="entr" presetSubtype="4" fill="hold" nodeType="afterEffect">
+                                  <p:stCondLst>
+                                    <p:cond delay="0"/>
+                                  </p:stCondLst>
+                                  <p:childTnLst>
+                                    <p:set>
+                                      <p:cBhvr>
+                                        <p:cTn id="29" dur="1" fill="hold">
+                                          <p:stCondLst>
+                                            <p:cond delay="0"/>
+                                          </p:stCondLst>
+                                        </p:cTn>
+                                        <p:tgtEl>
+                                          <p:spTgt spid="19"/>
+                                        </p:tgtEl>
+                                        <p:attrNameLst>
+                                          <p:attrName>style.visibility</p:attrName>
+                                        </p:attrNameLst>
+                                      </p:cBhvr>
+                                      <p:to>
+                                        <p:strVal val="visible"/>
+                                      </p:to>
+                                    </p:set>
+                                    <p:animEffect transition="in" filter="wipe(down)">
+                                      <p:cBhvr>
+                                        <p:cTn id="30" dur="500"/>
+                                        <p:tgtEl>
+                                          <p:spTgt spid="19"/>
+                                        </p:tgtEl>
+                                      </p:cBhvr>
+                                    </p:animEffect>
+                                  </p:childTnLst>
+                                </p:cTn>
+                              </p:par>
+                            </p:childTnLst>
+                          </p:cTn>
+                        </p:par>
+                        <p:par>
+                          <p:cTn id="31" fill="hold">
+                            <p:stCondLst>
+                              <p:cond delay="1000"/>
+                            </p:stCondLst>
+                            <p:childTnLst>
+                              <p:par>
+                                <p:cTn id="32" presetID="16" presetClass="entr" presetSubtype="26" fill="hold" grpId="0" nodeType="afterEffect">
+                                  <p:stCondLst>
+                                    <p:cond delay="0"/>
+                                  </p:stCondLst>
+                                  <p:childTnLst>
+                                    <p:set>
+                                      <p:cBhvr>
+                                        <p:cTn id="33" dur="1" fill="hold">
+                                          <p:stCondLst>
+                                            <p:cond delay="0"/>
+                                          </p:stCondLst>
+                                        </p:cTn>
+                                        <p:tgtEl>
+                                          <p:spTgt spid="55"/>
+                                        </p:tgtEl>
+                                        <p:attrNameLst>
+                                          <p:attrName>style.visibility</p:attrName>
+                                        </p:attrNameLst>
+                                      </p:cBhvr>
+                                      <p:to>
+                                        <p:strVal val="visible"/>
+                                      </p:to>
+                                    </p:set>
+                                    <p:animEffect transition="in" filter="barn(inHorizontal)">
+                                      <p:cBhvr>
+                                        <p:cTn id="34" dur="500"/>
+                                        <p:tgtEl>
+                                          <p:spTgt spid="55"/>
+                                        </p:tgtEl>
+                                      </p:cBhvr>
+                                    </p:animEffect>
+                                  </p:childTnLst>
+                                </p:cTn>
+                              </p:par>
+                            </p:childTnLst>
+                          </p:cTn>
+                        </p:par>
+                      </p:childTnLst>
+                    </p:cTn>
+                  </p:par>
+                  <p:par>
+                    <p:cTn id="35" fill="hold">
+                      <p:stCondLst>
+                        <p:cond delay="indefinite"/>
+                      </p:stCondLst>
+                      <p:childTnLst>
+                        <p:par>
+                          <p:cTn id="36" fill="hold">
+                            <p:stCondLst>
+                              <p:cond delay="0"/>
+                            </p:stCondLst>
+                            <p:childTnLst>
+                              <p:par>
+                                <p:cTn id="37" presetID="47" presetClass="entr" presetSubtype="0" fill="hold" grpId="0" nodeType="clickEffect">
+                                  <p:stCondLst>
+                                    <p:cond delay="0"/>
+                                  </p:stCondLst>
+                                  <p:childTnLst>
+                                    <p:set>
+                                      <p:cBhvr>
+                                        <p:cTn id="38" dur="1" fill="hold">
+                                          <p:stCondLst>
+                                            <p:cond delay="0"/>
+                                          </p:stCondLst>
+                                        </p:cTn>
+                                        <p:tgtEl>
+                                          <p:spTgt spid="11"/>
                                         </p:tgtEl>
                                         <p:attrNameLst>
                                           <p:attrName>style.visibility</p:attrName>
@@ -15677,17 +14777,17 @@
                                     </p:set>
                                     <p:animEffect transition="in" filter="fade">
                                       <p:cBhvr>
-                                        <p:cTn id="102" dur="1000"/>
-                                        <p:tgtEl>
-                                          <p:spTgt spid="34"/>
+                                        <p:cTn id="39" dur="1000"/>
+                                        <p:tgtEl>
+                                          <p:spTgt spid="11"/>
                                         </p:tgtEl>
                                       </p:cBhvr>
                                     </p:animEffect>
                                     <p:anim calcmode="lin" valueType="num">
                                       <p:cBhvr>
-                                        <p:cTn id="103" dur="1000" fill="hold"/>
-                                        <p:tgtEl>
-                                          <p:spTgt spid="34"/>
+                                        <p:cTn id="40" dur="1000" fill="hold"/>
+                                        <p:tgtEl>
+                                          <p:spTgt spid="11"/>
                                         </p:tgtEl>
                                         <p:attrNameLst>
                                           <p:attrName>ppt_x</p:attrName>
@@ -15708,9 +14808,284 @@
                                     </p:anim>
                                     <p:anim calcmode="lin" valueType="num">
                                       <p:cBhvr>
-                                        <p:cTn id="104" dur="1000" fill="hold"/>
-                                        <p:tgtEl>
-                                          <p:spTgt spid="34"/>
+                                        <p:cTn id="41" dur="1000" fill="hold"/>
+                                        <p:tgtEl>
+                                          <p:spTgt spid="11"/>
+                                        </p:tgtEl>
+                                        <p:attrNameLst>
+                                          <p:attrName>ppt_y</p:attrName>
+                                        </p:attrNameLst>
+                                      </p:cBhvr>
+                                      <p:tavLst>
+                                        <p:tav tm="0">
+                                          <p:val>
+                                            <p:strVal val="#ppt_y-.1"/>
+                                          </p:val>
+                                        </p:tav>
+                                        <p:tav tm="100000">
+                                          <p:val>
+                                            <p:strVal val="#ppt_y"/>
+                                          </p:val>
+                                        </p:tav>
+                                      </p:tavLst>
+                                    </p:anim>
+                                  </p:childTnLst>
+                                </p:cTn>
+                              </p:par>
+                            </p:childTnLst>
+                          </p:cTn>
+                        </p:par>
+                        <p:par>
+                          <p:cTn id="42" fill="hold">
+                            <p:stCondLst>
+                              <p:cond delay="1000"/>
+                            </p:stCondLst>
+                            <p:childTnLst>
+                              <p:par>
+                                <p:cTn id="43" presetID="22" presetClass="entr" presetSubtype="4" fill="hold" nodeType="afterEffect">
+                                  <p:stCondLst>
+                                    <p:cond delay="0"/>
+                                  </p:stCondLst>
+                                  <p:childTnLst>
+                                    <p:set>
+                                      <p:cBhvr>
+                                        <p:cTn id="44" dur="1" fill="hold">
+                                          <p:stCondLst>
+                                            <p:cond delay="0"/>
+                                          </p:stCondLst>
+                                        </p:cTn>
+                                        <p:tgtEl>
+                                          <p:spTgt spid="17"/>
+                                        </p:tgtEl>
+                                        <p:attrNameLst>
+                                          <p:attrName>style.visibility</p:attrName>
+                                        </p:attrNameLst>
+                                      </p:cBhvr>
+                                      <p:to>
+                                        <p:strVal val="visible"/>
+                                      </p:to>
+                                    </p:set>
+                                    <p:animEffect transition="in" filter="wipe(down)">
+                                      <p:cBhvr>
+                                        <p:cTn id="45" dur="500"/>
+                                        <p:tgtEl>
+                                          <p:spTgt spid="17"/>
+                                        </p:tgtEl>
+                                      </p:cBhvr>
+                                    </p:animEffect>
+                                  </p:childTnLst>
+                                </p:cTn>
+                              </p:par>
+                            </p:childTnLst>
+                          </p:cTn>
+                        </p:par>
+                        <p:par>
+                          <p:cTn id="46" fill="hold">
+                            <p:stCondLst>
+                              <p:cond delay="1500"/>
+                            </p:stCondLst>
+                            <p:childTnLst>
+                              <p:par>
+                                <p:cTn id="47" presetID="16" presetClass="entr" presetSubtype="21" fill="hold" grpId="0" nodeType="afterEffect">
+                                  <p:stCondLst>
+                                    <p:cond delay="0"/>
+                                  </p:stCondLst>
+                                  <p:childTnLst>
+                                    <p:set>
+                                      <p:cBhvr>
+                                        <p:cTn id="48" dur="1" fill="hold">
+                                          <p:stCondLst>
+                                            <p:cond delay="0"/>
+                                          </p:stCondLst>
+                                        </p:cTn>
+                                        <p:tgtEl>
+                                          <p:spTgt spid="57"/>
+                                        </p:tgtEl>
+                                        <p:attrNameLst>
+                                          <p:attrName>style.visibility</p:attrName>
+                                        </p:attrNameLst>
+                                      </p:cBhvr>
+                                      <p:to>
+                                        <p:strVal val="visible"/>
+                                      </p:to>
+                                    </p:set>
+                                    <p:animEffect transition="in" filter="barn(inVertical)">
+                                      <p:cBhvr>
+                                        <p:cTn id="49" dur="500"/>
+                                        <p:tgtEl>
+                                          <p:spTgt spid="57"/>
+                                        </p:tgtEl>
+                                      </p:cBhvr>
+                                    </p:animEffect>
+                                  </p:childTnLst>
+                                </p:cTn>
+                              </p:par>
+                            </p:childTnLst>
+                          </p:cTn>
+                        </p:par>
+                        <p:par>
+                          <p:cTn id="50" fill="hold">
+                            <p:stCondLst>
+                              <p:cond delay="2000"/>
+                            </p:stCondLst>
+                            <p:childTnLst>
+                              <p:par>
+                                <p:cTn id="51" presetID="10" presetClass="entr" presetSubtype="0" fill="hold" nodeType="afterEffect">
+                                  <p:stCondLst>
+                                    <p:cond delay="0"/>
+                                  </p:stCondLst>
+                                  <p:childTnLst>
+                                    <p:set>
+                                      <p:cBhvr>
+                                        <p:cTn id="52" dur="1" fill="hold">
+                                          <p:stCondLst>
+                                            <p:cond delay="0"/>
+                                          </p:stCondLst>
+                                        </p:cTn>
+                                        <p:tgtEl>
+                                          <p:spTgt spid="14"/>
+                                        </p:tgtEl>
+                                        <p:attrNameLst>
+                                          <p:attrName>style.visibility</p:attrName>
+                                        </p:attrNameLst>
+                                      </p:cBhvr>
+                                      <p:to>
+                                        <p:strVal val="visible"/>
+                                      </p:to>
+                                    </p:set>
+                                    <p:animEffect transition="in" filter="fade">
+                                      <p:cBhvr>
+                                        <p:cTn id="53" dur="1000"/>
+                                        <p:tgtEl>
+                                          <p:spTgt spid="14"/>
+                                        </p:tgtEl>
+                                      </p:cBhvr>
+                                    </p:animEffect>
+                                  </p:childTnLst>
+                                </p:cTn>
+                              </p:par>
+                            </p:childTnLst>
+                          </p:cTn>
+                        </p:par>
+                        <p:par>
+                          <p:cTn id="54" fill="hold">
+                            <p:stCondLst>
+                              <p:cond delay="3000"/>
+                            </p:stCondLst>
+                            <p:childTnLst>
+                              <p:par>
+                                <p:cTn id="55" presetID="22" presetClass="entr" presetSubtype="4" fill="hold" nodeType="afterEffect">
+                                  <p:stCondLst>
+                                    <p:cond delay="0"/>
+                                  </p:stCondLst>
+                                  <p:childTnLst>
+                                    <p:set>
+                                      <p:cBhvr>
+                                        <p:cTn id="56" dur="1" fill="hold">
+                                          <p:stCondLst>
+                                            <p:cond delay="0"/>
+                                          </p:stCondLst>
+                                        </p:cTn>
+                                        <p:tgtEl>
+                                          <p:spTgt spid="18"/>
+                                        </p:tgtEl>
+                                        <p:attrNameLst>
+                                          <p:attrName>style.visibility</p:attrName>
+                                        </p:attrNameLst>
+                                      </p:cBhvr>
+                                      <p:to>
+                                        <p:strVal val="visible"/>
+                                      </p:to>
+                                    </p:set>
+                                    <p:animEffect transition="in" filter="wipe(down)">
+                                      <p:cBhvr>
+                                        <p:cTn id="57" dur="500"/>
+                                        <p:tgtEl>
+                                          <p:spTgt spid="18"/>
+                                        </p:tgtEl>
+                                      </p:cBhvr>
+                                    </p:animEffect>
+                                  </p:childTnLst>
+                                </p:cTn>
+                              </p:par>
+                            </p:childTnLst>
+                          </p:cTn>
+                        </p:par>
+                      </p:childTnLst>
+                    </p:cTn>
+                  </p:par>
+                  <p:par>
+                    <p:cTn id="58" fill="hold">
+                      <p:stCondLst>
+                        <p:cond delay="indefinite"/>
+                      </p:stCondLst>
+                      <p:childTnLst>
+                        <p:par>
+                          <p:cTn id="59" fill="hold">
+                            <p:stCondLst>
+                              <p:cond delay="0"/>
+                            </p:stCondLst>
+                            <p:childTnLst>
+                              <p:par>
+                                <p:cTn id="60" presetID="42" presetClass="entr" presetSubtype="0" fill="hold" nodeType="clickEffect">
+                                  <p:stCondLst>
+                                    <p:cond delay="0"/>
+                                  </p:stCondLst>
+                                  <p:childTnLst>
+                                    <p:set>
+                                      <p:cBhvr>
+                                        <p:cTn id="61" dur="1" fill="hold">
+                                          <p:stCondLst>
+                                            <p:cond delay="0"/>
+                                          </p:stCondLst>
+                                        </p:cTn>
+                                        <p:tgtEl>
+                                          <p:spTgt spid="21"/>
+                                        </p:tgtEl>
+                                        <p:attrNameLst>
+                                          <p:attrName>style.visibility</p:attrName>
+                                        </p:attrNameLst>
+                                      </p:cBhvr>
+                                      <p:to>
+                                        <p:strVal val="visible"/>
+                                      </p:to>
+                                    </p:set>
+                                    <p:animEffect transition="in" filter="fade">
+                                      <p:cBhvr>
+                                        <p:cTn id="62" dur="1000"/>
+                                        <p:tgtEl>
+                                          <p:spTgt spid="21"/>
+                                        </p:tgtEl>
+                                      </p:cBhvr>
+                                    </p:animEffect>
+                                    <p:anim calcmode="lin" valueType="num">
+                                      <p:cBhvr>
+                                        <p:cTn id="63" dur="1000" fill="hold"/>
+                                        <p:tgtEl>
+                                          <p:spTgt spid="21"/>
+                                        </p:tgtEl>
+                                        <p:attrNameLst>
+                                          <p:attrName>ppt_x</p:attrName>
+                                        </p:attrNameLst>
+                                      </p:cBhvr>
+                                      <p:tavLst>
+                                        <p:tav tm="0">
+                                          <p:val>
+                                            <p:strVal val="#ppt_x"/>
+                                          </p:val>
+                                        </p:tav>
+                                        <p:tav tm="100000">
+                                          <p:val>
+                                            <p:strVal val="#ppt_x"/>
+                                          </p:val>
+                                        </p:tav>
+                                      </p:tavLst>
+                                    </p:anim>
+                                    <p:anim calcmode="lin" valueType="num">
+                                      <p:cBhvr>
+                                        <p:cTn id="64" dur="1000" fill="hold"/>
+                                        <p:tgtEl>
+                                          <p:spTgt spid="21"/>
                                         </p:tgtEl>
                                         <p:attrNameLst>
                                           <p:attrName>ppt_y</p:attrName>
@@ -15736,26 +15111,26 @@
                           </p:cTn>
                         </p:par>
                         <p:par>
-                          <p:cTn id="105" fill="hold">
+                          <p:cTn id="65" fill="hold">
                             <p:stCondLst>
                               <p:cond delay="1000"/>
                             </p:stCondLst>
                             <p:childTnLst>
                               <p:par>
-                                <p:cTn id="106" presetID="16" presetClass="entr" presetSubtype="21" fill="hold" grpId="0" nodeType="afterEffect">
+                                <p:cTn id="66" presetID="16" presetClass="entr" presetSubtype="21" fill="hold" grpId="0" nodeType="afterEffect">
                                   <p:stCondLst>
                                     <p:cond delay="0"/>
                                   </p:stCondLst>
                                   <p:childTnLst>
                                     <p:set>
                                       <p:cBhvr>
-                                        <p:cTn id="107" dur="1" fill="hold">
+                                        <p:cTn id="67" dur="1" fill="hold">
                                           <p:stCondLst>
                                             <p:cond delay="0"/>
                                           </p:stCondLst>
                                         </p:cTn>
                                         <p:tgtEl>
-                                          <p:spTgt spid="64"/>
+                                          <p:spTgt spid="59"/>
                                         </p:tgtEl>
                                         <p:attrNameLst>
                                           <p:attrName>style.visibility</p:attrName>
@@ -15767,9 +15142,9 @@
                                     </p:set>
                                     <p:animEffect transition="in" filter="barn(inVertical)">
                                       <p:cBhvr>
-                                        <p:cTn id="108" dur="500"/>
-                                        <p:tgtEl>
-                                          <p:spTgt spid="64"/>
+                                        <p:cTn id="68" dur="500"/>
+                                        <p:tgtEl>
+                                          <p:spTgt spid="59"/>
                                         </p:tgtEl>
                                       </p:cBhvr>
                                     </p:animEffect>
@@ -15783,26 +15158,686 @@
                     </p:cTn>
                   </p:par>
                   <p:par>
-                    <p:cTn id="109" fill="hold">
+                    <p:cTn id="69" fill="hold">
                       <p:stCondLst>
                         <p:cond delay="indefinite"/>
                       </p:stCondLst>
                       <p:childTnLst>
                         <p:par>
-                          <p:cTn id="110" fill="hold">
+                          <p:cTn id="70" fill="hold">
                             <p:stCondLst>
                               <p:cond delay="0"/>
                             </p:stCondLst>
                             <p:childTnLst>
                               <p:par>
-                                <p:cTn id="111" presetID="2" presetClass="entr" presetSubtype="4" fill="hold" nodeType="clickEffect">
+                                <p:cTn id="71" presetID="16" presetClass="entr" presetSubtype="21" fill="hold" grpId="0" nodeType="clickEffect">
                                   <p:stCondLst>
                                     <p:cond delay="0"/>
                                   </p:stCondLst>
                                   <p:childTnLst>
                                     <p:set>
                                       <p:cBhvr>
-                                        <p:cTn id="112" dur="1" fill="hold">
+                                        <p:cTn id="72" dur="1" fill="hold">
+                                          <p:stCondLst>
+                                            <p:cond delay="0"/>
+                                          </p:stCondLst>
+                                        </p:cTn>
+                                        <p:tgtEl>
+                                          <p:spTgt spid="13"/>
+                                        </p:tgtEl>
+                                        <p:attrNameLst>
+                                          <p:attrName>style.visibility</p:attrName>
+                                        </p:attrNameLst>
+                                      </p:cBhvr>
+                                      <p:to>
+                                        <p:strVal val="visible"/>
+                                      </p:to>
+                                    </p:set>
+                                    <p:animEffect transition="in" filter="barn(inVertical)">
+                                      <p:cBhvr>
+                                        <p:cTn id="73" dur="500"/>
+                                        <p:tgtEl>
+                                          <p:spTgt spid="13"/>
+                                        </p:tgtEl>
+                                      </p:cBhvr>
+                                    </p:animEffect>
+                                  </p:childTnLst>
+                                </p:cTn>
+                              </p:par>
+                            </p:childTnLst>
+                          </p:cTn>
+                        </p:par>
+                        <p:par>
+                          <p:cTn id="74" fill="hold">
+                            <p:stCondLst>
+                              <p:cond delay="500"/>
+                            </p:stCondLst>
+                            <p:childTnLst>
+                              <p:par>
+                                <p:cTn id="75" presetID="42" presetClass="entr" presetSubtype="0" fill="hold" nodeType="afterEffect">
+                                  <p:stCondLst>
+                                    <p:cond delay="0"/>
+                                  </p:stCondLst>
+                                  <p:childTnLst>
+                                    <p:set>
+                                      <p:cBhvr>
+                                        <p:cTn id="76" dur="1" fill="hold">
+                                          <p:stCondLst>
+                                            <p:cond delay="0"/>
+                                          </p:stCondLst>
+                                        </p:cTn>
+                                        <p:tgtEl>
+                                          <p:spTgt spid="22"/>
+                                        </p:tgtEl>
+                                        <p:attrNameLst>
+                                          <p:attrName>style.visibility</p:attrName>
+                                        </p:attrNameLst>
+                                      </p:cBhvr>
+                                      <p:to>
+                                        <p:strVal val="visible"/>
+                                      </p:to>
+                                    </p:set>
+                                    <p:animEffect transition="in" filter="fade">
+                                      <p:cBhvr>
+                                        <p:cTn id="77" dur="1000"/>
+                                        <p:tgtEl>
+                                          <p:spTgt spid="22"/>
+                                        </p:tgtEl>
+                                      </p:cBhvr>
+                                    </p:animEffect>
+                                    <p:anim calcmode="lin" valueType="num">
+                                      <p:cBhvr>
+                                        <p:cTn id="78" dur="1000" fill="hold"/>
+                                        <p:tgtEl>
+                                          <p:spTgt spid="22"/>
+                                        </p:tgtEl>
+                                        <p:attrNameLst>
+                                          <p:attrName>ppt_x</p:attrName>
+                                        </p:attrNameLst>
+                                      </p:cBhvr>
+                                      <p:tavLst>
+                                        <p:tav tm="0">
+                                          <p:val>
+                                            <p:strVal val="#ppt_x"/>
+                                          </p:val>
+                                        </p:tav>
+                                        <p:tav tm="100000">
+                                          <p:val>
+                                            <p:strVal val="#ppt_x"/>
+                                          </p:val>
+                                        </p:tav>
+                                      </p:tavLst>
+                                    </p:anim>
+                                    <p:anim calcmode="lin" valueType="num">
+                                      <p:cBhvr>
+                                        <p:cTn id="79" dur="1000" fill="hold"/>
+                                        <p:tgtEl>
+                                          <p:spTgt spid="22"/>
+                                        </p:tgtEl>
+                                        <p:attrNameLst>
+                                          <p:attrName>ppt_y</p:attrName>
+                                        </p:attrNameLst>
+                                      </p:cBhvr>
+                                      <p:tavLst>
+                                        <p:tav tm="0">
+                                          <p:val>
+                                            <p:strVal val="#ppt_y+.1"/>
+                                          </p:val>
+                                        </p:tav>
+                                        <p:tav tm="100000">
+                                          <p:val>
+                                            <p:strVal val="#ppt_y"/>
+                                          </p:val>
+                                        </p:tav>
+                                      </p:tavLst>
+                                    </p:anim>
+                                  </p:childTnLst>
+                                </p:cTn>
+                              </p:par>
+                            </p:childTnLst>
+                          </p:cTn>
+                        </p:par>
+                        <p:par>
+                          <p:cTn id="80" fill="hold">
+                            <p:stCondLst>
+                              <p:cond delay="1500"/>
+                            </p:stCondLst>
+                            <p:childTnLst>
+                              <p:par>
+                                <p:cTn id="81" presetID="16" presetClass="entr" presetSubtype="21" fill="hold" grpId="0" nodeType="afterEffect">
+                                  <p:stCondLst>
+                                    <p:cond delay="0"/>
+                                  </p:stCondLst>
+                                  <p:childTnLst>
+                                    <p:set>
+                                      <p:cBhvr>
+                                        <p:cTn id="82" dur="1" fill="hold">
+                                          <p:stCondLst>
+                                            <p:cond delay="0"/>
+                                          </p:stCondLst>
+                                        </p:cTn>
+                                        <p:tgtEl>
+                                          <p:spTgt spid="58"/>
+                                        </p:tgtEl>
+                                        <p:attrNameLst>
+                                          <p:attrName>style.visibility</p:attrName>
+                                        </p:attrNameLst>
+                                      </p:cBhvr>
+                                      <p:to>
+                                        <p:strVal val="visible"/>
+                                      </p:to>
+                                    </p:set>
+                                    <p:animEffect transition="in" filter="barn(inVertical)">
+                                      <p:cBhvr>
+                                        <p:cTn id="83" dur="500"/>
+                                        <p:tgtEl>
+                                          <p:spTgt spid="58"/>
+                                        </p:tgtEl>
+                                      </p:cBhvr>
+                                    </p:animEffect>
+                                  </p:childTnLst>
+                                </p:cTn>
+                              </p:par>
+                            </p:childTnLst>
+                          </p:cTn>
+                        </p:par>
+                      </p:childTnLst>
+                    </p:cTn>
+                  </p:par>
+                  <p:par>
+                    <p:cTn id="84" fill="hold">
+                      <p:stCondLst>
+                        <p:cond delay="indefinite"/>
+                      </p:stCondLst>
+                      <p:childTnLst>
+                        <p:par>
+                          <p:cTn id="85" fill="hold">
+                            <p:stCondLst>
+                              <p:cond delay="0"/>
+                            </p:stCondLst>
+                            <p:childTnLst>
+                              <p:par>
+                                <p:cTn id="86" presetID="22" presetClass="entr" presetSubtype="4" fill="hold" nodeType="clickEffect">
+                                  <p:stCondLst>
+                                    <p:cond delay="0"/>
+                                  </p:stCondLst>
+                                  <p:childTnLst>
+                                    <p:set>
+                                      <p:cBhvr>
+                                        <p:cTn id="87" dur="1" fill="hold">
+                                          <p:stCondLst>
+                                            <p:cond delay="0"/>
+                                          </p:stCondLst>
+                                        </p:cTn>
+                                        <p:tgtEl>
+                                          <p:spTgt spid="23"/>
+                                        </p:tgtEl>
+                                        <p:attrNameLst>
+                                          <p:attrName>style.visibility</p:attrName>
+                                        </p:attrNameLst>
+                                      </p:cBhvr>
+                                      <p:to>
+                                        <p:strVal val="visible"/>
+                                      </p:to>
+                                    </p:set>
+                                    <p:animEffect transition="in" filter="wipe(down)">
+                                      <p:cBhvr>
+                                        <p:cTn id="88" dur="1000"/>
+                                        <p:tgtEl>
+                                          <p:spTgt spid="23"/>
+                                        </p:tgtEl>
+                                      </p:cBhvr>
+                                    </p:animEffect>
+                                  </p:childTnLst>
+                                </p:cTn>
+                              </p:par>
+                            </p:childTnLst>
+                          </p:cTn>
+                        </p:par>
+                        <p:par>
+                          <p:cTn id="89" fill="hold">
+                            <p:stCondLst>
+                              <p:cond delay="1000"/>
+                            </p:stCondLst>
+                            <p:childTnLst>
+                              <p:par>
+                                <p:cTn id="90" presetID="16" presetClass="entr" presetSubtype="21" fill="hold" grpId="0" nodeType="afterEffect">
+                                  <p:stCondLst>
+                                    <p:cond delay="0"/>
+                                  </p:stCondLst>
+                                  <p:childTnLst>
+                                    <p:set>
+                                      <p:cBhvr>
+                                        <p:cTn id="91" dur="1" fill="hold">
+                                          <p:stCondLst>
+                                            <p:cond delay="0"/>
+                                          </p:stCondLst>
+                                        </p:cTn>
+                                        <p:tgtEl>
+                                          <p:spTgt spid="61"/>
+                                        </p:tgtEl>
+                                        <p:attrNameLst>
+                                          <p:attrName>style.visibility</p:attrName>
+                                        </p:attrNameLst>
+                                      </p:cBhvr>
+                                      <p:to>
+                                        <p:strVal val="visible"/>
+                                      </p:to>
+                                    </p:set>
+                                    <p:animEffect transition="in" filter="barn(inVertical)">
+                                      <p:cBhvr>
+                                        <p:cTn id="92" dur="500"/>
+                                        <p:tgtEl>
+                                          <p:spTgt spid="61"/>
+                                        </p:tgtEl>
+                                      </p:cBhvr>
+                                    </p:animEffect>
+                                  </p:childTnLst>
+                                </p:cTn>
+                              </p:par>
+                            </p:childTnLst>
+                          </p:cTn>
+                        </p:par>
+                      </p:childTnLst>
+                    </p:cTn>
+                  </p:par>
+                  <p:par>
+                    <p:cTn id="93" fill="hold">
+                      <p:stCondLst>
+                        <p:cond delay="indefinite"/>
+                      </p:stCondLst>
+                      <p:childTnLst>
+                        <p:par>
+                          <p:cTn id="94" fill="hold">
+                            <p:stCondLst>
+                              <p:cond delay="0"/>
+                            </p:stCondLst>
+                            <p:childTnLst>
+                              <p:par>
+                                <p:cTn id="95" presetID="47" presetClass="entr" presetSubtype="0" fill="hold" grpId="0" nodeType="clickEffect">
+                                  <p:stCondLst>
+                                    <p:cond delay="0"/>
+                                  </p:stCondLst>
+                                  <p:childTnLst>
+                                    <p:set>
+                                      <p:cBhvr>
+                                        <p:cTn id="96" dur="1" fill="hold">
+                                          <p:stCondLst>
+                                            <p:cond delay="0"/>
+                                          </p:stCondLst>
+                                        </p:cTn>
+                                        <p:tgtEl>
+                                          <p:spTgt spid="10"/>
+                                        </p:tgtEl>
+                                        <p:attrNameLst>
+                                          <p:attrName>style.visibility</p:attrName>
+                                        </p:attrNameLst>
+                                      </p:cBhvr>
+                                      <p:to>
+                                        <p:strVal val="visible"/>
+                                      </p:to>
+                                    </p:set>
+                                    <p:animEffect transition="in" filter="fade">
+                                      <p:cBhvr>
+                                        <p:cTn id="97" dur="1000"/>
+                                        <p:tgtEl>
+                                          <p:spTgt spid="10"/>
+                                        </p:tgtEl>
+                                      </p:cBhvr>
+                                    </p:animEffect>
+                                    <p:anim calcmode="lin" valueType="num">
+                                      <p:cBhvr>
+                                        <p:cTn id="98" dur="1000" fill="hold"/>
+                                        <p:tgtEl>
+                                          <p:spTgt spid="10"/>
+                                        </p:tgtEl>
+                                        <p:attrNameLst>
+                                          <p:attrName>ppt_x</p:attrName>
+                                        </p:attrNameLst>
+                                      </p:cBhvr>
+                                      <p:tavLst>
+                                        <p:tav tm="0">
+                                          <p:val>
+                                            <p:strVal val="#ppt_x"/>
+                                          </p:val>
+                                        </p:tav>
+                                        <p:tav tm="100000">
+                                          <p:val>
+                                            <p:strVal val="#ppt_x"/>
+                                          </p:val>
+                                        </p:tav>
+                                      </p:tavLst>
+                                    </p:anim>
+                                    <p:anim calcmode="lin" valueType="num">
+                                      <p:cBhvr>
+                                        <p:cTn id="99" dur="1000" fill="hold"/>
+                                        <p:tgtEl>
+                                          <p:spTgt spid="10"/>
+                                        </p:tgtEl>
+                                        <p:attrNameLst>
+                                          <p:attrName>ppt_y</p:attrName>
+                                        </p:attrNameLst>
+                                      </p:cBhvr>
+                                      <p:tavLst>
+                                        <p:tav tm="0">
+                                          <p:val>
+                                            <p:strVal val="#ppt_y-.1"/>
+                                          </p:val>
+                                        </p:tav>
+                                        <p:tav tm="100000">
+                                          <p:val>
+                                            <p:strVal val="#ppt_y"/>
+                                          </p:val>
+                                        </p:tav>
+                                      </p:tavLst>
+                                    </p:anim>
+                                  </p:childTnLst>
+                                </p:cTn>
+                              </p:par>
+                            </p:childTnLst>
+                          </p:cTn>
+                        </p:par>
+                        <p:par>
+                          <p:cTn id="100" fill="hold">
+                            <p:stCondLst>
+                              <p:cond delay="1000"/>
+                            </p:stCondLst>
+                            <p:childTnLst>
+                              <p:par>
+                                <p:cTn id="101" presetID="16" presetClass="entr" presetSubtype="21" fill="hold" nodeType="afterEffect">
+                                  <p:stCondLst>
+                                    <p:cond delay="0"/>
+                                  </p:stCondLst>
+                                  <p:childTnLst>
+                                    <p:set>
+                                      <p:cBhvr>
+                                        <p:cTn id="102" dur="1" fill="hold">
+                                          <p:stCondLst>
+                                            <p:cond delay="0"/>
+                                          </p:stCondLst>
+                                        </p:cTn>
+                                        <p:tgtEl>
+                                          <p:spTgt spid="35"/>
+                                        </p:tgtEl>
+                                        <p:attrNameLst>
+                                          <p:attrName>style.visibility</p:attrName>
+                                        </p:attrNameLst>
+                                      </p:cBhvr>
+                                      <p:to>
+                                        <p:strVal val="visible"/>
+                                      </p:to>
+                                    </p:set>
+                                    <p:animEffect transition="in" filter="barn(inVertical)">
+                                      <p:cBhvr>
+                                        <p:cTn id="103" dur="500"/>
+                                        <p:tgtEl>
+                                          <p:spTgt spid="35"/>
+                                        </p:tgtEl>
+                                      </p:cBhvr>
+                                    </p:animEffect>
+                                  </p:childTnLst>
+                                </p:cTn>
+                              </p:par>
+                            </p:childTnLst>
+                          </p:cTn>
+                        </p:par>
+                        <p:par>
+                          <p:cTn id="104" fill="hold">
+                            <p:stCondLst>
+                              <p:cond delay="1500"/>
+                            </p:stCondLst>
+                            <p:childTnLst>
+                              <p:par>
+                                <p:cTn id="105" presetID="42" presetClass="entr" presetSubtype="0" fill="hold" grpId="0" nodeType="afterEffect">
+                                  <p:stCondLst>
+                                    <p:cond delay="0"/>
+                                  </p:stCondLst>
+                                  <p:childTnLst>
+                                    <p:set>
+                                      <p:cBhvr>
+                                        <p:cTn id="106" dur="1" fill="hold">
+                                          <p:stCondLst>
+                                            <p:cond delay="0"/>
+                                          </p:stCondLst>
+                                        </p:cTn>
+                                        <p:tgtEl>
+                                          <p:spTgt spid="63"/>
+                                        </p:tgtEl>
+                                        <p:attrNameLst>
+                                          <p:attrName>style.visibility</p:attrName>
+                                        </p:attrNameLst>
+                                      </p:cBhvr>
+                                      <p:to>
+                                        <p:strVal val="visible"/>
+                                      </p:to>
+                                    </p:set>
+                                    <p:animEffect transition="in" filter="fade">
+                                      <p:cBhvr>
+                                        <p:cTn id="107" dur="1000"/>
+                                        <p:tgtEl>
+                                          <p:spTgt spid="63"/>
+                                        </p:tgtEl>
+                                      </p:cBhvr>
+                                    </p:animEffect>
+                                    <p:anim calcmode="lin" valueType="num">
+                                      <p:cBhvr>
+                                        <p:cTn id="108" dur="1000" fill="hold"/>
+                                        <p:tgtEl>
+                                          <p:spTgt spid="63"/>
+                                        </p:tgtEl>
+                                        <p:attrNameLst>
+                                          <p:attrName>ppt_x</p:attrName>
+                                        </p:attrNameLst>
+                                      </p:cBhvr>
+                                      <p:tavLst>
+                                        <p:tav tm="0">
+                                          <p:val>
+                                            <p:strVal val="#ppt_x"/>
+                                          </p:val>
+                                        </p:tav>
+                                        <p:tav tm="100000">
+                                          <p:val>
+                                            <p:strVal val="#ppt_x"/>
+                                          </p:val>
+                                        </p:tav>
+                                      </p:tavLst>
+                                    </p:anim>
+                                    <p:anim calcmode="lin" valueType="num">
+                                      <p:cBhvr>
+                                        <p:cTn id="109" dur="1000" fill="hold"/>
+                                        <p:tgtEl>
+                                          <p:spTgt spid="63"/>
+                                        </p:tgtEl>
+                                        <p:attrNameLst>
+                                          <p:attrName>ppt_y</p:attrName>
+                                        </p:attrNameLst>
+                                      </p:cBhvr>
+                                      <p:tavLst>
+                                        <p:tav tm="0">
+                                          <p:val>
+                                            <p:strVal val="#ppt_y+.1"/>
+                                          </p:val>
+                                        </p:tav>
+                                        <p:tav tm="100000">
+                                          <p:val>
+                                            <p:strVal val="#ppt_y"/>
+                                          </p:val>
+                                        </p:tav>
+                                      </p:tavLst>
+                                    </p:anim>
+                                  </p:childTnLst>
+                                </p:cTn>
+                              </p:par>
+                            </p:childTnLst>
+                          </p:cTn>
+                        </p:par>
+                      </p:childTnLst>
+                    </p:cTn>
+                  </p:par>
+                  <p:par>
+                    <p:cTn id="110" fill="hold">
+                      <p:stCondLst>
+                        <p:cond delay="indefinite"/>
+                      </p:stCondLst>
+                      <p:childTnLst>
+                        <p:par>
+                          <p:cTn id="111" fill="hold">
+                            <p:stCondLst>
+                              <p:cond delay="0"/>
+                            </p:stCondLst>
+                            <p:childTnLst>
+                              <p:par>
+                                <p:cTn id="112" presetID="42" presetClass="entr" presetSubtype="0" fill="hold" nodeType="clickEffect">
+                                  <p:stCondLst>
+                                    <p:cond delay="0"/>
+                                  </p:stCondLst>
+                                  <p:childTnLst>
+                                    <p:set>
+                                      <p:cBhvr>
+                                        <p:cTn id="113" dur="1" fill="hold">
+                                          <p:stCondLst>
+                                            <p:cond delay="0"/>
+                                          </p:stCondLst>
+                                        </p:cTn>
+                                        <p:tgtEl>
+                                          <p:spTgt spid="34"/>
+                                        </p:tgtEl>
+                                        <p:attrNameLst>
+                                          <p:attrName>style.visibility</p:attrName>
+                                        </p:attrNameLst>
+                                      </p:cBhvr>
+                                      <p:to>
+                                        <p:strVal val="visible"/>
+                                      </p:to>
+                                    </p:set>
+                                    <p:animEffect transition="in" filter="fade">
+                                      <p:cBhvr>
+                                        <p:cTn id="114" dur="1000"/>
+                                        <p:tgtEl>
+                                          <p:spTgt spid="34"/>
+                                        </p:tgtEl>
+                                      </p:cBhvr>
+                                    </p:animEffect>
+                                    <p:anim calcmode="lin" valueType="num">
+                                      <p:cBhvr>
+                                        <p:cTn id="115" dur="1000" fill="hold"/>
+                                        <p:tgtEl>
+                                          <p:spTgt spid="34"/>
+                                        </p:tgtEl>
+                                        <p:attrNameLst>
+                                          <p:attrName>ppt_x</p:attrName>
+                                        </p:attrNameLst>
+                                      </p:cBhvr>
+                                      <p:tavLst>
+                                        <p:tav tm="0">
+                                          <p:val>
+                                            <p:strVal val="#ppt_x"/>
+                                          </p:val>
+                                        </p:tav>
+                                        <p:tav tm="100000">
+                                          <p:val>
+                                            <p:strVal val="#ppt_x"/>
+                                          </p:val>
+                                        </p:tav>
+                                      </p:tavLst>
+                                    </p:anim>
+                                    <p:anim calcmode="lin" valueType="num">
+                                      <p:cBhvr>
+                                        <p:cTn id="116" dur="1000" fill="hold"/>
+                                        <p:tgtEl>
+                                          <p:spTgt spid="34"/>
+                                        </p:tgtEl>
+                                        <p:attrNameLst>
+                                          <p:attrName>ppt_y</p:attrName>
+                                        </p:attrNameLst>
+                                      </p:cBhvr>
+                                      <p:tavLst>
+                                        <p:tav tm="0">
+                                          <p:val>
+                                            <p:strVal val="#ppt_y+.1"/>
+                                          </p:val>
+                                        </p:tav>
+                                        <p:tav tm="100000">
+                                          <p:val>
+                                            <p:strVal val="#ppt_y"/>
+                                          </p:val>
+                                        </p:tav>
+                                      </p:tavLst>
+                                    </p:anim>
+                                  </p:childTnLst>
+                                </p:cTn>
+                              </p:par>
+                            </p:childTnLst>
+                          </p:cTn>
+                        </p:par>
+                        <p:par>
+                          <p:cTn id="117" fill="hold">
+                            <p:stCondLst>
+                              <p:cond delay="1000"/>
+                            </p:stCondLst>
+                            <p:childTnLst>
+                              <p:par>
+                                <p:cTn id="118" presetID="16" presetClass="entr" presetSubtype="21" fill="hold" grpId="0" nodeType="afterEffect">
+                                  <p:stCondLst>
+                                    <p:cond delay="0"/>
+                                  </p:stCondLst>
+                                  <p:childTnLst>
+                                    <p:set>
+                                      <p:cBhvr>
+                                        <p:cTn id="119" dur="1" fill="hold">
+                                          <p:stCondLst>
+                                            <p:cond delay="0"/>
+                                          </p:stCondLst>
+                                        </p:cTn>
+                                        <p:tgtEl>
+                                          <p:spTgt spid="64"/>
+                                        </p:tgtEl>
+                                        <p:attrNameLst>
+                                          <p:attrName>style.visibility</p:attrName>
+                                        </p:attrNameLst>
+                                      </p:cBhvr>
+                                      <p:to>
+                                        <p:strVal val="visible"/>
+                                      </p:to>
+                                    </p:set>
+                                    <p:animEffect transition="in" filter="barn(inVertical)">
+                                      <p:cBhvr>
+                                        <p:cTn id="120" dur="500"/>
+                                        <p:tgtEl>
+                                          <p:spTgt spid="64"/>
+                                        </p:tgtEl>
+                                      </p:cBhvr>
+                                    </p:animEffect>
+                                  </p:childTnLst>
+                                </p:cTn>
+                              </p:par>
+                            </p:childTnLst>
+                          </p:cTn>
+                        </p:par>
+                      </p:childTnLst>
+                    </p:cTn>
+                  </p:par>
+                  <p:par>
+                    <p:cTn id="121" fill="hold">
+                      <p:stCondLst>
+                        <p:cond delay="indefinite"/>
+                      </p:stCondLst>
+                      <p:childTnLst>
+                        <p:par>
+                          <p:cTn id="122" fill="hold">
+                            <p:stCondLst>
+                              <p:cond delay="0"/>
+                            </p:stCondLst>
+                            <p:childTnLst>
+                              <p:par>
+                                <p:cTn id="123" presetID="2" presetClass="entr" presetSubtype="4" fill="hold" nodeType="clickEffect">
+                                  <p:stCondLst>
+                                    <p:cond delay="0"/>
+                                  </p:stCondLst>
+                                  <p:childTnLst>
+                                    <p:set>
+                                      <p:cBhvr>
+                                        <p:cTn id="124" dur="1" fill="hold">
                                           <p:stCondLst>
                                             <p:cond delay="0"/>
                                           </p:stCondLst>
@@ -15820,7 +15855,7 @@
                                     </p:set>
                                     <p:anim calcmode="lin" valueType="num">
                                       <p:cBhvr additive="base">
-                                        <p:cTn id="113" dur="1000" fill="hold"/>
+                                        <p:cTn id="125" dur="1000" fill="hold"/>
                                         <p:tgtEl>
                                           <p:spTgt spid="20"/>
                                         </p:tgtEl>
@@ -15843,7 +15878,7 @@
                                     </p:anim>
                                     <p:anim calcmode="lin" valueType="num">
                                       <p:cBhvr additive="base">
-                                        <p:cTn id="114" dur="1000" fill="hold"/>
+                                        <p:cTn id="126" dur="1000" fill="hold"/>
                                         <p:tgtEl>
                                           <p:spTgt spid="20"/>
                                         </p:tgtEl>
@@ -15871,20 +15906,20 @@
                           </p:cTn>
                         </p:par>
                         <p:par>
-                          <p:cTn id="115" fill="hold">
+                          <p:cTn id="127" fill="hold">
                             <p:stCondLst>
                               <p:cond delay="1000"/>
                             </p:stCondLst>
                             <p:childTnLst>
                               <p:par>
-                                <p:cTn id="116" presetID="16" presetClass="entr" presetSubtype="21" fill="hold" grpId="0" nodeType="afterEffect">
+                                <p:cTn id="128" presetID="16" presetClass="entr" presetSubtype="21" fill="hold" grpId="0" nodeType="afterEffect">
                                   <p:stCondLst>
                                     <p:cond delay="0"/>
                                   </p:stCondLst>
                                   <p:childTnLst>
                                     <p:set>
                                       <p:cBhvr>
-                                        <p:cTn id="117" dur="1" fill="hold">
+                                        <p:cTn id="129" dur="1" fill="hold">
                                           <p:stCondLst>
                                             <p:cond delay="0"/>
                                           </p:stCondLst>
@@ -15902,7 +15937,7 @@
                                     </p:set>
                                     <p:animEffect transition="in" filter="barn(inVertical)">
                                       <p:cBhvr>
-                                        <p:cTn id="118" dur="500"/>
+                                        <p:cTn id="130" dur="500"/>
                                         <p:tgtEl>
                                           <p:spTgt spid="56"/>
                                         </p:tgtEl>
@@ -15918,270 +15953,32 @@
                     </p:cTn>
                   </p:par>
                   <p:par>
-                    <p:cTn id="119" fill="hold">
+                    <p:cTn id="131" fill="hold">
                       <p:stCondLst>
                         <p:cond delay="indefinite"/>
                       </p:stCondLst>
                       <p:childTnLst>
                         <p:par>
-                          <p:cTn id="120" fill="hold">
+                          <p:cTn id="132" fill="hold">
                             <p:stCondLst>
                               <p:cond delay="0"/>
                             </p:stCondLst>
                             <p:childTnLst>
                               <p:par>
-                                <p:cTn id="121" presetID="22" presetClass="entr" presetSubtype="1" fill="hold" grpId="0" nodeType="clickEffect">
+                                <p:cTn id="133" presetID="42" presetClass="entr" presetSubtype="0" fill="hold" grpId="0" nodeType="clickEffect">
                                   <p:stCondLst>
                                     <p:cond delay="0"/>
                                   </p:stCondLst>
                                   <p:childTnLst>
                                     <p:set>
                                       <p:cBhvr>
-                                        <p:cTn id="122" dur="1" fill="hold">
+                                        <p:cTn id="134" dur="1" fill="hold">
                                           <p:stCondLst>
                                             <p:cond delay="0"/>
                                           </p:stCondLst>
                                         </p:cTn>
                                         <p:tgtEl>
-                                          <p:spTgt spid="5"/>
-                                        </p:tgtEl>
-                                        <p:attrNameLst>
-                                          <p:attrName>style.visibility</p:attrName>
-                                        </p:attrNameLst>
-                                      </p:cBhvr>
-                                      <p:to>
-                                        <p:strVal val="visible"/>
-                                      </p:to>
-                                    </p:set>
-                                    <p:animEffect transition="in" filter="wipe(up)">
-                                      <p:cBhvr>
-                                        <p:cTn id="123" dur="500"/>
-                                        <p:tgtEl>
-                                          <p:spTgt spid="5"/>
-                                        </p:tgtEl>
-                                      </p:cBhvr>
-                                    </p:animEffect>
-                                  </p:childTnLst>
-                                </p:cTn>
-                              </p:par>
-                            </p:childTnLst>
-                          </p:cTn>
-                        </p:par>
-                        <p:par>
-                          <p:cTn id="124" fill="hold">
-                            <p:stCondLst>
-                              <p:cond delay="500"/>
-                            </p:stCondLst>
-                            <p:childTnLst>
-                              <p:par>
-                                <p:cTn id="125" presetID="22" presetClass="entr" presetSubtype="4" fill="hold" nodeType="afterEffect">
-                                  <p:stCondLst>
-                                    <p:cond delay="0"/>
-                                  </p:stCondLst>
-                                  <p:childTnLst>
-                                    <p:set>
-                                      <p:cBhvr>
-                                        <p:cTn id="126" dur="1" fill="hold">
-                                          <p:stCondLst>
-                                            <p:cond delay="0"/>
-                                          </p:stCondLst>
-                                        </p:cTn>
-                                        <p:tgtEl>
-                                          <p:spTgt spid="28"/>
-                                        </p:tgtEl>
-                                        <p:attrNameLst>
-                                          <p:attrName>style.visibility</p:attrName>
-                                        </p:attrNameLst>
-                                      </p:cBhvr>
-                                      <p:to>
-                                        <p:strVal val="visible"/>
-                                      </p:to>
-                                    </p:set>
-                                    <p:animEffect transition="in" filter="wipe(down)">
-                                      <p:cBhvr>
-                                        <p:cTn id="127" dur="500"/>
-                                        <p:tgtEl>
-                                          <p:spTgt spid="28"/>
-                                        </p:tgtEl>
-                                      </p:cBhvr>
-                                    </p:animEffect>
-                                  </p:childTnLst>
-                                </p:cTn>
-                              </p:par>
-                            </p:childTnLst>
-                          </p:cTn>
-                        </p:par>
-                        <p:par>
-                          <p:cTn id="128" fill="hold">
-                            <p:stCondLst>
-                              <p:cond delay="1000"/>
-                            </p:stCondLst>
-                            <p:childTnLst>
-                              <p:par>
-                                <p:cTn id="129" presetID="16" presetClass="entr" presetSubtype="21" fill="hold" grpId="0" nodeType="afterEffect">
-                                  <p:stCondLst>
-                                    <p:cond delay="0"/>
-                                  </p:stCondLst>
-                                  <p:childTnLst>
-                                    <p:set>
-                                      <p:cBhvr>
-                                        <p:cTn id="130" dur="1" fill="hold">
-                                          <p:stCondLst>
-                                            <p:cond delay="0"/>
-                                          </p:stCondLst>
-                                        </p:cTn>
-                                        <p:tgtEl>
-                                          <p:spTgt spid="65"/>
-                                        </p:tgtEl>
-                                        <p:attrNameLst>
-                                          <p:attrName>style.visibility</p:attrName>
-                                        </p:attrNameLst>
-                                      </p:cBhvr>
-                                      <p:to>
-                                        <p:strVal val="visible"/>
-                                      </p:to>
-                                    </p:set>
-                                    <p:animEffect transition="in" filter="barn(inVertical)">
-                                      <p:cBhvr>
-                                        <p:cTn id="131" dur="500"/>
-                                        <p:tgtEl>
-                                          <p:spTgt spid="65"/>
-                                        </p:tgtEl>
-                                      </p:cBhvr>
-                                    </p:animEffect>
-                                  </p:childTnLst>
-                                </p:cTn>
-                              </p:par>
-                            </p:childTnLst>
-                          </p:cTn>
-                        </p:par>
-                      </p:childTnLst>
-                    </p:cTn>
-                  </p:par>
-                  <p:par>
-                    <p:cTn id="132" fill="hold">
-                      <p:stCondLst>
-                        <p:cond delay="indefinite"/>
-                      </p:stCondLst>
-                      <p:childTnLst>
-                        <p:par>
-                          <p:cTn id="133" fill="hold">
-                            <p:stCondLst>
-                              <p:cond delay="0"/>
-                            </p:stCondLst>
-                            <p:childTnLst>
-                              <p:par>
-                                <p:cTn id="134" presetID="22" presetClass="entr" presetSubtype="4" fill="hold" nodeType="clickEffect">
-                                  <p:stCondLst>
-                                    <p:cond delay="0"/>
-                                  </p:stCondLst>
-                                  <p:childTnLst>
-                                    <p:set>
-                                      <p:cBhvr>
-                                        <p:cTn id="135" dur="1" fill="hold">
-                                          <p:stCondLst>
-                                            <p:cond delay="0"/>
-                                          </p:stCondLst>
-                                        </p:cTn>
-                                        <p:tgtEl>
-                                          <p:spTgt spid="29"/>
-                                        </p:tgtEl>
-                                        <p:attrNameLst>
-                                          <p:attrName>style.visibility</p:attrName>
-                                        </p:attrNameLst>
-                                      </p:cBhvr>
-                                      <p:to>
-                                        <p:strVal val="visible"/>
-                                      </p:to>
-                                    </p:set>
-                                    <p:animEffect transition="in" filter="wipe(down)">
-                                      <p:cBhvr>
-                                        <p:cTn id="136" dur="500"/>
-                                        <p:tgtEl>
-                                          <p:spTgt spid="29"/>
-                                        </p:tgtEl>
-                                      </p:cBhvr>
-                                    </p:animEffect>
-                                  </p:childTnLst>
-                                </p:cTn>
-                              </p:par>
-                            </p:childTnLst>
-                          </p:cTn>
-                        </p:par>
-                        <p:par>
-                          <p:cTn id="137" fill="hold">
-                            <p:stCondLst>
-                              <p:cond delay="500"/>
-                            </p:stCondLst>
-                            <p:childTnLst>
-                              <p:par>
-                                <p:cTn id="138" presetID="16" presetClass="entr" presetSubtype="21" fill="hold" grpId="0" nodeType="afterEffect">
-                                  <p:stCondLst>
-                                    <p:cond delay="0"/>
-                                  </p:stCondLst>
-                                  <p:childTnLst>
-                                    <p:set>
-                                      <p:cBhvr>
-                                        <p:cTn id="139" dur="1" fill="hold">
-                                          <p:stCondLst>
-                                            <p:cond delay="0"/>
-                                          </p:stCondLst>
-                                        </p:cTn>
-                                        <p:tgtEl>
-                                          <p:spTgt spid="60"/>
-                                        </p:tgtEl>
-                                        <p:attrNameLst>
-                                          <p:attrName>style.visibility</p:attrName>
-                                        </p:attrNameLst>
-                                      </p:cBhvr>
-                                      <p:to>
-                                        <p:strVal val="visible"/>
-                                      </p:to>
-                                    </p:set>
-                                    <p:animEffect transition="in" filter="barn(inVertical)">
-                                      <p:cBhvr>
-                                        <p:cTn id="140" dur="500"/>
-                                        <p:tgtEl>
-                                          <p:spTgt spid="60"/>
-                                        </p:tgtEl>
-                                      </p:cBhvr>
-                                    </p:animEffect>
-                                  </p:childTnLst>
-                                </p:cTn>
-                              </p:par>
-                            </p:childTnLst>
-                          </p:cTn>
-                        </p:par>
-                      </p:childTnLst>
-                    </p:cTn>
-                  </p:par>
-                  <p:par>
-                    <p:cTn id="141" fill="hold">
-                      <p:stCondLst>
-                        <p:cond delay="indefinite"/>
-                      </p:stCondLst>
-                      <p:childTnLst>
-                        <p:par>
-                          <p:cTn id="142" fill="hold">
-                            <p:stCondLst>
-                              <p:cond delay="0"/>
-                            </p:stCondLst>
-                            <p:childTnLst>
-                              <p:par>
-                                <p:cTn id="143" presetID="42" presetClass="entr" presetSubtype="0" fill="hold" nodeType="clickEffect">
-                                  <p:stCondLst>
-                                    <p:cond delay="0"/>
-                                  </p:stCondLst>
-                                  <p:childTnLst>
-                                    <p:set>
-                                      <p:cBhvr>
-                                        <p:cTn id="144" dur="1" fill="hold">
-                                          <p:stCondLst>
-                                            <p:cond delay="0"/>
-                                          </p:stCondLst>
-                                        </p:cTn>
-                                        <p:tgtEl>
-                                          <p:spTgt spid="24"/>
+                                          <p:spTgt spid="90"/>
                                         </p:tgtEl>
                                         <p:attrNameLst>
                                           <p:attrName>style.visibility</p:attrName>
@@ -16193,17 +15990,17 @@
                                     </p:set>
                                     <p:animEffect transition="in" filter="fade">
                                       <p:cBhvr>
-                                        <p:cTn id="145" dur="1000"/>
-                                        <p:tgtEl>
-                                          <p:spTgt spid="24"/>
+                                        <p:cTn id="135" dur="1000"/>
+                                        <p:tgtEl>
+                                          <p:spTgt spid="90"/>
                                         </p:tgtEl>
                                       </p:cBhvr>
                                     </p:animEffect>
                                     <p:anim calcmode="lin" valueType="num">
                                       <p:cBhvr>
-                                        <p:cTn id="146" dur="1000" fill="hold"/>
-                                        <p:tgtEl>
-                                          <p:spTgt spid="24"/>
+                                        <p:cTn id="136" dur="1000" fill="hold"/>
+                                        <p:tgtEl>
+                                          <p:spTgt spid="90"/>
                                         </p:tgtEl>
                                         <p:attrNameLst>
                                           <p:attrName>ppt_x</p:attrName>
@@ -16224,9 +16021,242 @@
                                     </p:anim>
                                     <p:anim calcmode="lin" valueType="num">
                                       <p:cBhvr>
-                                        <p:cTn id="147" dur="1000" fill="hold"/>
-                                        <p:tgtEl>
-                                          <p:spTgt spid="24"/>
+                                        <p:cTn id="137" dur="1000" fill="hold"/>
+                                        <p:tgtEl>
+                                          <p:spTgt spid="90"/>
+                                        </p:tgtEl>
+                                        <p:attrNameLst>
+                                          <p:attrName>ppt_y</p:attrName>
+                                        </p:attrNameLst>
+                                      </p:cBhvr>
+                                      <p:tavLst>
+                                        <p:tav tm="0">
+                                          <p:val>
+                                            <p:strVal val="#ppt_y+.1"/>
+                                          </p:val>
+                                        </p:tav>
+                                        <p:tav tm="100000">
+                                          <p:val>
+                                            <p:strVal val="#ppt_y"/>
+                                          </p:val>
+                                        </p:tav>
+                                      </p:tavLst>
+                                    </p:anim>
+                                  </p:childTnLst>
+                                </p:cTn>
+                              </p:par>
+                              <p:par>
+                                <p:cTn id="138" presetID="42" presetClass="entr" presetSubtype="0" fill="hold" grpId="0" nodeType="withEffect">
+                                  <p:stCondLst>
+                                    <p:cond delay="0"/>
+                                  </p:stCondLst>
+                                  <p:childTnLst>
+                                    <p:set>
+                                      <p:cBhvr>
+                                        <p:cTn id="139" dur="1" fill="hold">
+                                          <p:stCondLst>
+                                            <p:cond delay="0"/>
+                                          </p:stCondLst>
+                                        </p:cTn>
+                                        <p:tgtEl>
+                                          <p:spTgt spid="91"/>
+                                        </p:tgtEl>
+                                        <p:attrNameLst>
+                                          <p:attrName>style.visibility</p:attrName>
+                                        </p:attrNameLst>
+                                      </p:cBhvr>
+                                      <p:to>
+                                        <p:strVal val="visible"/>
+                                      </p:to>
+                                    </p:set>
+                                    <p:animEffect transition="in" filter="fade">
+                                      <p:cBhvr>
+                                        <p:cTn id="140" dur="1000"/>
+                                        <p:tgtEl>
+                                          <p:spTgt spid="91"/>
+                                        </p:tgtEl>
+                                      </p:cBhvr>
+                                    </p:animEffect>
+                                    <p:anim calcmode="lin" valueType="num">
+                                      <p:cBhvr>
+                                        <p:cTn id="141" dur="1000" fill="hold"/>
+                                        <p:tgtEl>
+                                          <p:spTgt spid="91"/>
+                                        </p:tgtEl>
+                                        <p:attrNameLst>
+                                          <p:attrName>ppt_x</p:attrName>
+                                        </p:attrNameLst>
+                                      </p:cBhvr>
+                                      <p:tavLst>
+                                        <p:tav tm="0">
+                                          <p:val>
+                                            <p:strVal val="#ppt_x"/>
+                                          </p:val>
+                                        </p:tav>
+                                        <p:tav tm="100000">
+                                          <p:val>
+                                            <p:strVal val="#ppt_x"/>
+                                          </p:val>
+                                        </p:tav>
+                                      </p:tavLst>
+                                    </p:anim>
+                                    <p:anim calcmode="lin" valueType="num">
+                                      <p:cBhvr>
+                                        <p:cTn id="142" dur="1000" fill="hold"/>
+                                        <p:tgtEl>
+                                          <p:spTgt spid="91"/>
+                                        </p:tgtEl>
+                                        <p:attrNameLst>
+                                          <p:attrName>ppt_y</p:attrName>
+                                        </p:attrNameLst>
+                                      </p:cBhvr>
+                                      <p:tavLst>
+                                        <p:tav tm="0">
+                                          <p:val>
+                                            <p:strVal val="#ppt_y+.1"/>
+                                          </p:val>
+                                        </p:tav>
+                                        <p:tav tm="100000">
+                                          <p:val>
+                                            <p:strVal val="#ppt_y"/>
+                                          </p:val>
+                                        </p:tav>
+                                      </p:tavLst>
+                                    </p:anim>
+                                  </p:childTnLst>
+                                </p:cTn>
+                              </p:par>
+                            </p:childTnLst>
+                          </p:cTn>
+                        </p:par>
+                      </p:childTnLst>
+                    </p:cTn>
+                  </p:par>
+                  <p:par>
+                    <p:cTn id="143" fill="hold">
+                      <p:stCondLst>
+                        <p:cond delay="indefinite"/>
+                      </p:stCondLst>
+                      <p:childTnLst>
+                        <p:par>
+                          <p:cTn id="144" fill="hold">
+                            <p:stCondLst>
+                              <p:cond delay="0"/>
+                            </p:stCondLst>
+                            <p:childTnLst>
+                              <p:par>
+                                <p:cTn id="145" presetID="22" presetClass="entr" presetSubtype="1" fill="hold" grpId="0" nodeType="clickEffect">
+                                  <p:stCondLst>
+                                    <p:cond delay="0"/>
+                                  </p:stCondLst>
+                                  <p:childTnLst>
+                                    <p:set>
+                                      <p:cBhvr>
+                                        <p:cTn id="146" dur="1" fill="hold">
+                                          <p:stCondLst>
+                                            <p:cond delay="0"/>
+                                          </p:stCondLst>
+                                        </p:cTn>
+                                        <p:tgtEl>
+                                          <p:spTgt spid="5"/>
+                                        </p:tgtEl>
+                                        <p:attrNameLst>
+                                          <p:attrName>style.visibility</p:attrName>
+                                        </p:attrNameLst>
+                                      </p:cBhvr>
+                                      <p:to>
+                                        <p:strVal val="visible"/>
+                                      </p:to>
+                                    </p:set>
+                                    <p:animEffect transition="in" filter="wipe(up)">
+                                      <p:cBhvr>
+                                        <p:cTn id="147" dur="500"/>
+                                        <p:tgtEl>
+                                          <p:spTgt spid="5"/>
+                                        </p:tgtEl>
+                                      </p:cBhvr>
+                                    </p:animEffect>
+                                  </p:childTnLst>
+                                </p:cTn>
+                              </p:par>
+                            </p:childTnLst>
+                          </p:cTn>
+                        </p:par>
+                      </p:childTnLst>
+                    </p:cTn>
+                  </p:par>
+                  <p:par>
+                    <p:cTn id="148" fill="hold">
+                      <p:stCondLst>
+                        <p:cond delay="indefinite"/>
+                      </p:stCondLst>
+                      <p:childTnLst>
+                        <p:par>
+                          <p:cTn id="149" fill="hold">
+                            <p:stCondLst>
+                              <p:cond delay="0"/>
+                            </p:stCondLst>
+                            <p:childTnLst>
+                              <p:par>
+                                <p:cTn id="150" presetID="42" presetClass="entr" presetSubtype="0" fill="hold" grpId="0" nodeType="clickEffect">
+                                  <p:stCondLst>
+                                    <p:cond delay="0"/>
+                                  </p:stCondLst>
+                                  <p:childTnLst>
+                                    <p:set>
+                                      <p:cBhvr>
+                                        <p:cTn id="151" dur="1" fill="hold">
+                                          <p:stCondLst>
+                                            <p:cond delay="0"/>
+                                          </p:stCondLst>
+                                        </p:cTn>
+                                        <p:tgtEl>
+                                          <p:spTgt spid="101"/>
+                                        </p:tgtEl>
+                                        <p:attrNameLst>
+                                          <p:attrName>style.visibility</p:attrName>
+                                        </p:attrNameLst>
+                                      </p:cBhvr>
+                                      <p:to>
+                                        <p:strVal val="visible"/>
+                                      </p:to>
+                                    </p:set>
+                                    <p:animEffect transition="in" filter="fade">
+                                      <p:cBhvr>
+                                        <p:cTn id="152" dur="1000"/>
+                                        <p:tgtEl>
+                                          <p:spTgt spid="101"/>
+                                        </p:tgtEl>
+                                      </p:cBhvr>
+                                    </p:animEffect>
+                                    <p:anim calcmode="lin" valueType="num">
+                                      <p:cBhvr>
+                                        <p:cTn id="153" dur="1000" fill="hold"/>
+                                        <p:tgtEl>
+                                          <p:spTgt spid="101"/>
+                                        </p:tgtEl>
+                                        <p:attrNameLst>
+                                          <p:attrName>ppt_x</p:attrName>
+                                        </p:attrNameLst>
+                                      </p:cBhvr>
+                                      <p:tavLst>
+                                        <p:tav tm="0">
+                                          <p:val>
+                                            <p:strVal val="#ppt_x"/>
+                                          </p:val>
+                                        </p:tav>
+                                        <p:tav tm="100000">
+                                          <p:val>
+                                            <p:strVal val="#ppt_x"/>
+                                          </p:val>
+                                        </p:tav>
+                                      </p:tavLst>
+                                    </p:anim>
+                                    <p:anim calcmode="lin" valueType="num">
+                                      <p:cBhvr>
+                                        <p:cTn id="154" dur="1000" fill="hold"/>
+                                        <p:tgtEl>
+                                          <p:spTgt spid="101"/>
                                         </p:tgtEl>
                                         <p:attrNameLst>
                                           <p:attrName>ppt_y</p:attrName>
@@ -16252,26 +16282,26 @@
                           </p:cTn>
                         </p:par>
                         <p:par>
-                          <p:cTn id="148" fill="hold">
+                          <p:cTn id="155" fill="hold">
                             <p:stCondLst>
                               <p:cond delay="1000"/>
                             </p:stCondLst>
                             <p:childTnLst>
                               <p:par>
-                                <p:cTn id="149" presetID="16" presetClass="entr" presetSubtype="21" fill="hold" grpId="0" nodeType="afterEffect">
+                                <p:cTn id="156" presetID="22" presetClass="entr" presetSubtype="1" fill="hold" nodeType="afterEffect">
                                   <p:stCondLst>
                                     <p:cond delay="0"/>
                                   </p:stCondLst>
                                   <p:childTnLst>
                                     <p:set>
                                       <p:cBhvr>
-                                        <p:cTn id="150" dur="1" fill="hold">
+                                        <p:cTn id="157" dur="1" fill="hold">
                                           <p:stCondLst>
                                             <p:cond delay="0"/>
                                           </p:stCondLst>
                                         </p:cTn>
                                         <p:tgtEl>
-                                          <p:spTgt spid="62"/>
+                                          <p:spTgt spid="103"/>
                                         </p:tgtEl>
                                         <p:attrNameLst>
                                           <p:attrName>style.visibility</p:attrName>
@@ -16281,113 +16311,14 @@
                                         <p:strVal val="visible"/>
                                       </p:to>
                                     </p:set>
-                                    <p:animEffect transition="in" filter="barn(inVertical)">
-                                      <p:cBhvr>
-                                        <p:cTn id="151" dur="500"/>
-                                        <p:tgtEl>
-                                          <p:spTgt spid="62"/>
+                                    <p:animEffect transition="in" filter="wipe(up)">
+                                      <p:cBhvr>
+                                        <p:cTn id="158" dur="500"/>
+                                        <p:tgtEl>
+                                          <p:spTgt spid="103"/>
                                         </p:tgtEl>
                                       </p:cBhvr>
                                     </p:animEffect>
-                                  </p:childTnLst>
-                                </p:cTn>
-                              </p:par>
-                            </p:childTnLst>
-                          </p:cTn>
-                        </p:par>
-                      </p:childTnLst>
-                    </p:cTn>
-                  </p:par>
-                  <p:par>
-                    <p:cTn id="152" fill="hold">
-                      <p:stCondLst>
-                        <p:cond delay="indefinite"/>
-                      </p:stCondLst>
-                      <p:childTnLst>
-                        <p:par>
-                          <p:cTn id="153" fill="hold">
-                            <p:stCondLst>
-                              <p:cond delay="0"/>
-                            </p:stCondLst>
-                            <p:childTnLst>
-                              <p:par>
-                                <p:cTn id="154" presetID="42" presetClass="entr" presetSubtype="0" fill="hold" nodeType="clickEffect">
-                                  <p:stCondLst>
-                                    <p:cond delay="0"/>
-                                  </p:stCondLst>
-                                  <p:childTnLst>
-                                    <p:set>
-                                      <p:cBhvr>
-                                        <p:cTn id="155" dur="1" fill="hold">
-                                          <p:stCondLst>
-                                            <p:cond delay="0"/>
-                                          </p:stCondLst>
-                                        </p:cTn>
-                                        <p:tgtEl>
-                                          <p:spTgt spid="37"/>
-                                        </p:tgtEl>
-                                        <p:attrNameLst>
-                                          <p:attrName>style.visibility</p:attrName>
-                                        </p:attrNameLst>
-                                      </p:cBhvr>
-                                      <p:to>
-                                        <p:strVal val="visible"/>
-                                      </p:to>
-                                    </p:set>
-                                    <p:animEffect transition="in" filter="fade">
-                                      <p:cBhvr>
-                                        <p:cTn id="156" dur="1000"/>
-                                        <p:tgtEl>
-                                          <p:spTgt spid="37"/>
-                                        </p:tgtEl>
-                                      </p:cBhvr>
-                                    </p:animEffect>
-                                    <p:anim calcmode="lin" valueType="num">
-                                      <p:cBhvr>
-                                        <p:cTn id="157" dur="1000" fill="hold"/>
-                                        <p:tgtEl>
-                                          <p:spTgt spid="37"/>
-                                        </p:tgtEl>
-                                        <p:attrNameLst>
-                                          <p:attrName>ppt_x</p:attrName>
-                                        </p:attrNameLst>
-                                      </p:cBhvr>
-                                      <p:tavLst>
-                                        <p:tav tm="0">
-                                          <p:val>
-                                            <p:strVal val="#ppt_x"/>
-                                          </p:val>
-                                        </p:tav>
-                                        <p:tav tm="100000">
-                                          <p:val>
-                                            <p:strVal val="#ppt_x"/>
-                                          </p:val>
-                                        </p:tav>
-                                      </p:tavLst>
-                                    </p:anim>
-                                    <p:anim calcmode="lin" valueType="num">
-                                      <p:cBhvr>
-                                        <p:cTn id="158" dur="1000" fill="hold"/>
-                                        <p:tgtEl>
-                                          <p:spTgt spid="37"/>
-                                        </p:tgtEl>
-                                        <p:attrNameLst>
-                                          <p:attrName>ppt_y</p:attrName>
-                                        </p:attrNameLst>
-                                      </p:cBhvr>
-                                      <p:tavLst>
-                                        <p:tav tm="0">
-                                          <p:val>
-                                            <p:strVal val="#ppt_y+.1"/>
-                                          </p:val>
-                                        </p:tav>
-                                        <p:tav tm="100000">
-                                          <p:val>
-                                            <p:strVal val="#ppt_y"/>
-                                          </p:val>
-                                        </p:tav>
-                                      </p:tavLst>
-                                    </p:anim>
                                   </p:childTnLst>
                                 </p:cTn>
                               </p:par>
@@ -16397,7 +16328,7 @@
                         <p:par>
                           <p:cTn id="159" fill="hold">
                             <p:stCondLst>
-                              <p:cond delay="1000"/>
+                              <p:cond delay="1500"/>
                             </p:stCondLst>
                             <p:childTnLst>
                               <p:par>
@@ -16414,7 +16345,7 @@
                                           </p:stCondLst>
                                         </p:cTn>
                                         <p:tgtEl>
-                                          <p:spTgt spid="66"/>
+                                          <p:spTgt spid="114"/>
                                         </p:tgtEl>
                                         <p:attrNameLst>
                                           <p:attrName>style.visibility</p:attrName>
@@ -16428,7 +16359,7 @@
                                       <p:cBhvr>
                                         <p:cTn id="162" dur="500"/>
                                         <p:tgtEl>
-                                          <p:spTgt spid="66"/>
+                                          <p:spTgt spid="114"/>
                                         </p:tgtEl>
                                       </p:cBhvr>
                                     </p:animEffect>
@@ -16454,7 +16385,7 @@
                             </p:stCondLst>
                             <p:childTnLst>
                               <p:par>
-                                <p:cTn id="165" presetID="47" presetClass="entr" presetSubtype="0" fill="hold" nodeType="clickEffect">
+                                <p:cTn id="165" presetID="22" presetClass="entr" presetSubtype="4" fill="hold" nodeType="clickEffect">
                                   <p:stCondLst>
                                     <p:cond delay="0"/>
                                   </p:stCondLst>
@@ -16467,7 +16398,298 @@
                                           </p:stCondLst>
                                         </p:cTn>
                                         <p:tgtEl>
-                                          <p:spTgt spid="36"/>
+                                          <p:spTgt spid="107"/>
+                                        </p:tgtEl>
+                                        <p:attrNameLst>
+                                          <p:attrName>style.visibility</p:attrName>
+                                        </p:attrNameLst>
+                                      </p:cBhvr>
+                                      <p:to>
+                                        <p:strVal val="visible"/>
+                                      </p:to>
+                                    </p:set>
+                                    <p:animEffect transition="in" filter="wipe(down)">
+                                      <p:cBhvr>
+                                        <p:cTn id="167" dur="500"/>
+                                        <p:tgtEl>
+                                          <p:spTgt spid="107"/>
+                                        </p:tgtEl>
+                                      </p:cBhvr>
+                                    </p:animEffect>
+                                  </p:childTnLst>
+                                </p:cTn>
+                              </p:par>
+                            </p:childTnLst>
+                          </p:cTn>
+                        </p:par>
+                        <p:par>
+                          <p:cTn id="168" fill="hold">
+                            <p:stCondLst>
+                              <p:cond delay="500"/>
+                            </p:stCondLst>
+                            <p:childTnLst>
+                              <p:par>
+                                <p:cTn id="169" presetID="16" presetClass="entr" presetSubtype="21" fill="hold" grpId="0" nodeType="afterEffect">
+                                  <p:stCondLst>
+                                    <p:cond delay="0"/>
+                                  </p:stCondLst>
+                                  <p:childTnLst>
+                                    <p:set>
+                                      <p:cBhvr>
+                                        <p:cTn id="170" dur="1" fill="hold">
+                                          <p:stCondLst>
+                                            <p:cond delay="0"/>
+                                          </p:stCondLst>
+                                        </p:cTn>
+                                        <p:tgtEl>
+                                          <p:spTgt spid="115"/>
+                                        </p:tgtEl>
+                                        <p:attrNameLst>
+                                          <p:attrName>style.visibility</p:attrName>
+                                        </p:attrNameLst>
+                                      </p:cBhvr>
+                                      <p:to>
+                                        <p:strVal val="visible"/>
+                                      </p:to>
+                                    </p:set>
+                                    <p:animEffect transition="in" filter="barn(inVertical)">
+                                      <p:cBhvr>
+                                        <p:cTn id="171" dur="500"/>
+                                        <p:tgtEl>
+                                          <p:spTgt spid="115"/>
+                                        </p:tgtEl>
+                                      </p:cBhvr>
+                                    </p:animEffect>
+                                  </p:childTnLst>
+                                </p:cTn>
+                              </p:par>
+                            </p:childTnLst>
+                          </p:cTn>
+                        </p:par>
+                      </p:childTnLst>
+                    </p:cTn>
+                  </p:par>
+                  <p:par>
+                    <p:cTn id="172" fill="hold">
+                      <p:stCondLst>
+                        <p:cond delay="indefinite"/>
+                      </p:stCondLst>
+                      <p:childTnLst>
+                        <p:par>
+                          <p:cTn id="173" fill="hold">
+                            <p:stCondLst>
+                              <p:cond delay="0"/>
+                            </p:stCondLst>
+                            <p:childTnLst>
+                              <p:par>
+                                <p:cTn id="174" presetID="22" presetClass="entr" presetSubtype="4" fill="hold" nodeType="clickEffect">
+                                  <p:stCondLst>
+                                    <p:cond delay="0"/>
+                                  </p:stCondLst>
+                                  <p:childTnLst>
+                                    <p:set>
+                                      <p:cBhvr>
+                                        <p:cTn id="175" dur="1" fill="hold">
+                                          <p:stCondLst>
+                                            <p:cond delay="0"/>
+                                          </p:stCondLst>
+                                        </p:cTn>
+                                        <p:tgtEl>
+                                          <p:spTgt spid="28"/>
+                                        </p:tgtEl>
+                                        <p:attrNameLst>
+                                          <p:attrName>style.visibility</p:attrName>
+                                        </p:attrNameLst>
+                                      </p:cBhvr>
+                                      <p:to>
+                                        <p:strVal val="visible"/>
+                                      </p:to>
+                                    </p:set>
+                                    <p:animEffect transition="in" filter="wipe(down)">
+                                      <p:cBhvr>
+                                        <p:cTn id="176" dur="500"/>
+                                        <p:tgtEl>
+                                          <p:spTgt spid="28"/>
+                                        </p:tgtEl>
+                                      </p:cBhvr>
+                                    </p:animEffect>
+                                  </p:childTnLst>
+                                </p:cTn>
+                              </p:par>
+                            </p:childTnLst>
+                          </p:cTn>
+                        </p:par>
+                        <p:par>
+                          <p:cTn id="177" fill="hold">
+                            <p:stCondLst>
+                              <p:cond delay="500"/>
+                            </p:stCondLst>
+                            <p:childTnLst>
+                              <p:par>
+                                <p:cTn id="178" presetID="16" presetClass="entr" presetSubtype="21" fill="hold" grpId="0" nodeType="afterEffect">
+                                  <p:stCondLst>
+                                    <p:cond delay="0"/>
+                                  </p:stCondLst>
+                                  <p:childTnLst>
+                                    <p:set>
+                                      <p:cBhvr>
+                                        <p:cTn id="179" dur="1" fill="hold">
+                                          <p:stCondLst>
+                                            <p:cond delay="0"/>
+                                          </p:stCondLst>
+                                        </p:cTn>
+                                        <p:tgtEl>
+                                          <p:spTgt spid="65"/>
+                                        </p:tgtEl>
+                                        <p:attrNameLst>
+                                          <p:attrName>style.visibility</p:attrName>
+                                        </p:attrNameLst>
+                                      </p:cBhvr>
+                                      <p:to>
+                                        <p:strVal val="visible"/>
+                                      </p:to>
+                                    </p:set>
+                                    <p:animEffect transition="in" filter="barn(inVertical)">
+                                      <p:cBhvr>
+                                        <p:cTn id="180" dur="500"/>
+                                        <p:tgtEl>
+                                          <p:spTgt spid="65"/>
+                                        </p:tgtEl>
+                                      </p:cBhvr>
+                                    </p:animEffect>
+                                  </p:childTnLst>
+                                </p:cTn>
+                              </p:par>
+                            </p:childTnLst>
+                          </p:cTn>
+                        </p:par>
+                      </p:childTnLst>
+                    </p:cTn>
+                  </p:par>
+                  <p:par>
+                    <p:cTn id="181" fill="hold">
+                      <p:stCondLst>
+                        <p:cond delay="indefinite"/>
+                      </p:stCondLst>
+                      <p:childTnLst>
+                        <p:par>
+                          <p:cTn id="182" fill="hold">
+                            <p:stCondLst>
+                              <p:cond delay="0"/>
+                            </p:stCondLst>
+                            <p:childTnLst>
+                              <p:par>
+                                <p:cTn id="183" presetID="22" presetClass="entr" presetSubtype="4" fill="hold" nodeType="clickEffect">
+                                  <p:stCondLst>
+                                    <p:cond delay="0"/>
+                                  </p:stCondLst>
+                                  <p:childTnLst>
+                                    <p:set>
+                                      <p:cBhvr>
+                                        <p:cTn id="184" dur="1" fill="hold">
+                                          <p:stCondLst>
+                                            <p:cond delay="0"/>
+                                          </p:stCondLst>
+                                        </p:cTn>
+                                        <p:tgtEl>
+                                          <p:spTgt spid="29"/>
+                                        </p:tgtEl>
+                                        <p:attrNameLst>
+                                          <p:attrName>style.visibility</p:attrName>
+                                        </p:attrNameLst>
+                                      </p:cBhvr>
+                                      <p:to>
+                                        <p:strVal val="visible"/>
+                                      </p:to>
+                                    </p:set>
+                                    <p:animEffect transition="in" filter="wipe(down)">
+                                      <p:cBhvr>
+                                        <p:cTn id="185" dur="500"/>
+                                        <p:tgtEl>
+                                          <p:spTgt spid="29"/>
+                                        </p:tgtEl>
+                                      </p:cBhvr>
+                                    </p:animEffect>
+                                  </p:childTnLst>
+                                </p:cTn>
+                              </p:par>
+                            </p:childTnLst>
+                          </p:cTn>
+                        </p:par>
+                        <p:par>
+                          <p:cTn id="186" fill="hold">
+                            <p:stCondLst>
+                              <p:cond delay="500"/>
+                            </p:stCondLst>
+                            <p:childTnLst>
+                              <p:par>
+                                <p:cTn id="187" presetID="16" presetClass="entr" presetSubtype="21" fill="hold" grpId="0" nodeType="afterEffect">
+                                  <p:stCondLst>
+                                    <p:cond delay="0"/>
+                                  </p:stCondLst>
+                                  <p:childTnLst>
+                                    <p:set>
+                                      <p:cBhvr>
+                                        <p:cTn id="188" dur="1" fill="hold">
+                                          <p:stCondLst>
+                                            <p:cond delay="0"/>
+                                          </p:stCondLst>
+                                        </p:cTn>
+                                        <p:tgtEl>
+                                          <p:spTgt spid="60"/>
+                                        </p:tgtEl>
+                                        <p:attrNameLst>
+                                          <p:attrName>style.visibility</p:attrName>
+                                        </p:attrNameLst>
+                                      </p:cBhvr>
+                                      <p:to>
+                                        <p:strVal val="visible"/>
+                                      </p:to>
+                                    </p:set>
+                                    <p:animEffect transition="in" filter="barn(inVertical)">
+                                      <p:cBhvr>
+                                        <p:cTn id="189" dur="500"/>
+                                        <p:tgtEl>
+                                          <p:spTgt spid="60"/>
+                                        </p:tgtEl>
+                                      </p:cBhvr>
+                                    </p:animEffect>
+                                  </p:childTnLst>
+                                </p:cTn>
+                              </p:par>
+                            </p:childTnLst>
+                          </p:cTn>
+                        </p:par>
+                      </p:childTnLst>
+                    </p:cTn>
+                  </p:par>
+                  <p:par>
+                    <p:cTn id="190" fill="hold">
+                      <p:stCondLst>
+                        <p:cond delay="indefinite"/>
+                      </p:stCondLst>
+                      <p:childTnLst>
+                        <p:par>
+                          <p:cTn id="191" fill="hold">
+                            <p:stCondLst>
+                              <p:cond delay="0"/>
+                            </p:stCondLst>
+                            <p:childTnLst>
+                              <p:par>
+                                <p:cTn id="192" presetID="42" presetClass="entr" presetSubtype="0" fill="hold" nodeType="clickEffect">
+                                  <p:stCondLst>
+                                    <p:cond delay="0"/>
+                                  </p:stCondLst>
+                                  <p:childTnLst>
+                                    <p:set>
+                                      <p:cBhvr>
+                                        <p:cTn id="193" dur="1" fill="hold">
+                                          <p:stCondLst>
+                                            <p:cond delay="0"/>
+                                          </p:stCondLst>
+                                        </p:cTn>
+                                        <p:tgtEl>
+                                          <p:spTgt spid="24"/>
                                         </p:tgtEl>
                                         <p:attrNameLst>
                                           <p:attrName>style.visibility</p:attrName>
@@ -16479,17 +16701,17 @@
                                     </p:set>
                                     <p:animEffect transition="in" filter="fade">
                                       <p:cBhvr>
-                                        <p:cTn id="167" dur="1000"/>
-                                        <p:tgtEl>
-                                          <p:spTgt spid="36"/>
+                                        <p:cTn id="194" dur="1000"/>
+                                        <p:tgtEl>
+                                          <p:spTgt spid="24"/>
                                         </p:tgtEl>
                                       </p:cBhvr>
                                     </p:animEffect>
                                     <p:anim calcmode="lin" valueType="num">
                                       <p:cBhvr>
-                                        <p:cTn id="168" dur="1000" fill="hold"/>
-                                        <p:tgtEl>
-                                          <p:spTgt spid="36"/>
+                                        <p:cTn id="195" dur="1000" fill="hold"/>
+                                        <p:tgtEl>
+                                          <p:spTgt spid="24"/>
                                         </p:tgtEl>
                                         <p:attrNameLst>
                                           <p:attrName>ppt_x</p:attrName>
@@ -16510,7 +16732,293 @@
                                     </p:anim>
                                     <p:anim calcmode="lin" valueType="num">
                                       <p:cBhvr>
-                                        <p:cTn id="169" dur="1000" fill="hold"/>
+                                        <p:cTn id="196" dur="1000" fill="hold"/>
+                                        <p:tgtEl>
+                                          <p:spTgt spid="24"/>
+                                        </p:tgtEl>
+                                        <p:attrNameLst>
+                                          <p:attrName>ppt_y</p:attrName>
+                                        </p:attrNameLst>
+                                      </p:cBhvr>
+                                      <p:tavLst>
+                                        <p:tav tm="0">
+                                          <p:val>
+                                            <p:strVal val="#ppt_y+.1"/>
+                                          </p:val>
+                                        </p:tav>
+                                        <p:tav tm="100000">
+                                          <p:val>
+                                            <p:strVal val="#ppt_y"/>
+                                          </p:val>
+                                        </p:tav>
+                                      </p:tavLst>
+                                    </p:anim>
+                                  </p:childTnLst>
+                                </p:cTn>
+                              </p:par>
+                            </p:childTnLst>
+                          </p:cTn>
+                        </p:par>
+                        <p:par>
+                          <p:cTn id="197" fill="hold">
+                            <p:stCondLst>
+                              <p:cond delay="1000"/>
+                            </p:stCondLst>
+                            <p:childTnLst>
+                              <p:par>
+                                <p:cTn id="198" presetID="16" presetClass="entr" presetSubtype="21" fill="hold" grpId="0" nodeType="afterEffect">
+                                  <p:stCondLst>
+                                    <p:cond delay="0"/>
+                                  </p:stCondLst>
+                                  <p:childTnLst>
+                                    <p:set>
+                                      <p:cBhvr>
+                                        <p:cTn id="199" dur="1" fill="hold">
+                                          <p:stCondLst>
+                                            <p:cond delay="0"/>
+                                          </p:stCondLst>
+                                        </p:cTn>
+                                        <p:tgtEl>
+                                          <p:spTgt spid="62"/>
+                                        </p:tgtEl>
+                                        <p:attrNameLst>
+                                          <p:attrName>style.visibility</p:attrName>
+                                        </p:attrNameLst>
+                                      </p:cBhvr>
+                                      <p:to>
+                                        <p:strVal val="visible"/>
+                                      </p:to>
+                                    </p:set>
+                                    <p:animEffect transition="in" filter="barn(inVertical)">
+                                      <p:cBhvr>
+                                        <p:cTn id="200" dur="500"/>
+                                        <p:tgtEl>
+                                          <p:spTgt spid="62"/>
+                                        </p:tgtEl>
+                                      </p:cBhvr>
+                                    </p:animEffect>
+                                  </p:childTnLst>
+                                </p:cTn>
+                              </p:par>
+                            </p:childTnLst>
+                          </p:cTn>
+                        </p:par>
+                      </p:childTnLst>
+                    </p:cTn>
+                  </p:par>
+                  <p:par>
+                    <p:cTn id="201" fill="hold">
+                      <p:stCondLst>
+                        <p:cond delay="indefinite"/>
+                      </p:stCondLst>
+                      <p:childTnLst>
+                        <p:par>
+                          <p:cTn id="202" fill="hold">
+                            <p:stCondLst>
+                              <p:cond delay="0"/>
+                            </p:stCondLst>
+                            <p:childTnLst>
+                              <p:par>
+                                <p:cTn id="203" presetID="42" presetClass="entr" presetSubtype="0" fill="hold" nodeType="clickEffect">
+                                  <p:stCondLst>
+                                    <p:cond delay="0"/>
+                                  </p:stCondLst>
+                                  <p:childTnLst>
+                                    <p:set>
+                                      <p:cBhvr>
+                                        <p:cTn id="204" dur="1" fill="hold">
+                                          <p:stCondLst>
+                                            <p:cond delay="0"/>
+                                          </p:stCondLst>
+                                        </p:cTn>
+                                        <p:tgtEl>
+                                          <p:spTgt spid="37"/>
+                                        </p:tgtEl>
+                                        <p:attrNameLst>
+                                          <p:attrName>style.visibility</p:attrName>
+                                        </p:attrNameLst>
+                                      </p:cBhvr>
+                                      <p:to>
+                                        <p:strVal val="visible"/>
+                                      </p:to>
+                                    </p:set>
+                                    <p:animEffect transition="in" filter="fade">
+                                      <p:cBhvr>
+                                        <p:cTn id="205" dur="1000"/>
+                                        <p:tgtEl>
+                                          <p:spTgt spid="37"/>
+                                        </p:tgtEl>
+                                      </p:cBhvr>
+                                    </p:animEffect>
+                                    <p:anim calcmode="lin" valueType="num">
+                                      <p:cBhvr>
+                                        <p:cTn id="206" dur="1000" fill="hold"/>
+                                        <p:tgtEl>
+                                          <p:spTgt spid="37"/>
+                                        </p:tgtEl>
+                                        <p:attrNameLst>
+                                          <p:attrName>ppt_x</p:attrName>
+                                        </p:attrNameLst>
+                                      </p:cBhvr>
+                                      <p:tavLst>
+                                        <p:tav tm="0">
+                                          <p:val>
+                                            <p:strVal val="#ppt_x"/>
+                                          </p:val>
+                                        </p:tav>
+                                        <p:tav tm="100000">
+                                          <p:val>
+                                            <p:strVal val="#ppt_x"/>
+                                          </p:val>
+                                        </p:tav>
+                                      </p:tavLst>
+                                    </p:anim>
+                                    <p:anim calcmode="lin" valueType="num">
+                                      <p:cBhvr>
+                                        <p:cTn id="207" dur="1000" fill="hold"/>
+                                        <p:tgtEl>
+                                          <p:spTgt spid="37"/>
+                                        </p:tgtEl>
+                                        <p:attrNameLst>
+                                          <p:attrName>ppt_y</p:attrName>
+                                        </p:attrNameLst>
+                                      </p:cBhvr>
+                                      <p:tavLst>
+                                        <p:tav tm="0">
+                                          <p:val>
+                                            <p:strVal val="#ppt_y+.1"/>
+                                          </p:val>
+                                        </p:tav>
+                                        <p:tav tm="100000">
+                                          <p:val>
+                                            <p:strVal val="#ppt_y"/>
+                                          </p:val>
+                                        </p:tav>
+                                      </p:tavLst>
+                                    </p:anim>
+                                  </p:childTnLst>
+                                </p:cTn>
+                              </p:par>
+                            </p:childTnLst>
+                          </p:cTn>
+                        </p:par>
+                        <p:par>
+                          <p:cTn id="208" fill="hold">
+                            <p:stCondLst>
+                              <p:cond delay="1000"/>
+                            </p:stCondLst>
+                            <p:childTnLst>
+                              <p:par>
+                                <p:cTn id="209" presetID="16" presetClass="entr" presetSubtype="21" fill="hold" grpId="0" nodeType="afterEffect">
+                                  <p:stCondLst>
+                                    <p:cond delay="0"/>
+                                  </p:stCondLst>
+                                  <p:childTnLst>
+                                    <p:set>
+                                      <p:cBhvr>
+                                        <p:cTn id="210" dur="1" fill="hold">
+                                          <p:stCondLst>
+                                            <p:cond delay="0"/>
+                                          </p:stCondLst>
+                                        </p:cTn>
+                                        <p:tgtEl>
+                                          <p:spTgt spid="66"/>
+                                        </p:tgtEl>
+                                        <p:attrNameLst>
+                                          <p:attrName>style.visibility</p:attrName>
+                                        </p:attrNameLst>
+                                      </p:cBhvr>
+                                      <p:to>
+                                        <p:strVal val="visible"/>
+                                      </p:to>
+                                    </p:set>
+                                    <p:animEffect transition="in" filter="barn(inVertical)">
+                                      <p:cBhvr>
+                                        <p:cTn id="211" dur="500"/>
+                                        <p:tgtEl>
+                                          <p:spTgt spid="66"/>
+                                        </p:tgtEl>
+                                      </p:cBhvr>
+                                    </p:animEffect>
+                                  </p:childTnLst>
+                                </p:cTn>
+                              </p:par>
+                            </p:childTnLst>
+                          </p:cTn>
+                        </p:par>
+                      </p:childTnLst>
+                    </p:cTn>
+                  </p:par>
+                  <p:par>
+                    <p:cTn id="212" fill="hold">
+                      <p:stCondLst>
+                        <p:cond delay="indefinite"/>
+                      </p:stCondLst>
+                      <p:childTnLst>
+                        <p:par>
+                          <p:cTn id="213" fill="hold">
+                            <p:stCondLst>
+                              <p:cond delay="0"/>
+                            </p:stCondLst>
+                            <p:childTnLst>
+                              <p:par>
+                                <p:cTn id="214" presetID="47" presetClass="entr" presetSubtype="0" fill="hold" nodeType="clickEffect">
+                                  <p:stCondLst>
+                                    <p:cond delay="0"/>
+                                  </p:stCondLst>
+                                  <p:childTnLst>
+                                    <p:set>
+                                      <p:cBhvr>
+                                        <p:cTn id="215" dur="1" fill="hold">
+                                          <p:stCondLst>
+                                            <p:cond delay="0"/>
+                                          </p:stCondLst>
+                                        </p:cTn>
+                                        <p:tgtEl>
+                                          <p:spTgt spid="36"/>
+                                        </p:tgtEl>
+                                        <p:attrNameLst>
+                                          <p:attrName>style.visibility</p:attrName>
+                                        </p:attrNameLst>
+                                      </p:cBhvr>
+                                      <p:to>
+                                        <p:strVal val="visible"/>
+                                      </p:to>
+                                    </p:set>
+                                    <p:animEffect transition="in" filter="fade">
+                                      <p:cBhvr>
+                                        <p:cTn id="216" dur="1000"/>
+                                        <p:tgtEl>
+                                          <p:spTgt spid="36"/>
+                                        </p:tgtEl>
+                                      </p:cBhvr>
+                                    </p:animEffect>
+                                    <p:anim calcmode="lin" valueType="num">
+                                      <p:cBhvr>
+                                        <p:cTn id="217" dur="1000" fill="hold"/>
+                                        <p:tgtEl>
+                                          <p:spTgt spid="36"/>
+                                        </p:tgtEl>
+                                        <p:attrNameLst>
+                                          <p:attrName>ppt_x</p:attrName>
+                                        </p:attrNameLst>
+                                      </p:cBhvr>
+                                      <p:tavLst>
+                                        <p:tav tm="0">
+                                          <p:val>
+                                            <p:strVal val="#ppt_x"/>
+                                          </p:val>
+                                        </p:tav>
+                                        <p:tav tm="100000">
+                                          <p:val>
+                                            <p:strVal val="#ppt_x"/>
+                                          </p:val>
+                                        </p:tav>
+                                      </p:tavLst>
+                                    </p:anim>
+                                    <p:anim calcmode="lin" valueType="num">
+                                      <p:cBhvr>
+                                        <p:cTn id="218" dur="1000" fill="hold"/>
                                         <p:tgtEl>
                                           <p:spTgt spid="36"/>
                                         </p:tgtEl>
@@ -16538,20 +17046,20 @@
                           </p:cTn>
                         </p:par>
                         <p:par>
-                          <p:cTn id="170" fill="hold">
+                          <p:cTn id="219" fill="hold">
                             <p:stCondLst>
                               <p:cond delay="1000"/>
                             </p:stCondLst>
                             <p:childTnLst>
                               <p:par>
-                                <p:cTn id="171" presetID="22" presetClass="entr" presetSubtype="4" fill="hold" grpId="0" nodeType="afterEffect">
+                                <p:cTn id="220" presetID="22" presetClass="entr" presetSubtype="4" fill="hold" grpId="0" nodeType="afterEffect">
                                   <p:stCondLst>
                                     <p:cond delay="0"/>
                                   </p:stCondLst>
                                   <p:childTnLst>
                                     <p:set>
                                       <p:cBhvr>
-                                        <p:cTn id="172" dur="1" fill="hold">
+                                        <p:cTn id="221" dur="1" fill="hold">
                                           <p:stCondLst>
                                             <p:cond delay="0"/>
                                           </p:stCondLst>
@@ -16569,7 +17077,7 @@
                                     </p:set>
                                     <p:animEffect transition="in" filter="wipe(down)">
                                       <p:cBhvr>
-                                        <p:cTn id="173" dur="500"/>
+                                        <p:cTn id="222" dur="500"/>
                                         <p:tgtEl>
                                           <p:spTgt spid="67"/>
                                         </p:tgtEl>
@@ -16585,26 +17093,26 @@
                     </p:cTn>
                   </p:par>
                   <p:par>
-                    <p:cTn id="174" fill="hold">
+                    <p:cTn id="223" fill="hold">
                       <p:stCondLst>
                         <p:cond delay="indefinite"/>
                       </p:stCondLst>
                       <p:childTnLst>
                         <p:par>
-                          <p:cTn id="175" fill="hold">
+                          <p:cTn id="224" fill="hold">
                             <p:stCondLst>
                               <p:cond delay="0"/>
                             </p:stCondLst>
                             <p:childTnLst>
                               <p:par>
-                                <p:cTn id="176" presetID="47" presetClass="entr" presetSubtype="0" fill="hold" grpId="0" nodeType="clickEffect">
+                                <p:cTn id="225" presetID="47" presetClass="entr" presetSubtype="0" fill="hold" grpId="0" nodeType="clickEffect">
                                   <p:stCondLst>
                                     <p:cond delay="0"/>
                                   </p:stCondLst>
                                   <p:childTnLst>
                                     <p:set>
                                       <p:cBhvr>
-                                        <p:cTn id="177" dur="1" fill="hold">
+                                        <p:cTn id="226" dur="1" fill="hold">
                                           <p:stCondLst>
                                             <p:cond delay="0"/>
                                           </p:stCondLst>
@@ -16622,7 +17130,7 @@
                                     </p:set>
                                     <p:animEffect transition="in" filter="fade">
                                       <p:cBhvr>
-                                        <p:cTn id="178" dur="1000"/>
+                                        <p:cTn id="227" dur="1000"/>
                                         <p:tgtEl>
                                           <p:spTgt spid="4"/>
                                         </p:tgtEl>
@@ -16630,7 +17138,7 @@
                                     </p:animEffect>
                                     <p:anim calcmode="lin" valueType="num">
                                       <p:cBhvr>
-                                        <p:cTn id="179" dur="1000" fill="hold"/>
+                                        <p:cTn id="228" dur="1000" fill="hold"/>
                                         <p:tgtEl>
                                           <p:spTgt spid="4"/>
                                         </p:tgtEl>
@@ -16653,7 +17161,7 @@
                                     </p:anim>
                                     <p:anim calcmode="lin" valueType="num">
                                       <p:cBhvr>
-                                        <p:cTn id="180" dur="1000" fill="hold"/>
+                                        <p:cTn id="229" dur="1000" fill="hold"/>
                                         <p:tgtEl>
                                           <p:spTgt spid="4"/>
                                         </p:tgtEl>
@@ -16681,20 +17189,20 @@
                           </p:cTn>
                         </p:par>
                         <p:par>
-                          <p:cTn id="181" fill="hold">
+                          <p:cTn id="230" fill="hold">
                             <p:stCondLst>
                               <p:cond delay="1000"/>
                             </p:stCondLst>
                             <p:childTnLst>
                               <p:par>
-                                <p:cTn id="182" presetID="22" presetClass="entr" presetSubtype="4" fill="hold" nodeType="afterEffect">
+                                <p:cTn id="231" presetID="22" presetClass="entr" presetSubtype="4" fill="hold" nodeType="afterEffect">
                                   <p:stCondLst>
                                     <p:cond delay="0"/>
                                   </p:stCondLst>
                                   <p:childTnLst>
                                     <p:set>
                                       <p:cBhvr>
-                                        <p:cTn id="183" dur="1" fill="hold">
+                                        <p:cTn id="232" dur="1" fill="hold">
                                           <p:stCondLst>
                                             <p:cond delay="0"/>
                                           </p:stCondLst>
@@ -16712,7 +17220,7 @@
                                     </p:set>
                                     <p:animEffect transition="in" filter="wipe(down)">
                                       <p:cBhvr>
-                                        <p:cTn id="184" dur="750"/>
+                                        <p:cTn id="233" dur="750"/>
                                         <p:tgtEl>
                                           <p:spTgt spid="44"/>
                                         </p:tgtEl>
@@ -16725,20 +17233,20 @@
                           </p:cTn>
                         </p:par>
                         <p:par>
-                          <p:cTn id="185" fill="hold">
+                          <p:cTn id="234" fill="hold">
                             <p:stCondLst>
                               <p:cond delay="1750"/>
                             </p:stCondLst>
                             <p:childTnLst>
                               <p:par>
-                                <p:cTn id="186" presetID="16" presetClass="entr" presetSubtype="21" fill="hold" grpId="0" nodeType="afterEffect">
+                                <p:cTn id="235" presetID="16" presetClass="entr" presetSubtype="21" fill="hold" grpId="0" nodeType="afterEffect">
                                   <p:stCondLst>
                                     <p:cond delay="0"/>
                                   </p:stCondLst>
                                   <p:childTnLst>
                                     <p:set>
                                       <p:cBhvr>
-                                        <p:cTn id="187" dur="1" fill="hold">
+                                        <p:cTn id="236" dur="1" fill="hold">
                                           <p:stCondLst>
                                             <p:cond delay="0"/>
                                           </p:stCondLst>
@@ -16756,7 +17264,7 @@
                                     </p:set>
                                     <p:animEffect transition="in" filter="barn(inVertical)">
                                       <p:cBhvr>
-                                        <p:cTn id="188" dur="500"/>
+                                        <p:cTn id="237" dur="500"/>
                                         <p:tgtEl>
                                           <p:spTgt spid="68"/>
                                         </p:tgtEl>
@@ -16772,129 +17280,32 @@
                     </p:cTn>
                   </p:par>
                   <p:par>
-                    <p:cTn id="189" fill="hold">
+                    <p:cTn id="238" fill="hold">
                       <p:stCondLst>
                         <p:cond delay="indefinite"/>
                       </p:stCondLst>
                       <p:childTnLst>
                         <p:par>
-                          <p:cTn id="190" fill="hold">
+                          <p:cTn id="239" fill="hold">
                             <p:stCondLst>
                               <p:cond delay="0"/>
                             </p:stCondLst>
                             <p:childTnLst>
                               <p:par>
-                                <p:cTn id="191" presetID="22" presetClass="entr" presetSubtype="4" fill="hold" nodeType="clickEffect">
+                                <p:cTn id="240" presetID="42" presetClass="entr" presetSubtype="0" fill="hold" grpId="0" nodeType="clickEffect">
                                   <p:stCondLst>
                                     <p:cond delay="0"/>
                                   </p:stCondLst>
                                   <p:childTnLst>
                                     <p:set>
                                       <p:cBhvr>
-                                        <p:cTn id="192" dur="1" fill="hold">
+                                        <p:cTn id="241" dur="1" fill="hold">
                                           <p:stCondLst>
                                             <p:cond delay="0"/>
                                           </p:stCondLst>
                                         </p:cTn>
                                         <p:tgtEl>
-                                          <p:spTgt spid="46"/>
-                                        </p:tgtEl>
-                                        <p:attrNameLst>
-                                          <p:attrName>style.visibility</p:attrName>
-                                        </p:attrNameLst>
-                                      </p:cBhvr>
-                                      <p:to>
-                                        <p:strVal val="visible"/>
-                                      </p:to>
-                                    </p:set>
-                                    <p:animEffect transition="in" filter="wipe(down)">
-                                      <p:cBhvr>
-                                        <p:cTn id="193" dur="500"/>
-                                        <p:tgtEl>
-                                          <p:spTgt spid="46"/>
-                                        </p:tgtEl>
-                                      </p:cBhvr>
-                                    </p:animEffect>
-                                  </p:childTnLst>
-                                </p:cTn>
-                              </p:par>
-                            </p:childTnLst>
-                          </p:cTn>
-                        </p:par>
-                        <p:par>
-                          <p:cTn id="194" fill="hold">
-                            <p:stCondLst>
-                              <p:cond delay="500"/>
-                            </p:stCondLst>
-                            <p:childTnLst>
-                              <p:par>
-                                <p:cTn id="195" presetID="16" presetClass="entr" presetSubtype="21" fill="hold" grpId="0" nodeType="afterEffect">
-                                  <p:stCondLst>
-                                    <p:cond delay="0"/>
-                                  </p:stCondLst>
-                                  <p:childTnLst>
-                                    <p:set>
-                                      <p:cBhvr>
-                                        <p:cTn id="196" dur="1" fill="hold">
-                                          <p:stCondLst>
-                                            <p:cond delay="0"/>
-                                          </p:stCondLst>
-                                        </p:cTn>
-                                        <p:tgtEl>
-                                          <p:spTgt spid="69"/>
-                                        </p:tgtEl>
-                                        <p:attrNameLst>
-                                          <p:attrName>style.visibility</p:attrName>
-                                        </p:attrNameLst>
-                                      </p:cBhvr>
-                                      <p:to>
-                                        <p:strVal val="visible"/>
-                                      </p:to>
-                                    </p:set>
-                                    <p:animEffect transition="in" filter="barn(inVertical)">
-                                      <p:cBhvr>
-                                        <p:cTn id="197" dur="500"/>
-                                        <p:tgtEl>
-                                          <p:spTgt spid="69"/>
-                                        </p:tgtEl>
-                                      </p:cBhvr>
-                                    </p:animEffect>
-                                  </p:childTnLst>
-                                </p:cTn>
-                              </p:par>
-                            </p:childTnLst>
-                          </p:cTn>
-                        </p:par>
-                      </p:childTnLst>
-                    </p:cTn>
-                  </p:par>
-                  <p:par>
-                    <p:cTn id="198" fill="hold">
-                      <p:stCondLst>
-                        <p:cond delay="indefinite"/>
-                      </p:stCondLst>
-                      <p:childTnLst>
-                        <p:par>
-                          <p:cTn id="199" fill="hold">
-                            <p:stCondLst>
-                              <p:cond delay="0"/>
-                            </p:stCondLst>
-                            <p:childTnLst>
-                              <p:par>
-                                <p:cTn id="200" presetID="42" presetClass="entr" presetSubtype="0" fill="hold" nodeType="clickEffect">
-                                  <p:stCondLst>
-                                    <p:cond delay="0"/>
-                                  </p:stCondLst>
-                                  <p:childTnLst>
-                                    <p:set>
-                                      <p:cBhvr>
-                                        <p:cTn id="201" dur="1" fill="hold">
-                                          <p:stCondLst>
-                                            <p:cond delay="0"/>
-                                          </p:stCondLst>
-                                        </p:cTn>
-                                        <p:tgtEl>
-                                          <p:spTgt spid="45"/>
+                                          <p:spTgt spid="92"/>
                                         </p:tgtEl>
                                         <p:attrNameLst>
                                           <p:attrName>style.visibility</p:attrName>
@@ -16906,17 +17317,17 @@
                                     </p:set>
                                     <p:animEffect transition="in" filter="fade">
                                       <p:cBhvr>
-                                        <p:cTn id="202" dur="1000"/>
-                                        <p:tgtEl>
-                                          <p:spTgt spid="45"/>
+                                        <p:cTn id="242" dur="1000"/>
+                                        <p:tgtEl>
+                                          <p:spTgt spid="92"/>
                                         </p:tgtEl>
                                       </p:cBhvr>
                                     </p:animEffect>
                                     <p:anim calcmode="lin" valueType="num">
                                       <p:cBhvr>
-                                        <p:cTn id="203" dur="1000" fill="hold"/>
-                                        <p:tgtEl>
-                                          <p:spTgt spid="45"/>
+                                        <p:cTn id="243" dur="1000" fill="hold"/>
+                                        <p:tgtEl>
+                                          <p:spTgt spid="92"/>
                                         </p:tgtEl>
                                         <p:attrNameLst>
                                           <p:attrName>ppt_x</p:attrName>
@@ -16937,9 +17348,90 @@
                                     </p:anim>
                                     <p:anim calcmode="lin" valueType="num">
                                       <p:cBhvr>
-                                        <p:cTn id="204" dur="1000" fill="hold"/>
-                                        <p:tgtEl>
-                                          <p:spTgt spid="45"/>
+                                        <p:cTn id="244" dur="1000" fill="hold"/>
+                                        <p:tgtEl>
+                                          <p:spTgt spid="92"/>
+                                        </p:tgtEl>
+                                        <p:attrNameLst>
+                                          <p:attrName>ppt_y</p:attrName>
+                                        </p:attrNameLst>
+                                      </p:cBhvr>
+                                      <p:tavLst>
+                                        <p:tav tm="0">
+                                          <p:val>
+                                            <p:strVal val="#ppt_y+.1"/>
+                                          </p:val>
+                                        </p:tav>
+                                        <p:tav tm="100000">
+                                          <p:val>
+                                            <p:strVal val="#ppt_y"/>
+                                          </p:val>
+                                        </p:tav>
+                                      </p:tavLst>
+                                    </p:anim>
+                                  </p:childTnLst>
+                                </p:cTn>
+                              </p:par>
+                              <p:par>
+                                <p:cTn id="245" presetID="42" presetClass="entr" presetSubtype="0" fill="hold" grpId="0" nodeType="withEffect">
+                                  <p:stCondLst>
+                                    <p:cond delay="0"/>
+                                  </p:stCondLst>
+                                  <p:childTnLst>
+                                    <p:set>
+                                      <p:cBhvr>
+                                        <p:cTn id="246" dur="1" fill="hold">
+                                          <p:stCondLst>
+                                            <p:cond delay="0"/>
+                                          </p:stCondLst>
+                                        </p:cTn>
+                                        <p:tgtEl>
+                                          <p:spTgt spid="93"/>
+                                        </p:tgtEl>
+                                        <p:attrNameLst>
+                                          <p:attrName>style.visibility</p:attrName>
+                                        </p:attrNameLst>
+                                      </p:cBhvr>
+                                      <p:to>
+                                        <p:strVal val="visible"/>
+                                      </p:to>
+                                    </p:set>
+                                    <p:animEffect transition="in" filter="fade">
+                                      <p:cBhvr>
+                                        <p:cTn id="247" dur="1000"/>
+                                        <p:tgtEl>
+                                          <p:spTgt spid="93"/>
+                                        </p:tgtEl>
+                                      </p:cBhvr>
+                                    </p:animEffect>
+                                    <p:anim calcmode="lin" valueType="num">
+                                      <p:cBhvr>
+                                        <p:cTn id="248" dur="1000" fill="hold"/>
+                                        <p:tgtEl>
+                                          <p:spTgt spid="93"/>
+                                        </p:tgtEl>
+                                        <p:attrNameLst>
+                                          <p:attrName>ppt_x</p:attrName>
+                                        </p:attrNameLst>
+                                      </p:cBhvr>
+                                      <p:tavLst>
+                                        <p:tav tm="0">
+                                          <p:val>
+                                            <p:strVal val="#ppt_x"/>
+                                          </p:val>
+                                        </p:tav>
+                                        <p:tav tm="100000">
+                                          <p:val>
+                                            <p:strVal val="#ppt_x"/>
+                                          </p:val>
+                                        </p:tav>
+                                      </p:tavLst>
+                                    </p:anim>
+                                    <p:anim calcmode="lin" valueType="num">
+                                      <p:cBhvr>
+                                        <p:cTn id="249" dur="1000" fill="hold"/>
+                                        <p:tgtEl>
+                                          <p:spTgt spid="93"/>
                                         </p:tgtEl>
                                         <p:attrNameLst>
                                           <p:attrName>ppt_y</p:attrName>
@@ -16964,27 +17456,36 @@
                             </p:childTnLst>
                           </p:cTn>
                         </p:par>
+                      </p:childTnLst>
+                    </p:cTn>
+                  </p:par>
+                  <p:par>
+                    <p:cTn id="250" fill="hold">
+                      <p:stCondLst>
+                        <p:cond delay="indefinite"/>
+                      </p:stCondLst>
+                      <p:childTnLst>
                         <p:par>
-                          <p:cTn id="205" fill="hold">
+                          <p:cTn id="251" fill="hold">
                             <p:stCondLst>
-                              <p:cond delay="1000"/>
+                              <p:cond delay="0"/>
                             </p:stCondLst>
                             <p:childTnLst>
                               <p:par>
-                                <p:cTn id="206" presetID="16" presetClass="entr" presetSubtype="21" fill="hold" grpId="0" nodeType="afterEffect">
+                                <p:cTn id="252" presetID="22" presetClass="entr" presetSubtype="4" fill="hold" nodeType="clickEffect">
                                   <p:stCondLst>
                                     <p:cond delay="0"/>
                                   </p:stCondLst>
                                   <p:childTnLst>
                                     <p:set>
                                       <p:cBhvr>
-                                        <p:cTn id="207" dur="1" fill="hold">
+                                        <p:cTn id="253" dur="1" fill="hold">
                                           <p:stCondLst>
                                             <p:cond delay="0"/>
                                           </p:stCondLst>
                                         </p:cTn>
                                         <p:tgtEl>
-                                          <p:spTgt spid="70"/>
+                                          <p:spTgt spid="46"/>
                                         </p:tgtEl>
                                         <p:attrNameLst>
                                           <p:attrName>style.visibility</p:attrName>
@@ -16994,64 +17495,11 @@
                                         <p:strVal val="visible"/>
                                       </p:to>
                                     </p:set>
-                                    <p:animEffect transition="in" filter="barn(inVertical)">
-                                      <p:cBhvr>
-                                        <p:cTn id="208" dur="500"/>
-                                        <p:tgtEl>
-                                          <p:spTgt spid="70"/>
-                                        </p:tgtEl>
-                                      </p:cBhvr>
-                                    </p:animEffect>
-                                  </p:childTnLst>
-                                </p:cTn>
-                              </p:par>
-                            </p:childTnLst>
-                          </p:cTn>
-                        </p:par>
-                      </p:childTnLst>
-                    </p:cTn>
-                  </p:par>
-                  <p:par>
-                    <p:cTn id="209" fill="hold">
-                      <p:stCondLst>
-                        <p:cond delay="indefinite"/>
-                      </p:stCondLst>
-                      <p:childTnLst>
-                        <p:par>
-                          <p:cTn id="210" fill="hold">
-                            <p:stCondLst>
-                              <p:cond delay="0"/>
-                            </p:stCondLst>
-                            <p:childTnLst>
-                              <p:par>
-                                <p:cTn id="211" presetID="6" presetClass="entr" presetSubtype="16" fill="hold" grpId="0" nodeType="clickEffect">
-                                  <p:stCondLst>
-                                    <p:cond delay="0"/>
-                                  </p:stCondLst>
-                                  <p:childTnLst>
-                                    <p:set>
-                                      <p:cBhvr>
-                                        <p:cTn id="212" dur="1" fill="hold">
-                                          <p:stCondLst>
-                                            <p:cond delay="0"/>
-                                          </p:stCondLst>
-                                        </p:cTn>
-                                        <p:tgtEl>
-                                          <p:spTgt spid="7"/>
-                                        </p:tgtEl>
-                                        <p:attrNameLst>
-                                          <p:attrName>style.visibility</p:attrName>
-                                        </p:attrNameLst>
-                                      </p:cBhvr>
-                                      <p:to>
-                                        <p:strVal val="visible"/>
-                                      </p:to>
-                                    </p:set>
-                                    <p:animEffect transition="in" filter="circle(in)">
-                                      <p:cBhvr>
-                                        <p:cTn id="213" dur="1250"/>
-                                        <p:tgtEl>
-                                          <p:spTgt spid="7"/>
+                                    <p:animEffect transition="in" filter="wipe(down)">
+                                      <p:cBhvr>
+                                        <p:cTn id="254" dur="500"/>
+                                        <p:tgtEl>
+                                          <p:spTgt spid="46"/>
                                         </p:tgtEl>
                                       </p:cBhvr>
                                     </p:animEffect>
@@ -17062,26 +17510,26 @@
                           </p:cTn>
                         </p:par>
                         <p:par>
-                          <p:cTn id="214" fill="hold">
+                          <p:cTn id="255" fill="hold">
                             <p:stCondLst>
-                              <p:cond delay="1250"/>
+                              <p:cond delay="500"/>
                             </p:stCondLst>
                             <p:childTnLst>
                               <p:par>
-                                <p:cTn id="215" presetID="16" presetClass="entr" presetSubtype="21" fill="hold" nodeType="afterEffect">
+                                <p:cTn id="256" presetID="16" presetClass="entr" presetSubtype="21" fill="hold" grpId="0" nodeType="afterEffect">
                                   <p:stCondLst>
                                     <p:cond delay="0"/>
                                   </p:stCondLst>
                                   <p:childTnLst>
                                     <p:set>
                                       <p:cBhvr>
-                                        <p:cTn id="216" dur="1" fill="hold">
+                                        <p:cTn id="257" dur="1" fill="hold">
                                           <p:stCondLst>
                                             <p:cond delay="0"/>
                                           </p:stCondLst>
                                         </p:cTn>
                                         <p:tgtEl>
-                                          <p:spTgt spid="25"/>
+                                          <p:spTgt spid="69"/>
                                         </p:tgtEl>
                                         <p:attrNameLst>
                                           <p:attrName>style.visibility</p:attrName>
@@ -17093,529 +17541,12 @@
                                     </p:set>
                                     <p:animEffect transition="in" filter="barn(inVertical)">
                                       <p:cBhvr>
-                                        <p:cTn id="217" dur="500"/>
-                                        <p:tgtEl>
-                                          <p:spTgt spid="25"/>
+                                        <p:cTn id="258" dur="500"/>
+                                        <p:tgtEl>
+                                          <p:spTgt spid="69"/>
                                         </p:tgtEl>
                                       </p:cBhvr>
                                     </p:animEffect>
-                                  </p:childTnLst>
-                                </p:cTn>
-                              </p:par>
-                            </p:childTnLst>
-                          </p:cTn>
-                        </p:par>
-                        <p:par>
-                          <p:cTn id="218" fill="hold">
-                            <p:stCondLst>
-                              <p:cond delay="1750"/>
-                            </p:stCondLst>
-                            <p:childTnLst>
-                              <p:par>
-                                <p:cTn id="219" presetID="16" presetClass="entr" presetSubtype="21" fill="hold" grpId="0" nodeType="afterEffect">
-                                  <p:stCondLst>
-                                    <p:cond delay="0"/>
-                                  </p:stCondLst>
-                                  <p:childTnLst>
-                                    <p:set>
-                                      <p:cBhvr>
-                                        <p:cTn id="220" dur="1" fill="hold">
-                                          <p:stCondLst>
-                                            <p:cond delay="0"/>
-                                          </p:stCondLst>
-                                        </p:cTn>
-                                        <p:tgtEl>
-                                          <p:spTgt spid="71"/>
-                                        </p:tgtEl>
-                                        <p:attrNameLst>
-                                          <p:attrName>style.visibility</p:attrName>
-                                        </p:attrNameLst>
-                                      </p:cBhvr>
-                                      <p:to>
-                                        <p:strVal val="visible"/>
-                                      </p:to>
-                                    </p:set>
-                                    <p:animEffect transition="in" filter="barn(inVertical)">
-                                      <p:cBhvr>
-                                        <p:cTn id="221" dur="500"/>
-                                        <p:tgtEl>
-                                          <p:spTgt spid="71"/>
-                                        </p:tgtEl>
-                                      </p:cBhvr>
-                                    </p:animEffect>
-                                  </p:childTnLst>
-                                </p:cTn>
-                              </p:par>
-                            </p:childTnLst>
-                          </p:cTn>
-                        </p:par>
-                      </p:childTnLst>
-                    </p:cTn>
-                  </p:par>
-                  <p:par>
-                    <p:cTn id="222" fill="hold">
-                      <p:stCondLst>
-                        <p:cond delay="indefinite"/>
-                      </p:stCondLst>
-                      <p:childTnLst>
-                        <p:par>
-                          <p:cTn id="223" fill="hold">
-                            <p:stCondLst>
-                              <p:cond delay="0"/>
-                            </p:stCondLst>
-                            <p:childTnLst>
-                              <p:par>
-                                <p:cTn id="224" presetID="47" presetClass="entr" presetSubtype="0" fill="hold" grpId="0" nodeType="clickEffect">
-                                  <p:stCondLst>
-                                    <p:cond delay="0"/>
-                                  </p:stCondLst>
-                                  <p:childTnLst>
-                                    <p:set>
-                                      <p:cBhvr>
-                                        <p:cTn id="225" dur="1" fill="hold">
-                                          <p:stCondLst>
-                                            <p:cond delay="0"/>
-                                          </p:stCondLst>
-                                        </p:cTn>
-                                        <p:tgtEl>
-                                          <p:spTgt spid="6"/>
-                                        </p:tgtEl>
-                                        <p:attrNameLst>
-                                          <p:attrName>style.visibility</p:attrName>
-                                        </p:attrNameLst>
-                                      </p:cBhvr>
-                                      <p:to>
-                                        <p:strVal val="visible"/>
-                                      </p:to>
-                                    </p:set>
-                                    <p:animEffect transition="in" filter="fade">
-                                      <p:cBhvr>
-                                        <p:cTn id="226" dur="1000"/>
-                                        <p:tgtEl>
-                                          <p:spTgt spid="6"/>
-                                        </p:tgtEl>
-                                      </p:cBhvr>
-                                    </p:animEffect>
-                                    <p:anim calcmode="lin" valueType="num">
-                                      <p:cBhvr>
-                                        <p:cTn id="227" dur="1000" fill="hold"/>
-                                        <p:tgtEl>
-                                          <p:spTgt spid="6"/>
-                                        </p:tgtEl>
-                                        <p:attrNameLst>
-                                          <p:attrName>ppt_x</p:attrName>
-                                        </p:attrNameLst>
-                                      </p:cBhvr>
-                                      <p:tavLst>
-                                        <p:tav tm="0">
-                                          <p:val>
-                                            <p:strVal val="#ppt_x"/>
-                                          </p:val>
-                                        </p:tav>
-                                        <p:tav tm="100000">
-                                          <p:val>
-                                            <p:strVal val="#ppt_x"/>
-                                          </p:val>
-                                        </p:tav>
-                                      </p:tavLst>
-                                    </p:anim>
-                                    <p:anim calcmode="lin" valueType="num">
-                                      <p:cBhvr>
-                                        <p:cTn id="228" dur="1000" fill="hold"/>
-                                        <p:tgtEl>
-                                          <p:spTgt spid="6"/>
-                                        </p:tgtEl>
-                                        <p:attrNameLst>
-                                          <p:attrName>ppt_y</p:attrName>
-                                        </p:attrNameLst>
-                                      </p:cBhvr>
-                                      <p:tavLst>
-                                        <p:tav tm="0">
-                                          <p:val>
-                                            <p:strVal val="#ppt_y-.1"/>
-                                          </p:val>
-                                        </p:tav>
-                                        <p:tav tm="100000">
-                                          <p:val>
-                                            <p:strVal val="#ppt_y"/>
-                                          </p:val>
-                                        </p:tav>
-                                      </p:tavLst>
-                                    </p:anim>
-                                  </p:childTnLst>
-                                </p:cTn>
-                              </p:par>
-                            </p:childTnLst>
-                          </p:cTn>
-                        </p:par>
-                        <p:par>
-                          <p:cTn id="229" fill="hold">
-                            <p:stCondLst>
-                              <p:cond delay="1000"/>
-                            </p:stCondLst>
-                            <p:childTnLst>
-                              <p:par>
-                                <p:cTn id="230" presetID="22" presetClass="entr" presetSubtype="1" fill="hold" nodeType="afterEffect">
-                                  <p:stCondLst>
-                                    <p:cond delay="0"/>
-                                  </p:stCondLst>
-                                  <p:childTnLst>
-                                    <p:set>
-                                      <p:cBhvr>
-                                        <p:cTn id="231" dur="1" fill="hold">
-                                          <p:stCondLst>
-                                            <p:cond delay="0"/>
-                                          </p:stCondLst>
-                                        </p:cTn>
-                                        <p:tgtEl>
-                                          <p:spTgt spid="42"/>
-                                        </p:tgtEl>
-                                        <p:attrNameLst>
-                                          <p:attrName>style.visibility</p:attrName>
-                                        </p:attrNameLst>
-                                      </p:cBhvr>
-                                      <p:to>
-                                        <p:strVal val="visible"/>
-                                      </p:to>
-                                    </p:set>
-                                    <p:animEffect transition="in" filter="wipe(up)">
-                                      <p:cBhvr>
-                                        <p:cTn id="232" dur="500"/>
-                                        <p:tgtEl>
-                                          <p:spTgt spid="42"/>
-                                        </p:tgtEl>
-                                      </p:cBhvr>
-                                    </p:animEffect>
-                                  </p:childTnLst>
-                                </p:cTn>
-                              </p:par>
-                            </p:childTnLst>
-                          </p:cTn>
-                        </p:par>
-                        <p:par>
-                          <p:cTn id="233" fill="hold">
-                            <p:stCondLst>
-                              <p:cond delay="1500"/>
-                            </p:stCondLst>
-                            <p:childTnLst>
-                              <p:par>
-                                <p:cTn id="234" presetID="16" presetClass="entr" presetSubtype="21" fill="hold" grpId="0" nodeType="afterEffect">
-                                  <p:stCondLst>
-                                    <p:cond delay="0"/>
-                                  </p:stCondLst>
-                                  <p:childTnLst>
-                                    <p:set>
-                                      <p:cBhvr>
-                                        <p:cTn id="235" dur="1" fill="hold">
-                                          <p:stCondLst>
-                                            <p:cond delay="0"/>
-                                          </p:stCondLst>
-                                        </p:cTn>
-                                        <p:tgtEl>
-                                          <p:spTgt spid="73"/>
-                                        </p:tgtEl>
-                                        <p:attrNameLst>
-                                          <p:attrName>style.visibility</p:attrName>
-                                        </p:attrNameLst>
-                                      </p:cBhvr>
-                                      <p:to>
-                                        <p:strVal val="visible"/>
-                                      </p:to>
-                                    </p:set>
-                                    <p:animEffect transition="in" filter="barn(inVertical)">
-                                      <p:cBhvr>
-                                        <p:cTn id="236" dur="500"/>
-                                        <p:tgtEl>
-                                          <p:spTgt spid="73"/>
-                                        </p:tgtEl>
-                                      </p:cBhvr>
-                                    </p:animEffect>
-                                  </p:childTnLst>
-                                </p:cTn>
-                              </p:par>
-                            </p:childTnLst>
-                          </p:cTn>
-                        </p:par>
-                      </p:childTnLst>
-                    </p:cTn>
-                  </p:par>
-                  <p:par>
-                    <p:cTn id="237" fill="hold">
-                      <p:stCondLst>
-                        <p:cond delay="indefinite"/>
-                      </p:stCondLst>
-                      <p:childTnLst>
-                        <p:par>
-                          <p:cTn id="238" fill="hold">
-                            <p:stCondLst>
-                              <p:cond delay="0"/>
-                            </p:stCondLst>
-                            <p:childTnLst>
-                              <p:par>
-                                <p:cTn id="239" presetID="22" presetClass="entr" presetSubtype="4" fill="hold" nodeType="clickEffect">
-                                  <p:stCondLst>
-                                    <p:cond delay="0"/>
-                                  </p:stCondLst>
-                                  <p:childTnLst>
-                                    <p:set>
-                                      <p:cBhvr>
-                                        <p:cTn id="240" dur="1" fill="hold">
-                                          <p:stCondLst>
-                                            <p:cond delay="0"/>
-                                          </p:stCondLst>
-                                        </p:cTn>
-                                        <p:tgtEl>
-                                          <p:spTgt spid="43"/>
-                                        </p:tgtEl>
-                                        <p:attrNameLst>
-                                          <p:attrName>style.visibility</p:attrName>
-                                        </p:attrNameLst>
-                                      </p:cBhvr>
-                                      <p:to>
-                                        <p:strVal val="visible"/>
-                                      </p:to>
-                                    </p:set>
-                                    <p:animEffect transition="in" filter="wipe(down)">
-                                      <p:cBhvr>
-                                        <p:cTn id="241" dur="500"/>
-                                        <p:tgtEl>
-                                          <p:spTgt spid="43"/>
-                                        </p:tgtEl>
-                                      </p:cBhvr>
-                                    </p:animEffect>
-                                  </p:childTnLst>
-                                </p:cTn>
-                              </p:par>
-                            </p:childTnLst>
-                          </p:cTn>
-                        </p:par>
-                        <p:par>
-                          <p:cTn id="242" fill="hold">
-                            <p:stCondLst>
-                              <p:cond delay="500"/>
-                            </p:stCondLst>
-                            <p:childTnLst>
-                              <p:par>
-                                <p:cTn id="243" presetID="16" presetClass="entr" presetSubtype="21" fill="hold" grpId="0" nodeType="afterEffect">
-                                  <p:stCondLst>
-                                    <p:cond delay="0"/>
-                                  </p:stCondLst>
-                                  <p:childTnLst>
-                                    <p:set>
-                                      <p:cBhvr>
-                                        <p:cTn id="244" dur="1" fill="hold">
-                                          <p:stCondLst>
-                                            <p:cond delay="0"/>
-                                          </p:stCondLst>
-                                        </p:cTn>
-                                        <p:tgtEl>
-                                          <p:spTgt spid="74"/>
-                                        </p:tgtEl>
-                                        <p:attrNameLst>
-                                          <p:attrName>style.visibility</p:attrName>
-                                        </p:attrNameLst>
-                                      </p:cBhvr>
-                                      <p:to>
-                                        <p:strVal val="visible"/>
-                                      </p:to>
-                                    </p:set>
-                                    <p:animEffect transition="in" filter="barn(inVertical)">
-                                      <p:cBhvr>
-                                        <p:cTn id="245" dur="500"/>
-                                        <p:tgtEl>
-                                          <p:spTgt spid="74"/>
-                                        </p:tgtEl>
-                                      </p:cBhvr>
-                                    </p:animEffect>
-                                  </p:childTnLst>
-                                </p:cTn>
-                              </p:par>
-                            </p:childTnLst>
-                          </p:cTn>
-                        </p:par>
-                      </p:childTnLst>
-                    </p:cTn>
-                  </p:par>
-                  <p:par>
-                    <p:cTn id="246" fill="hold">
-                      <p:stCondLst>
-                        <p:cond delay="indefinite"/>
-                      </p:stCondLst>
-                      <p:childTnLst>
-                        <p:par>
-                          <p:cTn id="247" fill="hold">
-                            <p:stCondLst>
-                              <p:cond delay="0"/>
-                            </p:stCondLst>
-                            <p:childTnLst>
-                              <p:par>
-                                <p:cTn id="248" presetID="47" presetClass="entr" presetSubtype="0" fill="hold" nodeType="clickEffect">
-                                  <p:stCondLst>
-                                    <p:cond delay="0"/>
-                                  </p:stCondLst>
-                                  <p:childTnLst>
-                                    <p:set>
-                                      <p:cBhvr>
-                                        <p:cTn id="249" dur="1" fill="hold">
-                                          <p:stCondLst>
-                                            <p:cond delay="0"/>
-                                          </p:stCondLst>
-                                        </p:cTn>
-                                        <p:tgtEl>
-                                          <p:spTgt spid="38"/>
-                                        </p:tgtEl>
-                                        <p:attrNameLst>
-                                          <p:attrName>style.visibility</p:attrName>
-                                        </p:attrNameLst>
-                                      </p:cBhvr>
-                                      <p:to>
-                                        <p:strVal val="visible"/>
-                                      </p:to>
-                                    </p:set>
-                                    <p:animEffect transition="in" filter="fade">
-                                      <p:cBhvr>
-                                        <p:cTn id="250" dur="1000"/>
-                                        <p:tgtEl>
-                                          <p:spTgt spid="38"/>
-                                        </p:tgtEl>
-                                      </p:cBhvr>
-                                    </p:animEffect>
-                                    <p:anim calcmode="lin" valueType="num">
-                                      <p:cBhvr>
-                                        <p:cTn id="251" dur="1000" fill="hold"/>
-                                        <p:tgtEl>
-                                          <p:spTgt spid="38"/>
-                                        </p:tgtEl>
-                                        <p:attrNameLst>
-                                          <p:attrName>ppt_x</p:attrName>
-                                        </p:attrNameLst>
-                                      </p:cBhvr>
-                                      <p:tavLst>
-                                        <p:tav tm="0">
-                                          <p:val>
-                                            <p:strVal val="#ppt_x"/>
-                                          </p:val>
-                                        </p:tav>
-                                        <p:tav tm="100000">
-                                          <p:val>
-                                            <p:strVal val="#ppt_x"/>
-                                          </p:val>
-                                        </p:tav>
-                                      </p:tavLst>
-                                    </p:anim>
-                                    <p:anim calcmode="lin" valueType="num">
-                                      <p:cBhvr>
-                                        <p:cTn id="252" dur="1000" fill="hold"/>
-                                        <p:tgtEl>
-                                          <p:spTgt spid="38"/>
-                                        </p:tgtEl>
-                                        <p:attrNameLst>
-                                          <p:attrName>ppt_y</p:attrName>
-                                        </p:attrNameLst>
-                                      </p:cBhvr>
-                                      <p:tavLst>
-                                        <p:tav tm="0">
-                                          <p:val>
-                                            <p:strVal val="#ppt_y-.1"/>
-                                          </p:val>
-                                        </p:tav>
-                                        <p:tav tm="100000">
-                                          <p:val>
-                                            <p:strVal val="#ppt_y"/>
-                                          </p:val>
-                                        </p:tav>
-                                      </p:tavLst>
-                                    </p:anim>
-                                  </p:childTnLst>
-                                </p:cTn>
-                              </p:par>
-                            </p:childTnLst>
-                          </p:cTn>
-                        </p:par>
-                        <p:par>
-                          <p:cTn id="253" fill="hold">
-                            <p:stCondLst>
-                              <p:cond delay="1000"/>
-                            </p:stCondLst>
-                            <p:childTnLst>
-                              <p:par>
-                                <p:cTn id="254" presetID="47" presetClass="entr" presetSubtype="0" fill="hold" grpId="0" nodeType="afterEffect">
-                                  <p:stCondLst>
-                                    <p:cond delay="0"/>
-                                  </p:stCondLst>
-                                  <p:childTnLst>
-                                    <p:set>
-                                      <p:cBhvr>
-                                        <p:cTn id="255" dur="1" fill="hold">
-                                          <p:stCondLst>
-                                            <p:cond delay="0"/>
-                                          </p:stCondLst>
-                                        </p:cTn>
-                                        <p:tgtEl>
-                                          <p:spTgt spid="75"/>
-                                        </p:tgtEl>
-                                        <p:attrNameLst>
-                                          <p:attrName>style.visibility</p:attrName>
-                                        </p:attrNameLst>
-                                      </p:cBhvr>
-                                      <p:to>
-                                        <p:strVal val="visible"/>
-                                      </p:to>
-                                    </p:set>
-                                    <p:animEffect transition="in" filter="fade">
-                                      <p:cBhvr>
-                                        <p:cTn id="256" dur="1000"/>
-                                        <p:tgtEl>
-                                          <p:spTgt spid="75"/>
-                                        </p:tgtEl>
-                                      </p:cBhvr>
-                                    </p:animEffect>
-                                    <p:anim calcmode="lin" valueType="num">
-                                      <p:cBhvr>
-                                        <p:cTn id="257" dur="1000" fill="hold"/>
-                                        <p:tgtEl>
-                                          <p:spTgt spid="75"/>
-                                        </p:tgtEl>
-                                        <p:attrNameLst>
-                                          <p:attrName>ppt_x</p:attrName>
-                                        </p:attrNameLst>
-                                      </p:cBhvr>
-                                      <p:tavLst>
-                                        <p:tav tm="0">
-                                          <p:val>
-                                            <p:strVal val="#ppt_x"/>
-                                          </p:val>
-                                        </p:tav>
-                                        <p:tav tm="100000">
-                                          <p:val>
-                                            <p:strVal val="#ppt_x"/>
-                                          </p:val>
-                                        </p:tav>
-                                      </p:tavLst>
-                                    </p:anim>
-                                    <p:anim calcmode="lin" valueType="num">
-                                      <p:cBhvr>
-                                        <p:cTn id="258" dur="1000" fill="hold"/>
-                                        <p:tgtEl>
-                                          <p:spTgt spid="75"/>
-                                        </p:tgtEl>
-                                        <p:attrNameLst>
-                                          <p:attrName>ppt_y</p:attrName>
-                                        </p:attrNameLst>
-                                      </p:cBhvr>
-                                      <p:tavLst>
-                                        <p:tav tm="0">
-                                          <p:val>
-                                            <p:strVal val="#ppt_y-.1"/>
-                                          </p:val>
-                                        </p:tav>
-                                        <p:tav tm="100000">
-                                          <p:val>
-                                            <p:strVal val="#ppt_y"/>
-                                          </p:val>
-                                        </p:tav>
-                                      </p:tavLst>
-                                    </p:anim>
                                   </p:childTnLst>
                                 </p:cTn>
                               </p:par>
@@ -17651,7 +17582,7 @@
                                           </p:stCondLst>
                                         </p:cTn>
                                         <p:tgtEl>
-                                          <p:spTgt spid="39"/>
+                                          <p:spTgt spid="45"/>
                                         </p:tgtEl>
                                         <p:attrNameLst>
                                           <p:attrName>style.visibility</p:attrName>
@@ -17665,7 +17596,7 @@
                                       <p:cBhvr>
                                         <p:cTn id="263" dur="1000"/>
                                         <p:tgtEl>
-                                          <p:spTgt spid="39"/>
+                                          <p:spTgt spid="45"/>
                                         </p:tgtEl>
                                       </p:cBhvr>
                                     </p:animEffect>
@@ -17673,7 +17604,7 @@
                                       <p:cBhvr>
                                         <p:cTn id="264" dur="1000" fill="hold"/>
                                         <p:tgtEl>
-                                          <p:spTgt spid="39"/>
+                                          <p:spTgt spid="45"/>
                                         </p:tgtEl>
                                         <p:attrNameLst>
                                           <p:attrName>ppt_x</p:attrName>
@@ -17696,7 +17627,7 @@
                                       <p:cBhvr>
                                         <p:cTn id="265" dur="1000" fill="hold"/>
                                         <p:tgtEl>
-                                          <p:spTgt spid="39"/>
+                                          <p:spTgt spid="45"/>
                                         </p:tgtEl>
                                         <p:attrNameLst>
                                           <p:attrName>ppt_y</p:attrName>
@@ -17741,7 +17672,7 @@
                                           </p:stCondLst>
                                         </p:cTn>
                                         <p:tgtEl>
-                                          <p:spTgt spid="76"/>
+                                          <p:spTgt spid="70"/>
                                         </p:tgtEl>
                                         <p:attrNameLst>
                                           <p:attrName>style.visibility</p:attrName>
@@ -17755,7 +17686,7 @@
                                       <p:cBhvr>
                                         <p:cTn id="269" dur="500"/>
                                         <p:tgtEl>
-                                          <p:spTgt spid="76"/>
+                                          <p:spTgt spid="70"/>
                                         </p:tgtEl>
                                       </p:cBhvr>
                                     </p:animEffect>
@@ -17781,7 +17712,7 @@
                             </p:stCondLst>
                             <p:childTnLst>
                               <p:par>
-                                <p:cTn id="272" presetID="42" presetClass="entr" presetSubtype="0" fill="hold" nodeType="clickEffect">
+                                <p:cTn id="272" presetID="6" presetClass="entr" presetSubtype="16" fill="hold" grpId="0" nodeType="clickEffect">
                                   <p:stCondLst>
                                     <p:cond delay="0"/>
                                   </p:stCondLst>
@@ -17794,7 +17725,148 @@
                                           </p:stCondLst>
                                         </p:cTn>
                                         <p:tgtEl>
-                                          <p:spTgt spid="26"/>
+                                          <p:spTgt spid="7"/>
+                                        </p:tgtEl>
+                                        <p:attrNameLst>
+                                          <p:attrName>style.visibility</p:attrName>
+                                        </p:attrNameLst>
+                                      </p:cBhvr>
+                                      <p:to>
+                                        <p:strVal val="visible"/>
+                                      </p:to>
+                                    </p:set>
+                                    <p:animEffect transition="in" filter="circle(in)">
+                                      <p:cBhvr>
+                                        <p:cTn id="274" dur="1250"/>
+                                        <p:tgtEl>
+                                          <p:spTgt spid="7"/>
+                                        </p:tgtEl>
+                                      </p:cBhvr>
+                                    </p:animEffect>
+                                  </p:childTnLst>
+                                </p:cTn>
+                              </p:par>
+                            </p:childTnLst>
+                          </p:cTn>
+                        </p:par>
+                        <p:par>
+                          <p:cTn id="275" fill="hold">
+                            <p:stCondLst>
+                              <p:cond delay="1250"/>
+                            </p:stCondLst>
+                            <p:childTnLst>
+                              <p:par>
+                                <p:cTn id="276" presetID="16" presetClass="entr" presetSubtype="21" fill="hold" nodeType="afterEffect">
+                                  <p:stCondLst>
+                                    <p:cond delay="0"/>
+                                  </p:stCondLst>
+                                  <p:childTnLst>
+                                    <p:set>
+                                      <p:cBhvr>
+                                        <p:cTn id="277" dur="1" fill="hold">
+                                          <p:stCondLst>
+                                            <p:cond delay="0"/>
+                                          </p:stCondLst>
+                                        </p:cTn>
+                                        <p:tgtEl>
+                                          <p:spTgt spid="25"/>
+                                        </p:tgtEl>
+                                        <p:attrNameLst>
+                                          <p:attrName>style.visibility</p:attrName>
+                                        </p:attrNameLst>
+                                      </p:cBhvr>
+                                      <p:to>
+                                        <p:strVal val="visible"/>
+                                      </p:to>
+                                    </p:set>
+                                    <p:animEffect transition="in" filter="barn(inVertical)">
+                                      <p:cBhvr>
+                                        <p:cTn id="278" dur="500"/>
+                                        <p:tgtEl>
+                                          <p:spTgt spid="25"/>
+                                        </p:tgtEl>
+                                      </p:cBhvr>
+                                    </p:animEffect>
+                                  </p:childTnLst>
+                                </p:cTn>
+                              </p:par>
+                            </p:childTnLst>
+                          </p:cTn>
+                        </p:par>
+                        <p:par>
+                          <p:cTn id="279" fill="hold">
+                            <p:stCondLst>
+                              <p:cond delay="1750"/>
+                            </p:stCondLst>
+                            <p:childTnLst>
+                              <p:par>
+                                <p:cTn id="280" presetID="16" presetClass="entr" presetSubtype="21" fill="hold" grpId="0" nodeType="afterEffect">
+                                  <p:stCondLst>
+                                    <p:cond delay="0"/>
+                                  </p:stCondLst>
+                                  <p:childTnLst>
+                                    <p:set>
+                                      <p:cBhvr>
+                                        <p:cTn id="281" dur="1" fill="hold">
+                                          <p:stCondLst>
+                                            <p:cond delay="0"/>
+                                          </p:stCondLst>
+                                        </p:cTn>
+                                        <p:tgtEl>
+                                          <p:spTgt spid="71"/>
+                                        </p:tgtEl>
+                                        <p:attrNameLst>
+                                          <p:attrName>style.visibility</p:attrName>
+                                        </p:attrNameLst>
+                                      </p:cBhvr>
+                                      <p:to>
+                                        <p:strVal val="visible"/>
+                                      </p:to>
+                                    </p:set>
+                                    <p:animEffect transition="in" filter="barn(inVertical)">
+                                      <p:cBhvr>
+                                        <p:cTn id="282" dur="500"/>
+                                        <p:tgtEl>
+                                          <p:spTgt spid="71"/>
+                                        </p:tgtEl>
+                                      </p:cBhvr>
+                                    </p:animEffect>
+                                  </p:childTnLst>
+                                </p:cTn>
+                              </p:par>
+                            </p:childTnLst>
+                          </p:cTn>
+                        </p:par>
+                      </p:childTnLst>
+                    </p:cTn>
+                  </p:par>
+                  <p:par>
+                    <p:cTn id="283" fill="hold">
+                      <p:stCondLst>
+                        <p:cond delay="indefinite"/>
+                      </p:stCondLst>
+                      <p:childTnLst>
+                        <p:par>
+                          <p:cTn id="284" fill="hold">
+                            <p:stCondLst>
+                              <p:cond delay="0"/>
+                            </p:stCondLst>
+                            <p:childTnLst>
+                              <p:par>
+                                <p:cTn id="285" presetID="47" presetClass="entr" presetSubtype="0" fill="hold" grpId="0" nodeType="clickEffect">
+                                  <p:stCondLst>
+                                    <p:cond delay="0"/>
+                                  </p:stCondLst>
+                                  <p:childTnLst>
+                                    <p:set>
+                                      <p:cBhvr>
+                                        <p:cTn id="286" dur="1" fill="hold">
+                                          <p:stCondLst>
+                                            <p:cond delay="0"/>
+                                          </p:stCondLst>
+                                        </p:cTn>
+                                        <p:tgtEl>
+                                          <p:spTgt spid="6"/>
                                         </p:tgtEl>
                                         <p:attrNameLst>
                                           <p:attrName>style.visibility</p:attrName>
@@ -17806,17 +17878,17 @@
                                     </p:set>
                                     <p:animEffect transition="in" filter="fade">
                                       <p:cBhvr>
-                                        <p:cTn id="274" dur="1000"/>
-                                        <p:tgtEl>
-                                          <p:spTgt spid="26"/>
+                                        <p:cTn id="287" dur="1000"/>
+                                        <p:tgtEl>
+                                          <p:spTgt spid="6"/>
                                         </p:tgtEl>
                                       </p:cBhvr>
                                     </p:animEffect>
                                     <p:anim calcmode="lin" valueType="num">
                                       <p:cBhvr>
-                                        <p:cTn id="275" dur="1000" fill="hold"/>
-                                        <p:tgtEl>
-                                          <p:spTgt spid="26"/>
+                                        <p:cTn id="288" dur="1000" fill="hold"/>
+                                        <p:tgtEl>
+                                          <p:spTgt spid="6"/>
                                         </p:tgtEl>
                                         <p:attrNameLst>
                                           <p:attrName>ppt_x</p:attrName>
@@ -17837,9 +17909,482 @@
                                     </p:anim>
                                     <p:anim calcmode="lin" valueType="num">
                                       <p:cBhvr>
-                                        <p:cTn id="276" dur="1000" fill="hold"/>
-                                        <p:tgtEl>
-                                          <p:spTgt spid="26"/>
+                                        <p:cTn id="289" dur="1000" fill="hold"/>
+                                        <p:tgtEl>
+                                          <p:spTgt spid="6"/>
+                                        </p:tgtEl>
+                                        <p:attrNameLst>
+                                          <p:attrName>ppt_y</p:attrName>
+                                        </p:attrNameLst>
+                                      </p:cBhvr>
+                                      <p:tavLst>
+                                        <p:tav tm="0">
+                                          <p:val>
+                                            <p:strVal val="#ppt_y-.1"/>
+                                          </p:val>
+                                        </p:tav>
+                                        <p:tav tm="100000">
+                                          <p:val>
+                                            <p:strVal val="#ppt_y"/>
+                                          </p:val>
+                                        </p:tav>
+                                      </p:tavLst>
+                                    </p:anim>
+                                  </p:childTnLst>
+                                </p:cTn>
+                              </p:par>
+                            </p:childTnLst>
+                          </p:cTn>
+                        </p:par>
+                        <p:par>
+                          <p:cTn id="290" fill="hold">
+                            <p:stCondLst>
+                              <p:cond delay="1000"/>
+                            </p:stCondLst>
+                            <p:childTnLst>
+                              <p:par>
+                                <p:cTn id="291" presetID="22" presetClass="entr" presetSubtype="1" fill="hold" nodeType="afterEffect">
+                                  <p:stCondLst>
+                                    <p:cond delay="0"/>
+                                  </p:stCondLst>
+                                  <p:childTnLst>
+                                    <p:set>
+                                      <p:cBhvr>
+                                        <p:cTn id="292" dur="1" fill="hold">
+                                          <p:stCondLst>
+                                            <p:cond delay="0"/>
+                                          </p:stCondLst>
+                                        </p:cTn>
+                                        <p:tgtEl>
+                                          <p:spTgt spid="42"/>
+                                        </p:tgtEl>
+                                        <p:attrNameLst>
+                                          <p:attrName>style.visibility</p:attrName>
+                                        </p:attrNameLst>
+                                      </p:cBhvr>
+                                      <p:to>
+                                        <p:strVal val="visible"/>
+                                      </p:to>
+                                    </p:set>
+                                    <p:animEffect transition="in" filter="wipe(up)">
+                                      <p:cBhvr>
+                                        <p:cTn id="293" dur="500"/>
+                                        <p:tgtEl>
+                                          <p:spTgt spid="42"/>
+                                        </p:tgtEl>
+                                      </p:cBhvr>
+                                    </p:animEffect>
+                                  </p:childTnLst>
+                                </p:cTn>
+                              </p:par>
+                            </p:childTnLst>
+                          </p:cTn>
+                        </p:par>
+                        <p:par>
+                          <p:cTn id="294" fill="hold">
+                            <p:stCondLst>
+                              <p:cond delay="1500"/>
+                            </p:stCondLst>
+                            <p:childTnLst>
+                              <p:par>
+                                <p:cTn id="295" presetID="16" presetClass="entr" presetSubtype="21" fill="hold" grpId="0" nodeType="afterEffect">
+                                  <p:stCondLst>
+                                    <p:cond delay="0"/>
+                                  </p:stCondLst>
+                                  <p:childTnLst>
+                                    <p:set>
+                                      <p:cBhvr>
+                                        <p:cTn id="296" dur="1" fill="hold">
+                                          <p:stCondLst>
+                                            <p:cond delay="0"/>
+                                          </p:stCondLst>
+                                        </p:cTn>
+                                        <p:tgtEl>
+                                          <p:spTgt spid="73"/>
+                                        </p:tgtEl>
+                                        <p:attrNameLst>
+                                          <p:attrName>style.visibility</p:attrName>
+                                        </p:attrNameLst>
+                                      </p:cBhvr>
+                                      <p:to>
+                                        <p:strVal val="visible"/>
+                                      </p:to>
+                                    </p:set>
+                                    <p:animEffect transition="in" filter="barn(inVertical)">
+                                      <p:cBhvr>
+                                        <p:cTn id="297" dur="500"/>
+                                        <p:tgtEl>
+                                          <p:spTgt spid="73"/>
+                                        </p:tgtEl>
+                                      </p:cBhvr>
+                                    </p:animEffect>
+                                  </p:childTnLst>
+                                </p:cTn>
+                              </p:par>
+                            </p:childTnLst>
+                          </p:cTn>
+                        </p:par>
+                      </p:childTnLst>
+                    </p:cTn>
+                  </p:par>
+                  <p:par>
+                    <p:cTn id="298" fill="hold">
+                      <p:stCondLst>
+                        <p:cond delay="indefinite"/>
+                      </p:stCondLst>
+                      <p:childTnLst>
+                        <p:par>
+                          <p:cTn id="299" fill="hold">
+                            <p:stCondLst>
+                              <p:cond delay="0"/>
+                            </p:stCondLst>
+                            <p:childTnLst>
+                              <p:par>
+                                <p:cTn id="300" presetID="22" presetClass="entr" presetSubtype="4" fill="hold" nodeType="clickEffect">
+                                  <p:stCondLst>
+                                    <p:cond delay="0"/>
+                                  </p:stCondLst>
+                                  <p:childTnLst>
+                                    <p:set>
+                                      <p:cBhvr>
+                                        <p:cTn id="301" dur="1" fill="hold">
+                                          <p:stCondLst>
+                                            <p:cond delay="0"/>
+                                          </p:stCondLst>
+                                        </p:cTn>
+                                        <p:tgtEl>
+                                          <p:spTgt spid="43"/>
+                                        </p:tgtEl>
+                                        <p:attrNameLst>
+                                          <p:attrName>style.visibility</p:attrName>
+                                        </p:attrNameLst>
+                                      </p:cBhvr>
+                                      <p:to>
+                                        <p:strVal val="visible"/>
+                                      </p:to>
+                                    </p:set>
+                                    <p:animEffect transition="in" filter="wipe(down)">
+                                      <p:cBhvr>
+                                        <p:cTn id="302" dur="500"/>
+                                        <p:tgtEl>
+                                          <p:spTgt spid="43"/>
+                                        </p:tgtEl>
+                                      </p:cBhvr>
+                                    </p:animEffect>
+                                  </p:childTnLst>
+                                </p:cTn>
+                              </p:par>
+                            </p:childTnLst>
+                          </p:cTn>
+                        </p:par>
+                        <p:par>
+                          <p:cTn id="303" fill="hold">
+                            <p:stCondLst>
+                              <p:cond delay="500"/>
+                            </p:stCondLst>
+                            <p:childTnLst>
+                              <p:par>
+                                <p:cTn id="304" presetID="16" presetClass="entr" presetSubtype="21" fill="hold" grpId="0" nodeType="afterEffect">
+                                  <p:stCondLst>
+                                    <p:cond delay="0"/>
+                                  </p:stCondLst>
+                                  <p:childTnLst>
+                                    <p:set>
+                                      <p:cBhvr>
+                                        <p:cTn id="305" dur="1" fill="hold">
+                                          <p:stCondLst>
+                                            <p:cond delay="0"/>
+                                          </p:stCondLst>
+                                        </p:cTn>
+                                        <p:tgtEl>
+                                          <p:spTgt spid="74"/>
+                                        </p:tgtEl>
+                                        <p:attrNameLst>
+                                          <p:attrName>style.visibility</p:attrName>
+                                        </p:attrNameLst>
+                                      </p:cBhvr>
+                                      <p:to>
+                                        <p:strVal val="visible"/>
+                                      </p:to>
+                                    </p:set>
+                                    <p:animEffect transition="in" filter="barn(inVertical)">
+                                      <p:cBhvr>
+                                        <p:cTn id="306" dur="500"/>
+                                        <p:tgtEl>
+                                          <p:spTgt spid="74"/>
+                                        </p:tgtEl>
+                                      </p:cBhvr>
+                                    </p:animEffect>
+                                  </p:childTnLst>
+                                </p:cTn>
+                              </p:par>
+                            </p:childTnLst>
+                          </p:cTn>
+                        </p:par>
+                      </p:childTnLst>
+                    </p:cTn>
+                  </p:par>
+                  <p:par>
+                    <p:cTn id="307" fill="hold">
+                      <p:stCondLst>
+                        <p:cond delay="indefinite"/>
+                      </p:stCondLst>
+                      <p:childTnLst>
+                        <p:par>
+                          <p:cTn id="308" fill="hold">
+                            <p:stCondLst>
+                              <p:cond delay="0"/>
+                            </p:stCondLst>
+                            <p:childTnLst>
+                              <p:par>
+                                <p:cTn id="309" presetID="47" presetClass="entr" presetSubtype="0" fill="hold" nodeType="clickEffect">
+                                  <p:stCondLst>
+                                    <p:cond delay="0"/>
+                                  </p:stCondLst>
+                                  <p:childTnLst>
+                                    <p:set>
+                                      <p:cBhvr>
+                                        <p:cTn id="310" dur="1" fill="hold">
+                                          <p:stCondLst>
+                                            <p:cond delay="0"/>
+                                          </p:stCondLst>
+                                        </p:cTn>
+                                        <p:tgtEl>
+                                          <p:spTgt spid="38"/>
+                                        </p:tgtEl>
+                                        <p:attrNameLst>
+                                          <p:attrName>style.visibility</p:attrName>
+                                        </p:attrNameLst>
+                                      </p:cBhvr>
+                                      <p:to>
+                                        <p:strVal val="visible"/>
+                                      </p:to>
+                                    </p:set>
+                                    <p:animEffect transition="in" filter="fade">
+                                      <p:cBhvr>
+                                        <p:cTn id="311" dur="1000"/>
+                                        <p:tgtEl>
+                                          <p:spTgt spid="38"/>
+                                        </p:tgtEl>
+                                      </p:cBhvr>
+                                    </p:animEffect>
+                                    <p:anim calcmode="lin" valueType="num">
+                                      <p:cBhvr>
+                                        <p:cTn id="312" dur="1000" fill="hold"/>
+                                        <p:tgtEl>
+                                          <p:spTgt spid="38"/>
+                                        </p:tgtEl>
+                                        <p:attrNameLst>
+                                          <p:attrName>ppt_x</p:attrName>
+                                        </p:attrNameLst>
+                                      </p:cBhvr>
+                                      <p:tavLst>
+                                        <p:tav tm="0">
+                                          <p:val>
+                                            <p:strVal val="#ppt_x"/>
+                                          </p:val>
+                                        </p:tav>
+                                        <p:tav tm="100000">
+                                          <p:val>
+                                            <p:strVal val="#ppt_x"/>
+                                          </p:val>
+                                        </p:tav>
+                                      </p:tavLst>
+                                    </p:anim>
+                                    <p:anim calcmode="lin" valueType="num">
+                                      <p:cBhvr>
+                                        <p:cTn id="313" dur="1000" fill="hold"/>
+                                        <p:tgtEl>
+                                          <p:spTgt spid="38"/>
+                                        </p:tgtEl>
+                                        <p:attrNameLst>
+                                          <p:attrName>ppt_y</p:attrName>
+                                        </p:attrNameLst>
+                                      </p:cBhvr>
+                                      <p:tavLst>
+                                        <p:tav tm="0">
+                                          <p:val>
+                                            <p:strVal val="#ppt_y-.1"/>
+                                          </p:val>
+                                        </p:tav>
+                                        <p:tav tm="100000">
+                                          <p:val>
+                                            <p:strVal val="#ppt_y"/>
+                                          </p:val>
+                                        </p:tav>
+                                      </p:tavLst>
+                                    </p:anim>
+                                  </p:childTnLst>
+                                </p:cTn>
+                              </p:par>
+                            </p:childTnLst>
+                          </p:cTn>
+                        </p:par>
+                        <p:par>
+                          <p:cTn id="314" fill="hold">
+                            <p:stCondLst>
+                              <p:cond delay="1000"/>
+                            </p:stCondLst>
+                            <p:childTnLst>
+                              <p:par>
+                                <p:cTn id="315" presetID="47" presetClass="entr" presetSubtype="0" fill="hold" grpId="0" nodeType="afterEffect">
+                                  <p:stCondLst>
+                                    <p:cond delay="0"/>
+                                  </p:stCondLst>
+                                  <p:childTnLst>
+                                    <p:set>
+                                      <p:cBhvr>
+                                        <p:cTn id="316" dur="1" fill="hold">
+                                          <p:stCondLst>
+                                            <p:cond delay="0"/>
+                                          </p:stCondLst>
+                                        </p:cTn>
+                                        <p:tgtEl>
+                                          <p:spTgt spid="75"/>
+                                        </p:tgtEl>
+                                        <p:attrNameLst>
+                                          <p:attrName>style.visibility</p:attrName>
+                                        </p:attrNameLst>
+                                      </p:cBhvr>
+                                      <p:to>
+                                        <p:strVal val="visible"/>
+                                      </p:to>
+                                    </p:set>
+                                    <p:animEffect transition="in" filter="fade">
+                                      <p:cBhvr>
+                                        <p:cTn id="317" dur="1000"/>
+                                        <p:tgtEl>
+                                          <p:spTgt spid="75"/>
+                                        </p:tgtEl>
+                                      </p:cBhvr>
+                                    </p:animEffect>
+                                    <p:anim calcmode="lin" valueType="num">
+                                      <p:cBhvr>
+                                        <p:cTn id="318" dur="1000" fill="hold"/>
+                                        <p:tgtEl>
+                                          <p:spTgt spid="75"/>
+                                        </p:tgtEl>
+                                        <p:attrNameLst>
+                                          <p:attrName>ppt_x</p:attrName>
+                                        </p:attrNameLst>
+                                      </p:cBhvr>
+                                      <p:tavLst>
+                                        <p:tav tm="0">
+                                          <p:val>
+                                            <p:strVal val="#ppt_x"/>
+                                          </p:val>
+                                        </p:tav>
+                                        <p:tav tm="100000">
+                                          <p:val>
+                                            <p:strVal val="#ppt_x"/>
+                                          </p:val>
+                                        </p:tav>
+                                      </p:tavLst>
+                                    </p:anim>
+                                    <p:anim calcmode="lin" valueType="num">
+                                      <p:cBhvr>
+                                        <p:cTn id="319" dur="1000" fill="hold"/>
+                                        <p:tgtEl>
+                                          <p:spTgt spid="75"/>
+                                        </p:tgtEl>
+                                        <p:attrNameLst>
+                                          <p:attrName>ppt_y</p:attrName>
+                                        </p:attrNameLst>
+                                      </p:cBhvr>
+                                      <p:tavLst>
+                                        <p:tav tm="0">
+                                          <p:val>
+                                            <p:strVal val="#ppt_y-.1"/>
+                                          </p:val>
+                                        </p:tav>
+                                        <p:tav tm="100000">
+                                          <p:val>
+                                            <p:strVal val="#ppt_y"/>
+                                          </p:val>
+                                        </p:tav>
+                                      </p:tavLst>
+                                    </p:anim>
+                                  </p:childTnLst>
+                                </p:cTn>
+                              </p:par>
+                            </p:childTnLst>
+                          </p:cTn>
+                        </p:par>
+                      </p:childTnLst>
+                    </p:cTn>
+                  </p:par>
+                  <p:par>
+                    <p:cTn id="320" fill="hold">
+                      <p:stCondLst>
+                        <p:cond delay="indefinite"/>
+                      </p:stCondLst>
+                      <p:childTnLst>
+                        <p:par>
+                          <p:cTn id="321" fill="hold">
+                            <p:stCondLst>
+                              <p:cond delay="0"/>
+                            </p:stCondLst>
+                            <p:childTnLst>
+                              <p:par>
+                                <p:cTn id="322" presetID="42" presetClass="entr" presetSubtype="0" fill="hold" nodeType="clickEffect">
+                                  <p:stCondLst>
+                                    <p:cond delay="0"/>
+                                  </p:stCondLst>
+                                  <p:childTnLst>
+                                    <p:set>
+                                      <p:cBhvr>
+                                        <p:cTn id="323" dur="1" fill="hold">
+                                          <p:stCondLst>
+                                            <p:cond delay="0"/>
+                                          </p:stCondLst>
+                                        </p:cTn>
+                                        <p:tgtEl>
+                                          <p:spTgt spid="39"/>
+                                        </p:tgtEl>
+                                        <p:attrNameLst>
+                                          <p:attrName>style.visibility</p:attrName>
+                                        </p:attrNameLst>
+                                      </p:cBhvr>
+                                      <p:to>
+                                        <p:strVal val="visible"/>
+                                      </p:to>
+                                    </p:set>
+                                    <p:animEffect transition="in" filter="fade">
+                                      <p:cBhvr>
+                                        <p:cTn id="324" dur="1000"/>
+                                        <p:tgtEl>
+                                          <p:spTgt spid="39"/>
+                                        </p:tgtEl>
+                                      </p:cBhvr>
+                                    </p:animEffect>
+                                    <p:anim calcmode="lin" valueType="num">
+                                      <p:cBhvr>
+                                        <p:cTn id="325" dur="1000" fill="hold"/>
+                                        <p:tgtEl>
+                                          <p:spTgt spid="39"/>
+                                        </p:tgtEl>
+                                        <p:attrNameLst>
+                                          <p:attrName>ppt_x</p:attrName>
+                                        </p:attrNameLst>
+                                      </p:cBhvr>
+                                      <p:tavLst>
+                                        <p:tav tm="0">
+                                          <p:val>
+                                            <p:strVal val="#ppt_x"/>
+                                          </p:val>
+                                        </p:tav>
+                                        <p:tav tm="100000">
+                                          <p:val>
+                                            <p:strVal val="#ppt_x"/>
+                                          </p:val>
+                                        </p:tav>
+                                      </p:tavLst>
+                                    </p:anim>
+                                    <p:anim calcmode="lin" valueType="num">
+                                      <p:cBhvr>
+                                        <p:cTn id="326" dur="1000" fill="hold"/>
+                                        <p:tgtEl>
+                                          <p:spTgt spid="39"/>
                                         </p:tgtEl>
                                         <p:attrNameLst>
                                           <p:attrName>ppt_y</p:attrName>
@@ -17865,26 +18410,26 @@
                           </p:cTn>
                         </p:par>
                         <p:par>
-                          <p:cTn id="277" fill="hold">
+                          <p:cTn id="327" fill="hold">
                             <p:stCondLst>
                               <p:cond delay="1000"/>
                             </p:stCondLst>
                             <p:childTnLst>
                               <p:par>
-                                <p:cTn id="278" presetID="16" presetClass="entr" presetSubtype="21" fill="hold" grpId="0" nodeType="afterEffect">
+                                <p:cTn id="328" presetID="16" presetClass="entr" presetSubtype="21" fill="hold" grpId="0" nodeType="afterEffect">
                                   <p:stCondLst>
                                     <p:cond delay="0"/>
                                   </p:stCondLst>
                                   <p:childTnLst>
                                     <p:set>
                                       <p:cBhvr>
-                                        <p:cTn id="279" dur="1" fill="hold">
+                                        <p:cTn id="329" dur="1" fill="hold">
                                           <p:stCondLst>
                                             <p:cond delay="0"/>
                                           </p:stCondLst>
                                         </p:cTn>
                                         <p:tgtEl>
-                                          <p:spTgt spid="72"/>
+                                          <p:spTgt spid="76"/>
                                         </p:tgtEl>
                                         <p:attrNameLst>
                                           <p:attrName>style.visibility</p:attrName>
@@ -17896,9 +18441,9 @@
                                     </p:set>
                                     <p:animEffect transition="in" filter="barn(inVertical)">
                                       <p:cBhvr>
-                                        <p:cTn id="280" dur="500"/>
-                                        <p:tgtEl>
-                                          <p:spTgt spid="72"/>
+                                        <p:cTn id="330" dur="500"/>
+                                        <p:tgtEl>
+                                          <p:spTgt spid="76"/>
                                         </p:tgtEl>
                                       </p:cBhvr>
                                     </p:animEffect>
@@ -17912,305 +18457,32 @@
                     </p:cTn>
                   </p:par>
                   <p:par>
-                    <p:cTn id="281" fill="hold">
+                    <p:cTn id="331" fill="hold">
                       <p:stCondLst>
                         <p:cond delay="indefinite"/>
                       </p:stCondLst>
                       <p:childTnLst>
                         <p:par>
-                          <p:cTn id="282" fill="hold">
+                          <p:cTn id="332" fill="hold">
                             <p:stCondLst>
                               <p:cond delay="0"/>
                             </p:stCondLst>
                             <p:childTnLst>
                               <p:par>
-                                <p:cTn id="283" presetID="6" presetClass="entr" presetSubtype="16" fill="hold" grpId="0" nodeType="clickEffect">
+                                <p:cTn id="333" presetID="42" presetClass="entr" presetSubtype="0" fill="hold" nodeType="clickEffect">
                                   <p:stCondLst>
                                     <p:cond delay="0"/>
                                   </p:stCondLst>
                                   <p:childTnLst>
                                     <p:set>
                                       <p:cBhvr>
-                                        <p:cTn id="284" dur="1" fill="hold">
+                                        <p:cTn id="334" dur="1" fill="hold">
                                           <p:stCondLst>
                                             <p:cond delay="0"/>
                                           </p:stCondLst>
                                         </p:cTn>
                                         <p:tgtEl>
-                                          <p:spTgt spid="12"/>
-                                        </p:tgtEl>
-                                        <p:attrNameLst>
-                                          <p:attrName>style.visibility</p:attrName>
-                                        </p:attrNameLst>
-                                      </p:cBhvr>
-                                      <p:to>
-                                        <p:strVal val="visible"/>
-                                      </p:to>
-                                    </p:set>
-                                    <p:animEffect transition="in" filter="circle(in)">
-                                      <p:cBhvr>
-                                        <p:cTn id="285" dur="1000"/>
-                                        <p:tgtEl>
-                                          <p:spTgt spid="12"/>
-                                        </p:tgtEl>
-                                      </p:cBhvr>
-                                    </p:animEffect>
-                                  </p:childTnLst>
-                                </p:cTn>
-                              </p:par>
-                            </p:childTnLst>
-                          </p:cTn>
-                        </p:par>
-                        <p:par>
-                          <p:cTn id="286" fill="hold">
-                            <p:stCondLst>
-                              <p:cond delay="1000"/>
-                            </p:stCondLst>
-                            <p:childTnLst>
-                              <p:par>
-                                <p:cTn id="287" presetID="22" presetClass="entr" presetSubtype="1" fill="hold" nodeType="afterEffect">
-                                  <p:stCondLst>
-                                    <p:cond delay="0"/>
-                                  </p:stCondLst>
-                                  <p:childTnLst>
-                                    <p:set>
-                                      <p:cBhvr>
-                                        <p:cTn id="288" dur="1" fill="hold">
-                                          <p:stCondLst>
-                                            <p:cond delay="0"/>
-                                          </p:stCondLst>
-                                        </p:cTn>
-                                        <p:tgtEl>
-                                          <p:spTgt spid="41"/>
-                                        </p:tgtEl>
-                                        <p:attrNameLst>
-                                          <p:attrName>style.visibility</p:attrName>
-                                        </p:attrNameLst>
-                                      </p:cBhvr>
-                                      <p:to>
-                                        <p:strVal val="visible"/>
-                                      </p:to>
-                                    </p:set>
-                                    <p:animEffect transition="in" filter="wipe(up)">
-                                      <p:cBhvr>
-                                        <p:cTn id="289" dur="500"/>
-                                        <p:tgtEl>
-                                          <p:spTgt spid="41"/>
-                                        </p:tgtEl>
-                                      </p:cBhvr>
-                                    </p:animEffect>
-                                  </p:childTnLst>
-                                </p:cTn>
-                              </p:par>
-                            </p:childTnLst>
-                          </p:cTn>
-                        </p:par>
-                        <p:par>
-                          <p:cTn id="290" fill="hold">
-                            <p:stCondLst>
-                              <p:cond delay="1500"/>
-                            </p:stCondLst>
-                            <p:childTnLst>
-                              <p:par>
-                                <p:cTn id="291" presetID="16" presetClass="entr" presetSubtype="21" fill="hold" grpId="0" nodeType="afterEffect">
-                                  <p:stCondLst>
-                                    <p:cond delay="0"/>
-                                  </p:stCondLst>
-                                  <p:childTnLst>
-                                    <p:set>
-                                      <p:cBhvr>
-                                        <p:cTn id="292" dur="1" fill="hold">
-                                          <p:stCondLst>
-                                            <p:cond delay="0"/>
-                                          </p:stCondLst>
-                                        </p:cTn>
-                                        <p:tgtEl>
-                                          <p:spTgt spid="98"/>
-                                        </p:tgtEl>
-                                        <p:attrNameLst>
-                                          <p:attrName>style.visibility</p:attrName>
-                                        </p:attrNameLst>
-                                      </p:cBhvr>
-                                      <p:to>
-                                        <p:strVal val="visible"/>
-                                      </p:to>
-                                    </p:set>
-                                    <p:animEffect transition="in" filter="barn(inVertical)">
-                                      <p:cBhvr>
-                                        <p:cTn id="293" dur="500"/>
-                                        <p:tgtEl>
-                                          <p:spTgt spid="98"/>
-                                        </p:tgtEl>
-                                      </p:cBhvr>
-                                    </p:animEffect>
-                                  </p:childTnLst>
-                                </p:cTn>
-                              </p:par>
-                            </p:childTnLst>
-                          </p:cTn>
-                        </p:par>
-                      </p:childTnLst>
-                    </p:cTn>
-                  </p:par>
-                  <p:par>
-                    <p:cTn id="294" fill="hold">
-                      <p:stCondLst>
-                        <p:cond delay="indefinite"/>
-                      </p:stCondLst>
-                      <p:childTnLst>
-                        <p:par>
-                          <p:cTn id="295" fill="hold">
-                            <p:stCondLst>
-                              <p:cond delay="0"/>
-                            </p:stCondLst>
-                            <p:childTnLst>
-                              <p:par>
-                                <p:cTn id="296" presetID="16" presetClass="entr" presetSubtype="42" fill="hold" grpId="0" nodeType="clickEffect">
-                                  <p:stCondLst>
-                                    <p:cond delay="0"/>
-                                  </p:stCondLst>
-                                  <p:childTnLst>
-                                    <p:set>
-                                      <p:cBhvr>
-                                        <p:cTn id="297" dur="1" fill="hold">
-                                          <p:stCondLst>
-                                            <p:cond delay="0"/>
-                                          </p:stCondLst>
-                                        </p:cTn>
-                                        <p:tgtEl>
-                                          <p:spTgt spid="9"/>
-                                        </p:tgtEl>
-                                        <p:attrNameLst>
-                                          <p:attrName>style.visibility</p:attrName>
-                                        </p:attrNameLst>
-                                      </p:cBhvr>
-                                      <p:to>
-                                        <p:strVal val="visible"/>
-                                      </p:to>
-                                    </p:set>
-                                    <p:animEffect transition="in" filter="barn(outHorizontal)">
-                                      <p:cBhvr>
-                                        <p:cTn id="298" dur="500"/>
-                                        <p:tgtEl>
-                                          <p:spTgt spid="9"/>
-                                        </p:tgtEl>
-                                      </p:cBhvr>
-                                    </p:animEffect>
-                                  </p:childTnLst>
-                                </p:cTn>
-                              </p:par>
-                            </p:childTnLst>
-                          </p:cTn>
-                        </p:par>
-                        <p:par>
-                          <p:cTn id="299" fill="hold">
-                            <p:stCondLst>
-                              <p:cond delay="500"/>
-                            </p:stCondLst>
-                            <p:childTnLst>
-                              <p:par>
-                                <p:cTn id="300" presetID="22" presetClass="entr" presetSubtype="1" fill="hold" nodeType="afterEffect">
-                                  <p:stCondLst>
-                                    <p:cond delay="0"/>
-                                  </p:stCondLst>
-                                  <p:childTnLst>
-                                    <p:set>
-                                      <p:cBhvr>
-                                        <p:cTn id="301" dur="1" fill="hold">
-                                          <p:stCondLst>
-                                            <p:cond delay="0"/>
-                                          </p:stCondLst>
-                                        </p:cTn>
-                                        <p:tgtEl>
-                                          <p:spTgt spid="27"/>
-                                        </p:tgtEl>
-                                        <p:attrNameLst>
-                                          <p:attrName>style.visibility</p:attrName>
-                                        </p:attrNameLst>
-                                      </p:cBhvr>
-                                      <p:to>
-                                        <p:strVal val="visible"/>
-                                      </p:to>
-                                    </p:set>
-                                    <p:animEffect transition="in" filter="wipe(up)">
-                                      <p:cBhvr>
-                                        <p:cTn id="302" dur="500"/>
-                                        <p:tgtEl>
-                                          <p:spTgt spid="27"/>
-                                        </p:tgtEl>
-                                      </p:cBhvr>
-                                    </p:animEffect>
-                                  </p:childTnLst>
-                                </p:cTn>
-                              </p:par>
-                            </p:childTnLst>
-                          </p:cTn>
-                        </p:par>
-                        <p:par>
-                          <p:cTn id="303" fill="hold">
-                            <p:stCondLst>
-                              <p:cond delay="1000"/>
-                            </p:stCondLst>
-                            <p:childTnLst>
-                              <p:par>
-                                <p:cTn id="304" presetID="16" presetClass="entr" presetSubtype="21" fill="hold" grpId="0" nodeType="afterEffect">
-                                  <p:stCondLst>
-                                    <p:cond delay="0"/>
-                                  </p:stCondLst>
-                                  <p:childTnLst>
-                                    <p:set>
-                                      <p:cBhvr>
-                                        <p:cTn id="305" dur="1" fill="hold">
-                                          <p:stCondLst>
-                                            <p:cond delay="0"/>
-                                          </p:stCondLst>
-                                        </p:cTn>
-                                        <p:tgtEl>
-                                          <p:spTgt spid="81"/>
-                                        </p:tgtEl>
-                                        <p:attrNameLst>
-                                          <p:attrName>style.visibility</p:attrName>
-                                        </p:attrNameLst>
-                                      </p:cBhvr>
-                                      <p:to>
-                                        <p:strVal val="visible"/>
-                                      </p:to>
-                                    </p:set>
-                                    <p:animEffect transition="in" filter="barn(inVertical)">
-                                      <p:cBhvr>
-                                        <p:cTn id="306" dur="500"/>
-                                        <p:tgtEl>
-                                          <p:spTgt spid="81"/>
-                                        </p:tgtEl>
-                                      </p:cBhvr>
-                                    </p:animEffect>
-                                  </p:childTnLst>
-                                </p:cTn>
-                              </p:par>
-                            </p:childTnLst>
-                          </p:cTn>
-                        </p:par>
-                        <p:par>
-                          <p:cTn id="307" fill="hold">
-                            <p:stCondLst>
-                              <p:cond delay="1500"/>
-                            </p:stCondLst>
-                            <p:childTnLst>
-                              <p:par>
-                                <p:cTn id="308" presetID="42" presetClass="entr" presetSubtype="0" fill="hold" nodeType="afterEffect">
-                                  <p:stCondLst>
-                                    <p:cond delay="0"/>
-                                  </p:stCondLst>
-                                  <p:childTnLst>
-                                    <p:set>
-                                      <p:cBhvr>
-                                        <p:cTn id="309" dur="1" fill="hold">
-                                          <p:stCondLst>
-                                            <p:cond delay="0"/>
-                                          </p:stCondLst>
-                                        </p:cTn>
-                                        <p:tgtEl>
-                                          <p:spTgt spid="47"/>
+                                          <p:spTgt spid="26"/>
                                         </p:tgtEl>
                                         <p:attrNameLst>
                                           <p:attrName>style.visibility</p:attrName>
@@ -18222,17 +18494,17 @@
                                     </p:set>
                                     <p:animEffect transition="in" filter="fade">
                                       <p:cBhvr>
-                                        <p:cTn id="310" dur="1000"/>
-                                        <p:tgtEl>
-                                          <p:spTgt spid="47"/>
+                                        <p:cTn id="335" dur="1000"/>
+                                        <p:tgtEl>
+                                          <p:spTgt spid="26"/>
                                         </p:tgtEl>
                                       </p:cBhvr>
                                     </p:animEffect>
                                     <p:anim calcmode="lin" valueType="num">
                                       <p:cBhvr>
-                                        <p:cTn id="311" dur="1000" fill="hold"/>
-                                        <p:tgtEl>
-                                          <p:spTgt spid="47"/>
+                                        <p:cTn id="336" dur="1000" fill="hold"/>
+                                        <p:tgtEl>
+                                          <p:spTgt spid="26"/>
                                         </p:tgtEl>
                                         <p:attrNameLst>
                                           <p:attrName>ppt_x</p:attrName>
@@ -18253,9 +18525,9 @@
                                     </p:anim>
                                     <p:anim calcmode="lin" valueType="num">
                                       <p:cBhvr>
-                                        <p:cTn id="312" dur="1000" fill="hold"/>
-                                        <p:tgtEl>
-                                          <p:spTgt spid="47"/>
+                                        <p:cTn id="337" dur="1000" fill="hold"/>
+                                        <p:tgtEl>
+                                          <p:spTgt spid="26"/>
                                         </p:tgtEl>
                                         <p:attrNameLst>
                                           <p:attrName>ppt_y</p:attrName>
@@ -18281,26 +18553,26 @@
                           </p:cTn>
                         </p:par>
                         <p:par>
-                          <p:cTn id="313" fill="hold">
+                          <p:cTn id="338" fill="hold">
                             <p:stCondLst>
-                              <p:cond delay="2500"/>
+                              <p:cond delay="1000"/>
                             </p:stCondLst>
                             <p:childTnLst>
                               <p:par>
-                                <p:cTn id="314" presetID="22" presetClass="entr" presetSubtype="1" fill="hold" nodeType="afterEffect">
+                                <p:cTn id="339" presetID="16" presetClass="entr" presetSubtype="21" fill="hold" grpId="0" nodeType="afterEffect">
                                   <p:stCondLst>
                                     <p:cond delay="0"/>
                                   </p:stCondLst>
                                   <p:childTnLst>
                                     <p:set>
                                       <p:cBhvr>
-                                        <p:cTn id="315" dur="1" fill="hold">
+                                        <p:cTn id="340" dur="1" fill="hold">
                                           <p:stCondLst>
                                             <p:cond delay="0"/>
                                           </p:stCondLst>
                                         </p:cTn>
                                         <p:tgtEl>
-                                          <p:spTgt spid="50"/>
+                                          <p:spTgt spid="72"/>
                                         </p:tgtEl>
                                         <p:attrNameLst>
                                           <p:attrName>style.visibility</p:attrName>
@@ -18310,11 +18582,11 @@
                                         <p:strVal val="visible"/>
                                       </p:to>
                                     </p:set>
-                                    <p:animEffect transition="in" filter="wipe(up)">
-                                      <p:cBhvr>
-                                        <p:cTn id="316" dur="500"/>
-                                        <p:tgtEl>
-                                          <p:spTgt spid="50"/>
+                                    <p:animEffect transition="in" filter="barn(inVertical)">
+                                      <p:cBhvr>
+                                        <p:cTn id="341" dur="500"/>
+                                        <p:tgtEl>
+                                          <p:spTgt spid="72"/>
                                         </p:tgtEl>
                                       </p:cBhvr>
                                     </p:animEffect>
@@ -18328,32 +18600,173 @@
                     </p:cTn>
                   </p:par>
                   <p:par>
-                    <p:cTn id="317" fill="hold">
+                    <p:cTn id="342" fill="hold">
                       <p:stCondLst>
                         <p:cond delay="indefinite"/>
                       </p:stCondLst>
                       <p:childTnLst>
                         <p:par>
-                          <p:cTn id="318" fill="hold">
+                          <p:cTn id="343" fill="hold">
                             <p:stCondLst>
                               <p:cond delay="0"/>
                             </p:stCondLst>
                             <p:childTnLst>
                               <p:par>
-                                <p:cTn id="319" presetID="42" presetClass="entr" presetSubtype="0" fill="hold" nodeType="clickEffect">
+                                <p:cTn id="344" presetID="6" presetClass="entr" presetSubtype="16" fill="hold" grpId="0" nodeType="clickEffect">
                                   <p:stCondLst>
                                     <p:cond delay="0"/>
                                   </p:stCondLst>
                                   <p:childTnLst>
                                     <p:set>
                                       <p:cBhvr>
-                                        <p:cTn id="320" dur="1" fill="hold">
+                                        <p:cTn id="345" dur="1" fill="hold">
                                           <p:stCondLst>
                                             <p:cond delay="0"/>
                                           </p:stCondLst>
                                         </p:cTn>
                                         <p:tgtEl>
-                                          <p:spTgt spid="54"/>
+                                          <p:spTgt spid="12"/>
+                                        </p:tgtEl>
+                                        <p:attrNameLst>
+                                          <p:attrName>style.visibility</p:attrName>
+                                        </p:attrNameLst>
+                                      </p:cBhvr>
+                                      <p:to>
+                                        <p:strVal val="visible"/>
+                                      </p:to>
+                                    </p:set>
+                                    <p:animEffect transition="in" filter="circle(in)">
+                                      <p:cBhvr>
+                                        <p:cTn id="346" dur="1000"/>
+                                        <p:tgtEl>
+                                          <p:spTgt spid="12"/>
+                                        </p:tgtEl>
+                                      </p:cBhvr>
+                                    </p:animEffect>
+                                  </p:childTnLst>
+                                </p:cTn>
+                              </p:par>
+                            </p:childTnLst>
+                          </p:cTn>
+                        </p:par>
+                        <p:par>
+                          <p:cTn id="347" fill="hold">
+                            <p:stCondLst>
+                              <p:cond delay="1000"/>
+                            </p:stCondLst>
+                            <p:childTnLst>
+                              <p:par>
+                                <p:cTn id="348" presetID="22" presetClass="entr" presetSubtype="1" fill="hold" nodeType="afterEffect">
+                                  <p:stCondLst>
+                                    <p:cond delay="0"/>
+                                  </p:stCondLst>
+                                  <p:childTnLst>
+                                    <p:set>
+                                      <p:cBhvr>
+                                        <p:cTn id="349" dur="1" fill="hold">
+                                          <p:stCondLst>
+                                            <p:cond delay="0"/>
+                                          </p:stCondLst>
+                                        </p:cTn>
+                                        <p:tgtEl>
+                                          <p:spTgt spid="41"/>
+                                        </p:tgtEl>
+                                        <p:attrNameLst>
+                                          <p:attrName>style.visibility</p:attrName>
+                                        </p:attrNameLst>
+                                      </p:cBhvr>
+                                      <p:to>
+                                        <p:strVal val="visible"/>
+                                      </p:to>
+                                    </p:set>
+                                    <p:animEffect transition="in" filter="wipe(up)">
+                                      <p:cBhvr>
+                                        <p:cTn id="350" dur="500"/>
+                                        <p:tgtEl>
+                                          <p:spTgt spid="41"/>
+                                        </p:tgtEl>
+                                      </p:cBhvr>
+                                    </p:animEffect>
+                                  </p:childTnLst>
+                                </p:cTn>
+                              </p:par>
+                            </p:childTnLst>
+                          </p:cTn>
+                        </p:par>
+                        <p:par>
+                          <p:cTn id="351" fill="hold">
+                            <p:stCondLst>
+                              <p:cond delay="1500"/>
+                            </p:stCondLst>
+                            <p:childTnLst>
+                              <p:par>
+                                <p:cTn id="352" presetID="16" presetClass="entr" presetSubtype="21" fill="hold" grpId="0" nodeType="afterEffect">
+                                  <p:stCondLst>
+                                    <p:cond delay="0"/>
+                                  </p:stCondLst>
+                                  <p:childTnLst>
+                                    <p:set>
+                                      <p:cBhvr>
+                                        <p:cTn id="353" dur="1" fill="hold">
+                                          <p:stCondLst>
+                                            <p:cond delay="0"/>
+                                          </p:stCondLst>
+                                        </p:cTn>
+                                        <p:tgtEl>
+                                          <p:spTgt spid="98"/>
+                                        </p:tgtEl>
+                                        <p:attrNameLst>
+                                          <p:attrName>style.visibility</p:attrName>
+                                        </p:attrNameLst>
+                                      </p:cBhvr>
+                                      <p:to>
+                                        <p:strVal val="visible"/>
+                                      </p:to>
+                                    </p:set>
+                                    <p:animEffect transition="in" filter="barn(inVertical)">
+                                      <p:cBhvr>
+                                        <p:cTn id="354" dur="500"/>
+                                        <p:tgtEl>
+                                          <p:spTgt spid="98"/>
+                                        </p:tgtEl>
+                                      </p:cBhvr>
+                                    </p:animEffect>
+                                  </p:childTnLst>
+                                </p:cTn>
+                              </p:par>
+                            </p:childTnLst>
+                          </p:cTn>
+                        </p:par>
+                      </p:childTnLst>
+                    </p:cTn>
+                  </p:par>
+                  <p:par>
+                    <p:cTn id="355" fill="hold">
+                      <p:stCondLst>
+                        <p:cond delay="indefinite"/>
+                      </p:stCondLst>
+                      <p:childTnLst>
+                        <p:par>
+                          <p:cTn id="356" fill="hold">
+                            <p:stCondLst>
+                              <p:cond delay="0"/>
+                            </p:stCondLst>
+                            <p:childTnLst>
+                              <p:par>
+                                <p:cTn id="357" presetID="42" presetClass="entr" presetSubtype="0" fill="hold" grpId="0" nodeType="clickEffect">
+                                  <p:stCondLst>
+                                    <p:cond delay="0"/>
+                                  </p:stCondLst>
+                                  <p:childTnLst>
+                                    <p:set>
+                                      <p:cBhvr>
+                                        <p:cTn id="358" dur="1" fill="hold">
+                                          <p:stCondLst>
+                                            <p:cond delay="0"/>
+                                          </p:stCondLst>
+                                        </p:cTn>
+                                        <p:tgtEl>
+                                          <p:spTgt spid="94"/>
                                         </p:tgtEl>
                                         <p:attrNameLst>
                                           <p:attrName>style.visibility</p:attrName>
@@ -18365,17 +18778,17 @@
                                     </p:set>
                                     <p:animEffect transition="in" filter="fade">
                                       <p:cBhvr>
-                                        <p:cTn id="321" dur="1000"/>
-                                        <p:tgtEl>
-                                          <p:spTgt spid="54"/>
+                                        <p:cTn id="359" dur="1000"/>
+                                        <p:tgtEl>
+                                          <p:spTgt spid="94"/>
                                         </p:tgtEl>
                                       </p:cBhvr>
                                     </p:animEffect>
                                     <p:anim calcmode="lin" valueType="num">
                                       <p:cBhvr>
-                                        <p:cTn id="322" dur="1000" fill="hold"/>
-                                        <p:tgtEl>
-                                          <p:spTgt spid="54"/>
+                                        <p:cTn id="360" dur="1000" fill="hold"/>
+                                        <p:tgtEl>
+                                          <p:spTgt spid="94"/>
                                         </p:tgtEl>
                                         <p:attrNameLst>
                                           <p:attrName>ppt_x</p:attrName>
@@ -18396,9 +18809,9 @@
                                     </p:anim>
                                     <p:anim calcmode="lin" valueType="num">
                                       <p:cBhvr>
-                                        <p:cTn id="323" dur="1000" fill="hold"/>
-                                        <p:tgtEl>
-                                          <p:spTgt spid="54"/>
+                                        <p:cTn id="361" dur="1000" fill="hold"/>
+                                        <p:tgtEl>
+                                          <p:spTgt spid="94"/>
                                         </p:tgtEl>
                                         <p:attrNameLst>
                                           <p:attrName>ppt_y</p:attrName>
@@ -18420,127 +18833,21 @@
                                   </p:childTnLst>
                                 </p:cTn>
                               </p:par>
-                            </p:childTnLst>
-                          </p:cTn>
-                        </p:par>
-                        <p:par>
-                          <p:cTn id="324" fill="hold">
-                            <p:stCondLst>
-                              <p:cond delay="1000"/>
-                            </p:stCondLst>
-                            <p:childTnLst>
                               <p:par>
-                                <p:cTn id="325" presetID="16" presetClass="entr" presetSubtype="21" fill="hold" grpId="0" nodeType="afterEffect">
+                                <p:cTn id="362" presetID="42" presetClass="entr" presetSubtype="0" fill="hold" grpId="0" nodeType="withEffect">
                                   <p:stCondLst>
                                     <p:cond delay="0"/>
                                   </p:stCondLst>
                                   <p:childTnLst>
                                     <p:set>
                                       <p:cBhvr>
-                                        <p:cTn id="326" dur="1" fill="hold">
+                                        <p:cTn id="363" dur="1" fill="hold">
                                           <p:stCondLst>
                                             <p:cond delay="0"/>
                                           </p:stCondLst>
                                         </p:cTn>
                                         <p:tgtEl>
-                                          <p:spTgt spid="84"/>
-                                        </p:tgtEl>
-                                        <p:attrNameLst>
-                                          <p:attrName>style.visibility</p:attrName>
-                                        </p:attrNameLst>
-                                      </p:cBhvr>
-                                      <p:to>
-                                        <p:strVal val="visible"/>
-                                      </p:to>
-                                    </p:set>
-                                    <p:animEffect transition="in" filter="barn(inVertical)">
-                                      <p:cBhvr>
-                                        <p:cTn id="327" dur="500"/>
-                                        <p:tgtEl>
-                                          <p:spTgt spid="84"/>
-                                        </p:tgtEl>
-                                      </p:cBhvr>
-                                    </p:animEffect>
-                                  </p:childTnLst>
-                                </p:cTn>
-                              </p:par>
-                            </p:childTnLst>
-                          </p:cTn>
-                        </p:par>
-                      </p:childTnLst>
-                    </p:cTn>
-                  </p:par>
-                  <p:par>
-                    <p:cTn id="328" fill="hold">
-                      <p:stCondLst>
-                        <p:cond delay="indefinite"/>
-                      </p:stCondLst>
-                      <p:childTnLst>
-                        <p:par>
-                          <p:cTn id="329" fill="hold">
-                            <p:stCondLst>
-                              <p:cond delay="0"/>
-                            </p:stCondLst>
-                            <p:childTnLst>
-                              <p:par>
-                                <p:cTn id="330" presetID="22" presetClass="entr" presetSubtype="4" fill="hold" nodeType="clickEffect">
-                                  <p:stCondLst>
-                                    <p:cond delay="0"/>
-                                  </p:stCondLst>
-                                  <p:childTnLst>
-                                    <p:set>
-                                      <p:cBhvr>
-                                        <p:cTn id="331" dur="1" fill="hold">
-                                          <p:stCondLst>
-                                            <p:cond delay="0"/>
-                                          </p:stCondLst>
-                                        </p:cTn>
-                                        <p:tgtEl>
-                                          <p:spTgt spid="51"/>
-                                        </p:tgtEl>
-                                        <p:attrNameLst>
-                                          <p:attrName>style.visibility</p:attrName>
-                                        </p:attrNameLst>
-                                      </p:cBhvr>
-                                      <p:to>
-                                        <p:strVal val="visible"/>
-                                      </p:to>
-                                    </p:set>
-                                    <p:animEffect transition="in" filter="wipe(down)">
-                                      <p:cBhvr>
-                                        <p:cTn id="332" dur="1000"/>
-                                        <p:tgtEl>
-                                          <p:spTgt spid="51"/>
-                                        </p:tgtEl>
-                                      </p:cBhvr>
-                                    </p:animEffect>
-                                  </p:childTnLst>
-                                </p:cTn>
-                              </p:par>
-                            </p:childTnLst>
-                          </p:cTn>
-                        </p:par>
-                        <p:par>
-                          <p:cTn id="333" fill="hold">
-                            <p:stCondLst>
-                              <p:cond delay="1000"/>
-                            </p:stCondLst>
-                            <p:childTnLst>
-                              <p:par>
-                                <p:cTn id="334" presetID="42" presetClass="entr" presetSubtype="0" fill="hold" grpId="0" nodeType="afterEffect">
-                                  <p:stCondLst>
-                                    <p:cond delay="0"/>
-                                  </p:stCondLst>
-                                  <p:childTnLst>
-                                    <p:set>
-                                      <p:cBhvr>
-                                        <p:cTn id="335" dur="1" fill="hold">
-                                          <p:stCondLst>
-                                            <p:cond delay="0"/>
-                                          </p:stCondLst>
-                                        </p:cTn>
-                                        <p:tgtEl>
-                                          <p:spTgt spid="85"/>
+                                          <p:spTgt spid="95"/>
                                         </p:tgtEl>
                                         <p:attrNameLst>
                                           <p:attrName>style.visibility</p:attrName>
@@ -18552,17 +18859,17 @@
                                     </p:set>
                                     <p:animEffect transition="in" filter="fade">
                                       <p:cBhvr>
-                                        <p:cTn id="336" dur="1000"/>
-                                        <p:tgtEl>
-                                          <p:spTgt spid="85"/>
+                                        <p:cTn id="364" dur="1000"/>
+                                        <p:tgtEl>
+                                          <p:spTgt spid="95"/>
                                         </p:tgtEl>
                                       </p:cBhvr>
                                     </p:animEffect>
                                     <p:anim calcmode="lin" valueType="num">
                                       <p:cBhvr>
-                                        <p:cTn id="337" dur="1000" fill="hold"/>
-                                        <p:tgtEl>
-                                          <p:spTgt spid="85"/>
+                                        <p:cTn id="365" dur="1000" fill="hold"/>
+                                        <p:tgtEl>
+                                          <p:spTgt spid="95"/>
                                         </p:tgtEl>
                                         <p:attrNameLst>
                                           <p:attrName>ppt_x</p:attrName>
@@ -18583,9 +18890,9 @@
                                     </p:anim>
                                     <p:anim calcmode="lin" valueType="num">
                                       <p:cBhvr>
-                                        <p:cTn id="338" dur="1000" fill="hold"/>
-                                        <p:tgtEl>
-                                          <p:spTgt spid="85"/>
+                                        <p:cTn id="366" dur="1000" fill="hold"/>
+                                        <p:tgtEl>
+                                          <p:spTgt spid="95"/>
                                         </p:tgtEl>
                                         <p:attrNameLst>
                                           <p:attrName>ppt_y</p:attrName>
@@ -18614,32 +18921,120 @@
                     </p:cTn>
                   </p:par>
                   <p:par>
-                    <p:cTn id="339" fill="hold">
+                    <p:cTn id="367" fill="hold">
                       <p:stCondLst>
                         <p:cond delay="indefinite"/>
                       </p:stCondLst>
                       <p:childTnLst>
                         <p:par>
-                          <p:cTn id="340" fill="hold">
+                          <p:cTn id="368" fill="hold">
                             <p:stCondLst>
                               <p:cond delay="0"/>
                             </p:stCondLst>
                             <p:childTnLst>
                               <p:par>
-                                <p:cTn id="341" presetID="42" presetClass="entr" presetSubtype="0" fill="hold" nodeType="clickEffect">
+                                <p:cTn id="369" presetID="16" presetClass="entr" presetSubtype="42" fill="hold" grpId="0" nodeType="clickEffect">
                                   <p:stCondLst>
                                     <p:cond delay="0"/>
                                   </p:stCondLst>
                                   <p:childTnLst>
                                     <p:set>
                                       <p:cBhvr>
-                                        <p:cTn id="342" dur="1" fill="hold">
+                                        <p:cTn id="370" dur="1" fill="hold">
                                           <p:stCondLst>
                                             <p:cond delay="0"/>
                                           </p:stCondLst>
                                         </p:cTn>
                                         <p:tgtEl>
-                                          <p:spTgt spid="52"/>
+                                          <p:spTgt spid="9"/>
+                                        </p:tgtEl>
+                                        <p:attrNameLst>
+                                          <p:attrName>style.visibility</p:attrName>
+                                        </p:attrNameLst>
+                                      </p:cBhvr>
+                                      <p:to>
+                                        <p:strVal val="visible"/>
+                                      </p:to>
+                                    </p:set>
+                                    <p:animEffect transition="in" filter="barn(outHorizontal)">
+                                      <p:cBhvr>
+                                        <p:cTn id="371" dur="500"/>
+                                        <p:tgtEl>
+                                          <p:spTgt spid="9"/>
+                                        </p:tgtEl>
+                                      </p:cBhvr>
+                                    </p:animEffect>
+                                  </p:childTnLst>
+                                </p:cTn>
+                              </p:par>
+                            </p:childTnLst>
+                          </p:cTn>
+                        </p:par>
+                        <p:par>
+                          <p:cTn id="372" fill="hold">
+                            <p:stCondLst>
+                              <p:cond delay="500"/>
+                            </p:stCondLst>
+                            <p:childTnLst>
+                              <p:par>
+                                <p:cTn id="373" presetID="16" presetClass="entr" presetSubtype="21" fill="hold" nodeType="afterEffect">
+                                  <p:stCondLst>
+                                    <p:cond delay="0"/>
+                                  </p:stCondLst>
+                                  <p:childTnLst>
+                                    <p:set>
+                                      <p:cBhvr>
+                                        <p:cTn id="374" dur="1" fill="hold">
+                                          <p:stCondLst>
+                                            <p:cond delay="0"/>
+                                          </p:stCondLst>
+                                        </p:cTn>
+                                        <p:tgtEl>
+                                          <p:spTgt spid="40"/>
+                                        </p:tgtEl>
+                                        <p:attrNameLst>
+                                          <p:attrName>style.visibility</p:attrName>
+                                        </p:attrNameLst>
+                                      </p:cBhvr>
+                                      <p:to>
+                                        <p:strVal val="visible"/>
+                                      </p:to>
+                                    </p:set>
+                                    <p:animEffect transition="in" filter="barn(inVertical)">
+                                      <p:cBhvr>
+                                        <p:cTn id="375" dur="500"/>
+                                        <p:tgtEl>
+                                          <p:spTgt spid="40"/>
+                                        </p:tgtEl>
+                                      </p:cBhvr>
+                                    </p:animEffect>
+                                  </p:childTnLst>
+                                </p:cTn>
+                              </p:par>
+                            </p:childTnLst>
+                          </p:cTn>
+                        </p:par>
+                        <p:par>
+                          <p:cTn id="376" fill="hold">
+                            <p:stCondLst>
+                              <p:cond delay="1000"/>
+                            </p:stCondLst>
+                            <p:childTnLst>
+                              <p:par>
+                                <p:cTn id="377" presetID="42" presetClass="entr" presetSubtype="0" fill="hold" grpId="0" nodeType="afterEffect">
+                                  <p:stCondLst>
+                                    <p:cond delay="0"/>
+                                  </p:stCondLst>
+                                  <p:childTnLst>
+                                    <p:set>
+                                      <p:cBhvr>
+                                        <p:cTn id="378" dur="1" fill="hold">
+                                          <p:stCondLst>
+                                            <p:cond delay="0"/>
+                                          </p:stCondLst>
+                                        </p:cTn>
+                                        <p:tgtEl>
+                                          <p:spTgt spid="82"/>
                                         </p:tgtEl>
                                         <p:attrNameLst>
                                           <p:attrName>style.visibility</p:attrName>
@@ -18651,17 +19046,17 @@
                                     </p:set>
                                     <p:animEffect transition="in" filter="fade">
                                       <p:cBhvr>
-                                        <p:cTn id="343" dur="1000"/>
-                                        <p:tgtEl>
-                                          <p:spTgt spid="52"/>
+                                        <p:cTn id="379" dur="1000"/>
+                                        <p:tgtEl>
+                                          <p:spTgt spid="82"/>
                                         </p:tgtEl>
                                       </p:cBhvr>
                                     </p:animEffect>
                                     <p:anim calcmode="lin" valueType="num">
                                       <p:cBhvr>
-                                        <p:cTn id="344" dur="1000" fill="hold"/>
-                                        <p:tgtEl>
-                                          <p:spTgt spid="52"/>
+                                        <p:cTn id="380" dur="1000" fill="hold"/>
+                                        <p:tgtEl>
+                                          <p:spTgt spid="82"/>
                                         </p:tgtEl>
                                         <p:attrNameLst>
                                           <p:attrName>ppt_x</p:attrName>
@@ -18682,9 +19077,9 @@
                                     </p:anim>
                                     <p:anim calcmode="lin" valueType="num">
                                       <p:cBhvr>
-                                        <p:cTn id="345" dur="1000" fill="hold"/>
-                                        <p:tgtEl>
-                                          <p:spTgt spid="52"/>
+                                        <p:cTn id="381" dur="1000" fill="hold"/>
+                                        <p:tgtEl>
+                                          <p:spTgt spid="82"/>
                                         </p:tgtEl>
                                         <p:attrNameLst>
                                           <p:attrName>ppt_y</p:attrName>
@@ -18710,123 +19105,26 @@
                           </p:cTn>
                         </p:par>
                         <p:par>
-                          <p:cTn id="346" fill="hold">
+                          <p:cTn id="382" fill="hold">
                             <p:stCondLst>
-                              <p:cond delay="1000"/>
+                              <p:cond delay="2000"/>
                             </p:stCondLst>
                             <p:childTnLst>
                               <p:par>
-                                <p:cTn id="347" presetID="16" presetClass="entr" presetSubtype="21" fill="hold" grpId="0" nodeType="afterEffect">
+                                <p:cTn id="383" presetID="42" presetClass="entr" presetSubtype="0" fill="hold" nodeType="afterEffect">
                                   <p:stCondLst>
                                     <p:cond delay="0"/>
                                   </p:stCondLst>
                                   <p:childTnLst>
                                     <p:set>
                                       <p:cBhvr>
-                                        <p:cTn id="348" dur="1" fill="hold">
+                                        <p:cTn id="384" dur="1" fill="hold">
                                           <p:stCondLst>
                                             <p:cond delay="0"/>
                                           </p:stCondLst>
                                         </p:cTn>
                                         <p:tgtEl>
-                                          <p:spTgt spid="86"/>
-                                        </p:tgtEl>
-                                        <p:attrNameLst>
-                                          <p:attrName>style.visibility</p:attrName>
-                                        </p:attrNameLst>
-                                      </p:cBhvr>
-                                      <p:to>
-                                        <p:strVal val="visible"/>
-                                      </p:to>
-                                    </p:set>
-                                    <p:animEffect transition="in" filter="barn(inVertical)">
-                                      <p:cBhvr>
-                                        <p:cTn id="349" dur="500"/>
-                                        <p:tgtEl>
-                                          <p:spTgt spid="86"/>
-                                        </p:tgtEl>
-                                      </p:cBhvr>
-                                    </p:animEffect>
-                                  </p:childTnLst>
-                                </p:cTn>
-                              </p:par>
-                            </p:childTnLst>
-                          </p:cTn>
-                        </p:par>
-                      </p:childTnLst>
-                    </p:cTn>
-                  </p:par>
-                  <p:par>
-                    <p:cTn id="350" fill="hold">
-                      <p:stCondLst>
-                        <p:cond delay="indefinite"/>
-                      </p:stCondLst>
-                      <p:childTnLst>
-                        <p:par>
-                          <p:cTn id="351" fill="hold">
-                            <p:stCondLst>
-                              <p:cond delay="0"/>
-                            </p:stCondLst>
-                            <p:childTnLst>
-                              <p:par>
-                                <p:cTn id="352" presetID="16" presetClass="entr" presetSubtype="21" fill="hold" nodeType="clickEffect">
-                                  <p:stCondLst>
-                                    <p:cond delay="0"/>
-                                  </p:stCondLst>
-                                  <p:childTnLst>
-                                    <p:set>
-                                      <p:cBhvr>
-                                        <p:cTn id="353" dur="1" fill="hold">
-                                          <p:stCondLst>
-                                            <p:cond delay="0"/>
-                                          </p:stCondLst>
-                                        </p:cTn>
-                                        <p:tgtEl>
-                                          <p:spTgt spid="40"/>
-                                        </p:tgtEl>
-                                        <p:attrNameLst>
-                                          <p:attrName>style.visibility</p:attrName>
-                                        </p:attrNameLst>
-                                      </p:cBhvr>
-                                      <p:to>
-                                        <p:strVal val="visible"/>
-                                      </p:to>
-                                    </p:set>
-                                    <p:animEffect transition="in" filter="barn(inVertical)">
-                                      <p:cBhvr>
-                                        <p:cTn id="354" dur="500"/>
-                                        <p:tgtEl>
-                                          <p:spTgt spid="40"/>
-                                        </p:tgtEl>
-                                      </p:cBhvr>
-                                    </p:animEffect>
-                                  </p:childTnLst>
-                                </p:cTn>
-                              </p:par>
-                            </p:childTnLst>
-                          </p:cTn>
-                        </p:par>
-                        <p:par>
-                          <p:cTn id="355" fill="hold">
-                            <p:stCondLst>
-                              <p:cond delay="500"/>
-                            </p:stCondLst>
-                            <p:childTnLst>
-                              <p:par>
-                                <p:cTn id="356" presetID="42" presetClass="entr" presetSubtype="0" fill="hold" grpId="0" nodeType="afterEffect">
-                                  <p:stCondLst>
-                                    <p:cond delay="0"/>
-                                  </p:stCondLst>
-                                  <p:childTnLst>
-                                    <p:set>
-                                      <p:cBhvr>
-                                        <p:cTn id="357" dur="1" fill="hold">
-                                          <p:stCondLst>
-                                            <p:cond delay="0"/>
-                                          </p:stCondLst>
-                                        </p:cTn>
-                                        <p:tgtEl>
-                                          <p:spTgt spid="82"/>
+                                          <p:spTgt spid="47"/>
                                         </p:tgtEl>
                                         <p:attrNameLst>
                                           <p:attrName>style.visibility</p:attrName>
@@ -18838,17 +19136,17 @@
                                     </p:set>
                                     <p:animEffect transition="in" filter="fade">
                                       <p:cBhvr>
-                                        <p:cTn id="358" dur="1000"/>
-                                        <p:tgtEl>
-                                          <p:spTgt spid="82"/>
+                                        <p:cTn id="385" dur="1000"/>
+                                        <p:tgtEl>
+                                          <p:spTgt spid="47"/>
                                         </p:tgtEl>
                                       </p:cBhvr>
                                     </p:animEffect>
                                     <p:anim calcmode="lin" valueType="num">
                                       <p:cBhvr>
-                                        <p:cTn id="359" dur="1000" fill="hold"/>
-                                        <p:tgtEl>
-                                          <p:spTgt spid="82"/>
+                                        <p:cTn id="386" dur="1000" fill="hold"/>
+                                        <p:tgtEl>
+                                          <p:spTgt spid="47"/>
                                         </p:tgtEl>
                                         <p:attrNameLst>
                                           <p:attrName>ppt_x</p:attrName>
@@ -18869,9 +19167,339 @@
                                     </p:anim>
                                     <p:anim calcmode="lin" valueType="num">
                                       <p:cBhvr>
-                                        <p:cTn id="360" dur="1000" fill="hold"/>
-                                        <p:tgtEl>
-                                          <p:spTgt spid="82"/>
+                                        <p:cTn id="387" dur="1000" fill="hold"/>
+                                        <p:tgtEl>
+                                          <p:spTgt spid="47"/>
+                                        </p:tgtEl>
+                                        <p:attrNameLst>
+                                          <p:attrName>ppt_y</p:attrName>
+                                        </p:attrNameLst>
+                                      </p:cBhvr>
+                                      <p:tavLst>
+                                        <p:tav tm="0">
+                                          <p:val>
+                                            <p:strVal val="#ppt_y+.1"/>
+                                          </p:val>
+                                        </p:tav>
+                                        <p:tav tm="100000">
+                                          <p:val>
+                                            <p:strVal val="#ppt_y"/>
+                                          </p:val>
+                                        </p:tav>
+                                      </p:tavLst>
+                                    </p:anim>
+                                  </p:childTnLst>
+                                </p:cTn>
+                              </p:par>
+                            </p:childTnLst>
+                          </p:cTn>
+                        </p:par>
+                        <p:par>
+                          <p:cTn id="388" fill="hold">
+                            <p:stCondLst>
+                              <p:cond delay="3000"/>
+                            </p:stCondLst>
+                            <p:childTnLst>
+                              <p:par>
+                                <p:cTn id="389" presetID="22" presetClass="entr" presetSubtype="1" fill="hold" nodeType="afterEffect">
+                                  <p:stCondLst>
+                                    <p:cond delay="0"/>
+                                  </p:stCondLst>
+                                  <p:childTnLst>
+                                    <p:set>
+                                      <p:cBhvr>
+                                        <p:cTn id="390" dur="1" fill="hold">
+                                          <p:stCondLst>
+                                            <p:cond delay="0"/>
+                                          </p:stCondLst>
+                                        </p:cTn>
+                                        <p:tgtEl>
+                                          <p:spTgt spid="50"/>
+                                        </p:tgtEl>
+                                        <p:attrNameLst>
+                                          <p:attrName>style.visibility</p:attrName>
+                                        </p:attrNameLst>
+                                      </p:cBhvr>
+                                      <p:to>
+                                        <p:strVal val="visible"/>
+                                      </p:to>
+                                    </p:set>
+                                    <p:animEffect transition="in" filter="wipe(up)">
+                                      <p:cBhvr>
+                                        <p:cTn id="391" dur="500"/>
+                                        <p:tgtEl>
+                                          <p:spTgt spid="50"/>
+                                        </p:tgtEl>
+                                      </p:cBhvr>
+                                    </p:animEffect>
+                                  </p:childTnLst>
+                                </p:cTn>
+                              </p:par>
+                            </p:childTnLst>
+                          </p:cTn>
+                        </p:par>
+                      </p:childTnLst>
+                    </p:cTn>
+                  </p:par>
+                  <p:par>
+                    <p:cTn id="392" fill="hold">
+                      <p:stCondLst>
+                        <p:cond delay="indefinite"/>
+                      </p:stCondLst>
+                      <p:childTnLst>
+                        <p:par>
+                          <p:cTn id="393" fill="hold">
+                            <p:stCondLst>
+                              <p:cond delay="0"/>
+                            </p:stCondLst>
+                            <p:childTnLst>
+                              <p:par>
+                                <p:cTn id="394" presetID="42" presetClass="entr" presetSubtype="0" fill="hold" nodeType="clickEffect">
+                                  <p:stCondLst>
+                                    <p:cond delay="0"/>
+                                  </p:stCondLst>
+                                  <p:childTnLst>
+                                    <p:set>
+                                      <p:cBhvr>
+                                        <p:cTn id="395" dur="1" fill="hold">
+                                          <p:stCondLst>
+                                            <p:cond delay="0"/>
+                                          </p:stCondLst>
+                                        </p:cTn>
+                                        <p:tgtEl>
+                                          <p:spTgt spid="53"/>
+                                        </p:tgtEl>
+                                        <p:attrNameLst>
+                                          <p:attrName>style.visibility</p:attrName>
+                                        </p:attrNameLst>
+                                      </p:cBhvr>
+                                      <p:to>
+                                        <p:strVal val="visible"/>
+                                      </p:to>
+                                    </p:set>
+                                    <p:animEffect transition="in" filter="fade">
+                                      <p:cBhvr>
+                                        <p:cTn id="396" dur="1000"/>
+                                        <p:tgtEl>
+                                          <p:spTgt spid="53"/>
+                                        </p:tgtEl>
+                                      </p:cBhvr>
+                                    </p:animEffect>
+                                    <p:anim calcmode="lin" valueType="num">
+                                      <p:cBhvr>
+                                        <p:cTn id="397" dur="1000" fill="hold"/>
+                                        <p:tgtEl>
+                                          <p:spTgt spid="53"/>
+                                        </p:tgtEl>
+                                        <p:attrNameLst>
+                                          <p:attrName>ppt_x</p:attrName>
+                                        </p:attrNameLst>
+                                      </p:cBhvr>
+                                      <p:tavLst>
+                                        <p:tav tm="0">
+                                          <p:val>
+                                            <p:strVal val="#ppt_x"/>
+                                          </p:val>
+                                        </p:tav>
+                                        <p:tav tm="100000">
+                                          <p:val>
+                                            <p:strVal val="#ppt_x"/>
+                                          </p:val>
+                                        </p:tav>
+                                      </p:tavLst>
+                                    </p:anim>
+                                    <p:anim calcmode="lin" valueType="num">
+                                      <p:cBhvr>
+                                        <p:cTn id="398" dur="1000" fill="hold"/>
+                                        <p:tgtEl>
+                                          <p:spTgt spid="53"/>
+                                        </p:tgtEl>
+                                        <p:attrNameLst>
+                                          <p:attrName>ppt_y</p:attrName>
+                                        </p:attrNameLst>
+                                      </p:cBhvr>
+                                      <p:tavLst>
+                                        <p:tav tm="0">
+                                          <p:val>
+                                            <p:strVal val="#ppt_y+.1"/>
+                                          </p:val>
+                                        </p:tav>
+                                        <p:tav tm="100000">
+                                          <p:val>
+                                            <p:strVal val="#ppt_y"/>
+                                          </p:val>
+                                        </p:tav>
+                                      </p:tavLst>
+                                    </p:anim>
+                                  </p:childTnLst>
+                                </p:cTn>
+                              </p:par>
+                            </p:childTnLst>
+                          </p:cTn>
+                        </p:par>
+                        <p:par>
+                          <p:cTn id="399" fill="hold">
+                            <p:stCondLst>
+                              <p:cond delay="1000"/>
+                            </p:stCondLst>
+                            <p:childTnLst>
+                              <p:par>
+                                <p:cTn id="400" presetID="22" presetClass="entr" presetSubtype="4" fill="hold" grpId="0" nodeType="afterEffect">
+                                  <p:stCondLst>
+                                    <p:cond delay="0"/>
+                                  </p:stCondLst>
+                                  <p:childTnLst>
+                                    <p:set>
+                                      <p:cBhvr>
+                                        <p:cTn id="401" dur="1" fill="hold">
+                                          <p:stCondLst>
+                                            <p:cond delay="0"/>
+                                          </p:stCondLst>
+                                        </p:cTn>
+                                        <p:tgtEl>
+                                          <p:spTgt spid="83"/>
+                                        </p:tgtEl>
+                                        <p:attrNameLst>
+                                          <p:attrName>style.visibility</p:attrName>
+                                        </p:attrNameLst>
+                                      </p:cBhvr>
+                                      <p:to>
+                                        <p:strVal val="visible"/>
+                                      </p:to>
+                                    </p:set>
+                                    <p:animEffect transition="in" filter="wipe(down)">
+                                      <p:cBhvr>
+                                        <p:cTn id="402" dur="500"/>
+                                        <p:tgtEl>
+                                          <p:spTgt spid="83"/>
+                                        </p:tgtEl>
+                                      </p:cBhvr>
+                                    </p:animEffect>
+                                  </p:childTnLst>
+                                </p:cTn>
+                              </p:par>
+                            </p:childTnLst>
+                          </p:cTn>
+                        </p:par>
+                      </p:childTnLst>
+                    </p:cTn>
+                  </p:par>
+                  <p:par>
+                    <p:cTn id="403" fill="hold">
+                      <p:stCondLst>
+                        <p:cond delay="indefinite"/>
+                      </p:stCondLst>
+                      <p:childTnLst>
+                        <p:par>
+                          <p:cTn id="404" fill="hold">
+                            <p:stCondLst>
+                              <p:cond delay="0"/>
+                            </p:stCondLst>
+                            <p:childTnLst>
+                              <p:par>
+                                <p:cTn id="405" presetID="22" presetClass="entr" presetSubtype="4" fill="hold" nodeType="clickEffect">
+                                  <p:stCondLst>
+                                    <p:cond delay="0"/>
+                                  </p:stCondLst>
+                                  <p:childTnLst>
+                                    <p:set>
+                                      <p:cBhvr>
+                                        <p:cTn id="406" dur="1" fill="hold">
+                                          <p:stCondLst>
+                                            <p:cond delay="0"/>
+                                          </p:stCondLst>
+                                        </p:cTn>
+                                        <p:tgtEl>
+                                          <p:spTgt spid="51"/>
+                                        </p:tgtEl>
+                                        <p:attrNameLst>
+                                          <p:attrName>style.visibility</p:attrName>
+                                        </p:attrNameLst>
+                                      </p:cBhvr>
+                                      <p:to>
+                                        <p:strVal val="visible"/>
+                                      </p:to>
+                                    </p:set>
+                                    <p:animEffect transition="in" filter="wipe(down)">
+                                      <p:cBhvr>
+                                        <p:cTn id="407" dur="1000"/>
+                                        <p:tgtEl>
+                                          <p:spTgt spid="51"/>
+                                        </p:tgtEl>
+                                      </p:cBhvr>
+                                    </p:animEffect>
+                                  </p:childTnLst>
+                                </p:cTn>
+                              </p:par>
+                            </p:childTnLst>
+                          </p:cTn>
+                        </p:par>
+                        <p:par>
+                          <p:cTn id="408" fill="hold">
+                            <p:stCondLst>
+                              <p:cond delay="1000"/>
+                            </p:stCondLst>
+                            <p:childTnLst>
+                              <p:par>
+                                <p:cTn id="409" presetID="42" presetClass="entr" presetSubtype="0" fill="hold" grpId="0" nodeType="afterEffect">
+                                  <p:stCondLst>
+                                    <p:cond delay="0"/>
+                                  </p:stCondLst>
+                                  <p:childTnLst>
+                                    <p:set>
+                                      <p:cBhvr>
+                                        <p:cTn id="410" dur="1" fill="hold">
+                                          <p:stCondLst>
+                                            <p:cond delay="0"/>
+                                          </p:stCondLst>
+                                        </p:cTn>
+                                        <p:tgtEl>
+                                          <p:spTgt spid="85"/>
+                                        </p:tgtEl>
+                                        <p:attrNameLst>
+                                          <p:attrName>style.visibility</p:attrName>
+                                        </p:attrNameLst>
+                                      </p:cBhvr>
+                                      <p:to>
+                                        <p:strVal val="visible"/>
+                                      </p:to>
+                                    </p:set>
+                                    <p:animEffect transition="in" filter="fade">
+                                      <p:cBhvr>
+                                        <p:cTn id="411" dur="1000"/>
+                                        <p:tgtEl>
+                                          <p:spTgt spid="85"/>
+                                        </p:tgtEl>
+                                      </p:cBhvr>
+                                    </p:animEffect>
+                                    <p:anim calcmode="lin" valueType="num">
+                                      <p:cBhvr>
+                                        <p:cTn id="412" dur="1000" fill="hold"/>
+                                        <p:tgtEl>
+                                          <p:spTgt spid="85"/>
+                                        </p:tgtEl>
+                                        <p:attrNameLst>
+                                          <p:attrName>ppt_x</p:attrName>
+                                        </p:attrNameLst>
+                                      </p:cBhvr>
+                                      <p:tavLst>
+                                        <p:tav tm="0">
+                                          <p:val>
+                                            <p:strVal val="#ppt_x"/>
+                                          </p:val>
+                                        </p:tav>
+                                        <p:tav tm="100000">
+                                          <p:val>
+                                            <p:strVal val="#ppt_x"/>
+                                          </p:val>
+                                        </p:tav>
+                                      </p:tavLst>
+                                    </p:anim>
+                                    <p:anim calcmode="lin" valueType="num">
+                                      <p:cBhvr>
+                                        <p:cTn id="413" dur="1000" fill="hold"/>
+                                        <p:tgtEl>
+                                          <p:spTgt spid="85"/>
                                         </p:tgtEl>
                                         <p:attrNameLst>
                                           <p:attrName>ppt_y</p:attrName>
@@ -18900,32 +19528,32 @@
                     </p:cTn>
                   </p:par>
                   <p:par>
-                    <p:cTn id="361" fill="hold">
+                    <p:cTn id="414" fill="hold">
                       <p:stCondLst>
                         <p:cond delay="indefinite"/>
                       </p:stCondLst>
                       <p:childTnLst>
                         <p:par>
-                          <p:cTn id="362" fill="hold">
+                          <p:cTn id="415" fill="hold">
                             <p:stCondLst>
                               <p:cond delay="0"/>
                             </p:stCondLst>
                             <p:childTnLst>
                               <p:par>
-                                <p:cTn id="363" presetID="42" presetClass="entr" presetSubtype="0" fill="hold" nodeType="clickEffect">
+                                <p:cTn id="416" presetID="42" presetClass="entr" presetSubtype="0" fill="hold" nodeType="clickEffect">
                                   <p:stCondLst>
                                     <p:cond delay="0"/>
                                   </p:stCondLst>
                                   <p:childTnLst>
                                     <p:set>
                                       <p:cBhvr>
-                                        <p:cTn id="364" dur="1" fill="hold">
+                                        <p:cTn id="417" dur="1" fill="hold">
                                           <p:stCondLst>
                                             <p:cond delay="0"/>
                                           </p:stCondLst>
                                         </p:cTn>
                                         <p:tgtEl>
-                                          <p:spTgt spid="53"/>
+                                          <p:spTgt spid="52"/>
                                         </p:tgtEl>
                                         <p:attrNameLst>
                                           <p:attrName>style.visibility</p:attrName>
@@ -18937,17 +19565,17 @@
                                     </p:set>
                                     <p:animEffect transition="in" filter="fade">
                                       <p:cBhvr>
-                                        <p:cTn id="365" dur="1000"/>
-                                        <p:tgtEl>
-                                          <p:spTgt spid="53"/>
+                                        <p:cTn id="418" dur="1000"/>
+                                        <p:tgtEl>
+                                          <p:spTgt spid="52"/>
                                         </p:tgtEl>
                                       </p:cBhvr>
                                     </p:animEffect>
                                     <p:anim calcmode="lin" valueType="num">
                                       <p:cBhvr>
-                                        <p:cTn id="366" dur="1000" fill="hold"/>
-                                        <p:tgtEl>
-                                          <p:spTgt spid="53"/>
+                                        <p:cTn id="419" dur="1000" fill="hold"/>
+                                        <p:tgtEl>
+                                          <p:spTgt spid="52"/>
                                         </p:tgtEl>
                                         <p:attrNameLst>
                                           <p:attrName>ppt_x</p:attrName>
@@ -18968,9 +19596,9 @@
                                     </p:anim>
                                     <p:anim calcmode="lin" valueType="num">
                                       <p:cBhvr>
-                                        <p:cTn id="367" dur="1000" fill="hold"/>
-                                        <p:tgtEl>
-                                          <p:spTgt spid="53"/>
+                                        <p:cTn id="420" dur="1000" fill="hold"/>
+                                        <p:tgtEl>
+                                          <p:spTgt spid="52"/>
                                         </p:tgtEl>
                                         <p:attrNameLst>
                                           <p:attrName>ppt_y</p:attrName>
@@ -18996,26 +19624,26 @@
                           </p:cTn>
                         </p:par>
                         <p:par>
-                          <p:cTn id="368" fill="hold">
+                          <p:cTn id="421" fill="hold">
                             <p:stCondLst>
                               <p:cond delay="1000"/>
                             </p:stCondLst>
                             <p:childTnLst>
                               <p:par>
-                                <p:cTn id="369" presetID="22" presetClass="entr" presetSubtype="4" fill="hold" grpId="0" nodeType="afterEffect">
+                                <p:cTn id="422" presetID="16" presetClass="entr" presetSubtype="21" fill="hold" grpId="0" nodeType="afterEffect">
                                   <p:stCondLst>
                                     <p:cond delay="0"/>
                                   </p:stCondLst>
                                   <p:childTnLst>
                                     <p:set>
                                       <p:cBhvr>
-                                        <p:cTn id="370" dur="1" fill="hold">
+                                        <p:cTn id="423" dur="1" fill="hold">
                                           <p:stCondLst>
                                             <p:cond delay="0"/>
                                           </p:stCondLst>
                                         </p:cTn>
                                         <p:tgtEl>
-                                          <p:spTgt spid="83"/>
+                                          <p:spTgt spid="86"/>
                                         </p:tgtEl>
                                         <p:attrNameLst>
                                           <p:attrName>style.visibility</p:attrName>
@@ -19025,11 +19653,11 @@
                                         <p:strVal val="visible"/>
                                       </p:to>
                                     </p:set>
-                                    <p:animEffect transition="in" filter="wipe(down)">
-                                      <p:cBhvr>
-                                        <p:cTn id="371" dur="500"/>
-                                        <p:tgtEl>
-                                          <p:spTgt spid="83"/>
+                                    <p:animEffect transition="in" filter="barn(inVertical)">
+                                      <p:cBhvr>
+                                        <p:cTn id="424" dur="500"/>
+                                        <p:tgtEl>
+                                          <p:spTgt spid="86"/>
                                         </p:tgtEl>
                                       </p:cBhvr>
                                     </p:animEffect>
@@ -19043,32 +19671,32 @@
                     </p:cTn>
                   </p:par>
                   <p:par>
-                    <p:cTn id="372" fill="hold">
+                    <p:cTn id="425" fill="hold">
                       <p:stCondLst>
                         <p:cond delay="indefinite"/>
                       </p:stCondLst>
                       <p:childTnLst>
                         <p:par>
-                          <p:cTn id="373" fill="hold">
+                          <p:cTn id="426" fill="hold">
                             <p:stCondLst>
                               <p:cond delay="0"/>
                             </p:stCondLst>
                             <p:childTnLst>
                               <p:par>
-                                <p:cTn id="374" presetID="4" presetClass="entr" presetSubtype="16" fill="hold" grpId="0" nodeType="clickEffect">
+                                <p:cTn id="427" presetID="22" presetClass="entr" presetSubtype="1" fill="hold" nodeType="clickEffect">
                                   <p:stCondLst>
                                     <p:cond delay="0"/>
                                   </p:stCondLst>
                                   <p:childTnLst>
                                     <p:set>
                                       <p:cBhvr>
-                                        <p:cTn id="375" dur="1" fill="hold">
+                                        <p:cTn id="428" dur="1" fill="hold">
                                           <p:stCondLst>
                                             <p:cond delay="0"/>
                                           </p:stCondLst>
                                         </p:cTn>
                                         <p:tgtEl>
-                                          <p:spTgt spid="8"/>
+                                          <p:spTgt spid="27"/>
                                         </p:tgtEl>
                                         <p:attrNameLst>
                                           <p:attrName>style.visibility</p:attrName>
@@ -19078,11 +19706,55 @@
                                         <p:strVal val="visible"/>
                                       </p:to>
                                     </p:set>
-                                    <p:animEffect transition="in" filter="box(in)">
-                                      <p:cBhvr>
-                                        <p:cTn id="376" dur="1000"/>
-                                        <p:tgtEl>
-                                          <p:spTgt spid="8"/>
+                                    <p:animEffect transition="in" filter="wipe(up)">
+                                      <p:cBhvr>
+                                        <p:cTn id="429" dur="500"/>
+                                        <p:tgtEl>
+                                          <p:spTgt spid="27"/>
+                                        </p:tgtEl>
+                                      </p:cBhvr>
+                                    </p:animEffect>
+                                  </p:childTnLst>
+                                </p:cTn>
+                              </p:par>
+                            </p:childTnLst>
+                          </p:cTn>
+                        </p:par>
+                        <p:par>
+                          <p:cTn id="430" fill="hold">
+                            <p:stCondLst>
+                              <p:cond delay="500"/>
+                            </p:stCondLst>
+                            <p:childTnLst>
+                              <p:par>
+                                <p:cTn id="431" presetID="16" presetClass="entr" presetSubtype="21" fill="hold" grpId="0" nodeType="afterEffect">
+                                  <p:stCondLst>
+                                    <p:cond delay="0"/>
+                                  </p:stCondLst>
+                                  <p:childTnLst>
+                                    <p:set>
+                                      <p:cBhvr>
+                                        <p:cTn id="432" dur="1" fill="hold">
+                                          <p:stCondLst>
+                                            <p:cond delay="0"/>
+                                          </p:stCondLst>
+                                        </p:cTn>
+                                        <p:tgtEl>
+                                          <p:spTgt spid="81"/>
+                                        </p:tgtEl>
+                                        <p:attrNameLst>
+                                          <p:attrName>style.visibility</p:attrName>
+                                        </p:attrNameLst>
+                                      </p:cBhvr>
+                                      <p:to>
+                                        <p:strVal val="visible"/>
+                                      </p:to>
+                                    </p:set>
+                                    <p:animEffect transition="in" filter="barn(inVertical)">
+                                      <p:cBhvr>
+                                        <p:cTn id="433" dur="500"/>
+                                        <p:tgtEl>
+                                          <p:spTgt spid="81"/>
                                         </p:tgtEl>
                                       </p:cBhvr>
                                     </p:animEffect>
@@ -19096,32 +19768,32 @@
                     </p:cTn>
                   </p:par>
                   <p:par>
-                    <p:cTn id="377" fill="hold">
+                    <p:cTn id="434" fill="hold">
                       <p:stCondLst>
                         <p:cond delay="indefinite"/>
                       </p:stCondLst>
                       <p:childTnLst>
                         <p:par>
-                          <p:cTn id="378" fill="hold">
+                          <p:cTn id="435" fill="hold">
                             <p:stCondLst>
                               <p:cond delay="0"/>
                             </p:stCondLst>
                             <p:childTnLst>
                               <p:par>
-                                <p:cTn id="379" presetID="42" presetClass="entr" presetSubtype="0" fill="hold" nodeType="clickEffect">
+                                <p:cTn id="436" presetID="42" presetClass="entr" presetSubtype="0" fill="hold" nodeType="clickEffect">
                                   <p:stCondLst>
                                     <p:cond delay="0"/>
                                   </p:stCondLst>
                                   <p:childTnLst>
                                     <p:set>
                                       <p:cBhvr>
-                                        <p:cTn id="380" dur="1" fill="hold">
+                                        <p:cTn id="437" dur="1" fill="hold">
                                           <p:stCondLst>
                                             <p:cond delay="0"/>
                                           </p:stCondLst>
                                         </p:cTn>
                                         <p:tgtEl>
-                                          <p:spTgt spid="30"/>
+                                          <p:spTgt spid="54"/>
                                         </p:tgtEl>
                                         <p:attrNameLst>
                                           <p:attrName>style.visibility</p:attrName>
@@ -19133,17 +19805,17 @@
                                     </p:set>
                                     <p:animEffect transition="in" filter="fade">
                                       <p:cBhvr>
-                                        <p:cTn id="381" dur="1000"/>
-                                        <p:tgtEl>
-                                          <p:spTgt spid="30"/>
+                                        <p:cTn id="438" dur="1000"/>
+                                        <p:tgtEl>
+                                          <p:spTgt spid="54"/>
                                         </p:tgtEl>
                                       </p:cBhvr>
                                     </p:animEffect>
                                     <p:anim calcmode="lin" valueType="num">
                                       <p:cBhvr>
-                                        <p:cTn id="382" dur="1000" fill="hold"/>
-                                        <p:tgtEl>
-                                          <p:spTgt spid="30"/>
+                                        <p:cTn id="439" dur="1000" fill="hold"/>
+                                        <p:tgtEl>
+                                          <p:spTgt spid="54"/>
                                         </p:tgtEl>
                                         <p:attrNameLst>
                                           <p:attrName>ppt_x</p:attrName>
@@ -19164,9 +19836,9 @@
                                     </p:anim>
                                     <p:anim calcmode="lin" valueType="num">
                                       <p:cBhvr>
-                                        <p:cTn id="383" dur="1000" fill="hold"/>
-                                        <p:tgtEl>
-                                          <p:spTgt spid="30"/>
+                                        <p:cTn id="440" dur="1000" fill="hold"/>
+                                        <p:tgtEl>
+                                          <p:spTgt spid="54"/>
                                         </p:tgtEl>
                                         <p:attrNameLst>
                                           <p:attrName>ppt_y</p:attrName>
@@ -19192,26 +19864,26 @@
                           </p:cTn>
                         </p:par>
                         <p:par>
-                          <p:cTn id="384" fill="hold">
+                          <p:cTn id="441" fill="hold">
                             <p:stCondLst>
                               <p:cond delay="1000"/>
                             </p:stCondLst>
                             <p:childTnLst>
                               <p:par>
-                                <p:cTn id="385" presetID="16" presetClass="entr" presetSubtype="21" fill="hold" grpId="0" nodeType="afterEffect">
+                                <p:cTn id="442" presetID="16" presetClass="entr" presetSubtype="21" fill="hold" grpId="0" nodeType="afterEffect">
                                   <p:stCondLst>
                                     <p:cond delay="0"/>
                                   </p:stCondLst>
                                   <p:childTnLst>
                                     <p:set>
                                       <p:cBhvr>
-                                        <p:cTn id="386" dur="1" fill="hold">
+                                        <p:cTn id="443" dur="1" fill="hold">
                                           <p:stCondLst>
                                             <p:cond delay="0"/>
                                           </p:stCondLst>
                                         </p:cTn>
                                         <p:tgtEl>
-                                          <p:spTgt spid="77"/>
+                                          <p:spTgt spid="84"/>
                                         </p:tgtEl>
                                         <p:attrNameLst>
                                           <p:attrName>style.visibility</p:attrName>
@@ -19223,9 +19895,9 @@
                                     </p:set>
                                     <p:animEffect transition="in" filter="barn(inVertical)">
                                       <p:cBhvr>
-                                        <p:cTn id="387" dur="500"/>
-                                        <p:tgtEl>
-                                          <p:spTgt spid="77"/>
+                                        <p:cTn id="444" dur="500"/>
+                                        <p:tgtEl>
+                                          <p:spTgt spid="84"/>
                                         </p:tgtEl>
                                       </p:cBhvr>
                                     </p:animEffect>
@@ -19239,32 +19911,32 @@
                     </p:cTn>
                   </p:par>
                   <p:par>
-                    <p:cTn id="388" fill="hold">
+                    <p:cTn id="445" fill="hold">
                       <p:stCondLst>
                         <p:cond delay="indefinite"/>
                       </p:stCondLst>
                       <p:childTnLst>
                         <p:par>
-                          <p:cTn id="389" fill="hold">
+                          <p:cTn id="446" fill="hold">
                             <p:stCondLst>
                               <p:cond delay="0"/>
                             </p:stCondLst>
                             <p:childTnLst>
                               <p:par>
-                                <p:cTn id="390" presetID="47" presetClass="entr" presetSubtype="0" fill="hold" nodeType="clickEffect">
+                                <p:cTn id="447" presetID="42" presetClass="entr" presetSubtype="0" fill="hold" grpId="0" nodeType="clickEffect">
                                   <p:stCondLst>
                                     <p:cond delay="0"/>
                                   </p:stCondLst>
                                   <p:childTnLst>
                                     <p:set>
                                       <p:cBhvr>
-                                        <p:cTn id="391" dur="1" fill="hold">
+                                        <p:cTn id="448" dur="1" fill="hold">
                                           <p:stCondLst>
                                             <p:cond delay="0"/>
                                           </p:stCondLst>
                                         </p:cTn>
                                         <p:tgtEl>
-                                          <p:spTgt spid="31"/>
+                                          <p:spTgt spid="96"/>
                                         </p:tgtEl>
                                         <p:attrNameLst>
                                           <p:attrName>style.visibility</p:attrName>
@@ -19276,17 +19948,17 @@
                                     </p:set>
                                     <p:animEffect transition="in" filter="fade">
                                       <p:cBhvr>
-                                        <p:cTn id="392" dur="1000"/>
-                                        <p:tgtEl>
-                                          <p:spTgt spid="31"/>
+                                        <p:cTn id="449" dur="1000"/>
+                                        <p:tgtEl>
+                                          <p:spTgt spid="96"/>
                                         </p:tgtEl>
                                       </p:cBhvr>
                                     </p:animEffect>
                                     <p:anim calcmode="lin" valueType="num">
                                       <p:cBhvr>
-                                        <p:cTn id="393" dur="1000" fill="hold"/>
-                                        <p:tgtEl>
-                                          <p:spTgt spid="31"/>
+                                        <p:cTn id="450" dur="1000" fill="hold"/>
+                                        <p:tgtEl>
+                                          <p:spTgt spid="96"/>
                                         </p:tgtEl>
                                         <p:attrNameLst>
                                           <p:attrName>ppt_x</p:attrName>
@@ -19307,9 +19979,9 @@
                                     </p:anim>
                                     <p:anim calcmode="lin" valueType="num">
                                       <p:cBhvr>
-                                        <p:cTn id="394" dur="1000" fill="hold"/>
-                                        <p:tgtEl>
-                                          <p:spTgt spid="31"/>
+                                        <p:cTn id="451" dur="1000" fill="hold"/>
+                                        <p:tgtEl>
+                                          <p:spTgt spid="96"/>
                                         </p:tgtEl>
                                         <p:attrNameLst>
                                           <p:attrName>ppt_y</p:attrName>
@@ -19318,7 +19990,7 @@
                                       <p:tavLst>
                                         <p:tav tm="0">
                                           <p:val>
-                                            <p:strVal val="#ppt_y-.1"/>
+                                            <p:strVal val="#ppt_y+.1"/>
                                           </p:val>
                                         </p:tav>
                                         <p:tav tm="100000">
@@ -19331,127 +20003,21 @@
                                   </p:childTnLst>
                                 </p:cTn>
                               </p:par>
-                            </p:childTnLst>
-                          </p:cTn>
-                        </p:par>
-                        <p:par>
-                          <p:cTn id="395" fill="hold">
-                            <p:stCondLst>
-                              <p:cond delay="1000"/>
-                            </p:stCondLst>
-                            <p:childTnLst>
                               <p:par>
-                                <p:cTn id="396" presetID="16" presetClass="entr" presetSubtype="21" fill="hold" grpId="0" nodeType="afterEffect">
+                                <p:cTn id="452" presetID="42" presetClass="entr" presetSubtype="0" fill="hold" grpId="0" nodeType="withEffect">
                                   <p:stCondLst>
                                     <p:cond delay="0"/>
                                   </p:stCondLst>
                                   <p:childTnLst>
                                     <p:set>
                                       <p:cBhvr>
-                                        <p:cTn id="397" dur="1" fill="hold">
+                                        <p:cTn id="453" dur="1" fill="hold">
                                           <p:stCondLst>
                                             <p:cond delay="0"/>
                                           </p:stCondLst>
                                         </p:cTn>
                                         <p:tgtEl>
-                                          <p:spTgt spid="78"/>
-                                        </p:tgtEl>
-                                        <p:attrNameLst>
-                                          <p:attrName>style.visibility</p:attrName>
-                                        </p:attrNameLst>
-                                      </p:cBhvr>
-                                      <p:to>
-                                        <p:strVal val="visible"/>
-                                      </p:to>
-                                    </p:set>
-                                    <p:animEffect transition="in" filter="barn(inVertical)">
-                                      <p:cBhvr>
-                                        <p:cTn id="398" dur="500"/>
-                                        <p:tgtEl>
-                                          <p:spTgt spid="78"/>
-                                        </p:tgtEl>
-                                      </p:cBhvr>
-                                    </p:animEffect>
-                                  </p:childTnLst>
-                                </p:cTn>
-                              </p:par>
-                            </p:childTnLst>
-                          </p:cTn>
-                        </p:par>
-                      </p:childTnLst>
-                    </p:cTn>
-                  </p:par>
-                  <p:par>
-                    <p:cTn id="399" fill="hold">
-                      <p:stCondLst>
-                        <p:cond delay="indefinite"/>
-                      </p:stCondLst>
-                      <p:childTnLst>
-                        <p:par>
-                          <p:cTn id="400" fill="hold">
-                            <p:stCondLst>
-                              <p:cond delay="0"/>
-                            </p:stCondLst>
-                            <p:childTnLst>
-                              <p:par>
-                                <p:cTn id="401" presetID="16" presetClass="entr" presetSubtype="21" fill="hold" nodeType="clickEffect">
-                                  <p:stCondLst>
-                                    <p:cond delay="0"/>
-                                  </p:stCondLst>
-                                  <p:childTnLst>
-                                    <p:set>
-                                      <p:cBhvr>
-                                        <p:cTn id="402" dur="1" fill="hold">
-                                          <p:stCondLst>
-                                            <p:cond delay="0"/>
-                                          </p:stCondLst>
-                                        </p:cTn>
-                                        <p:tgtEl>
-                                          <p:spTgt spid="32"/>
-                                        </p:tgtEl>
-                                        <p:attrNameLst>
-                                          <p:attrName>style.visibility</p:attrName>
-                                        </p:attrNameLst>
-                                      </p:cBhvr>
-                                      <p:to>
-                                        <p:strVal val="visible"/>
-                                      </p:to>
-                                    </p:set>
-                                    <p:animEffect transition="in" filter="barn(inVertical)">
-                                      <p:cBhvr>
-                                        <p:cTn id="403" dur="500"/>
-                                        <p:tgtEl>
-                                          <p:spTgt spid="32"/>
-                                        </p:tgtEl>
-                                      </p:cBhvr>
-                                    </p:animEffect>
-                                  </p:childTnLst>
-                                </p:cTn>
-                              </p:par>
-                            </p:childTnLst>
-                          </p:cTn>
-                        </p:par>
-                        <p:par>
-                          <p:cTn id="404" fill="hold">
-                            <p:stCondLst>
-                              <p:cond delay="500"/>
-                            </p:stCondLst>
-                            <p:childTnLst>
-                              <p:par>
-                                <p:cTn id="405" presetID="42" presetClass="entr" presetSubtype="0" fill="hold" grpId="0" nodeType="afterEffect">
-                                  <p:stCondLst>
-                                    <p:cond delay="0"/>
-                                  </p:stCondLst>
-                                  <p:childTnLst>
-                                    <p:set>
-                                      <p:cBhvr>
-                                        <p:cTn id="406" dur="1" fill="hold">
-                                          <p:stCondLst>
-                                            <p:cond delay="0"/>
-                                          </p:stCondLst>
-                                        </p:cTn>
-                                        <p:tgtEl>
-                                          <p:spTgt spid="79"/>
+                                          <p:spTgt spid="97"/>
                                         </p:tgtEl>
                                         <p:attrNameLst>
                                           <p:attrName>style.visibility</p:attrName>
@@ -19463,17 +20029,17 @@
                                     </p:set>
                                     <p:animEffect transition="in" filter="fade">
                                       <p:cBhvr>
-                                        <p:cTn id="407" dur="1000"/>
-                                        <p:tgtEl>
-                                          <p:spTgt spid="79"/>
+                                        <p:cTn id="454" dur="1000"/>
+                                        <p:tgtEl>
+                                          <p:spTgt spid="97"/>
                                         </p:tgtEl>
                                       </p:cBhvr>
                                     </p:animEffect>
                                     <p:anim calcmode="lin" valueType="num">
                                       <p:cBhvr>
-                                        <p:cTn id="408" dur="1000" fill="hold"/>
-                                        <p:tgtEl>
-                                          <p:spTgt spid="79"/>
+                                        <p:cTn id="455" dur="1000" fill="hold"/>
+                                        <p:tgtEl>
+                                          <p:spTgt spid="97"/>
                                         </p:tgtEl>
                                         <p:attrNameLst>
                                           <p:attrName>ppt_x</p:attrName>
@@ -19494,9 +20060,9 @@
                                     </p:anim>
                                     <p:anim calcmode="lin" valueType="num">
                                       <p:cBhvr>
-                                        <p:cTn id="409" dur="1000" fill="hold"/>
-                                        <p:tgtEl>
-                                          <p:spTgt spid="79"/>
+                                        <p:cTn id="456" dur="1000" fill="hold"/>
+                                        <p:tgtEl>
+                                          <p:spTgt spid="97"/>
                                         </p:tgtEl>
                                         <p:attrNameLst>
                                           <p:attrName>ppt_y</p:attrName>
@@ -19525,32 +20091,85 @@
                     </p:cTn>
                   </p:par>
                   <p:par>
-                    <p:cTn id="410" fill="hold">
+                    <p:cTn id="457" fill="hold">
                       <p:stCondLst>
                         <p:cond delay="indefinite"/>
                       </p:stCondLst>
                       <p:childTnLst>
                         <p:par>
-                          <p:cTn id="411" fill="hold">
+                          <p:cTn id="458" fill="hold">
                             <p:stCondLst>
                               <p:cond delay="0"/>
                             </p:stCondLst>
                             <p:childTnLst>
                               <p:par>
-                                <p:cTn id="412" presetID="42" presetClass="entr" presetSubtype="0" fill="hold" nodeType="clickEffect">
+                                <p:cTn id="459" presetID="4" presetClass="entr" presetSubtype="16" fill="hold" grpId="0" nodeType="clickEffect">
                                   <p:stCondLst>
                                     <p:cond delay="0"/>
                                   </p:stCondLst>
                                   <p:childTnLst>
                                     <p:set>
                                       <p:cBhvr>
-                                        <p:cTn id="413" dur="1" fill="hold">
+                                        <p:cTn id="460" dur="1" fill="hold">
                                           <p:stCondLst>
                                             <p:cond delay="0"/>
                                           </p:stCondLst>
                                         </p:cTn>
                                         <p:tgtEl>
-                                          <p:spTgt spid="33"/>
+                                          <p:spTgt spid="8"/>
+                                        </p:tgtEl>
+                                        <p:attrNameLst>
+                                          <p:attrName>style.visibility</p:attrName>
+                                        </p:attrNameLst>
+                                      </p:cBhvr>
+                                      <p:to>
+                                        <p:strVal val="visible"/>
+                                      </p:to>
+                                    </p:set>
+                                    <p:animEffect transition="in" filter="box(in)">
+                                      <p:cBhvr>
+                                        <p:cTn id="461" dur="1000"/>
+                                        <p:tgtEl>
+                                          <p:spTgt spid="8"/>
+                                        </p:tgtEl>
+                                      </p:cBhvr>
+                                    </p:animEffect>
+                                  </p:childTnLst>
+                                </p:cTn>
+                              </p:par>
+                            </p:childTnLst>
+                          </p:cTn>
+                        </p:par>
+                      </p:childTnLst>
+                    </p:cTn>
+                  </p:par>
+                  <p:par>
+                    <p:cTn id="462" fill="hold">
+                      <p:stCondLst>
+                        <p:cond delay="indefinite"/>
+                      </p:stCondLst>
+                      <p:childTnLst>
+                        <p:par>
+                          <p:cTn id="463" fill="hold">
+                            <p:stCondLst>
+                              <p:cond delay="0"/>
+                            </p:stCondLst>
+                            <p:childTnLst>
+                              <p:par>
+                                <p:cTn id="464" presetID="42" presetClass="entr" presetSubtype="0" fill="hold" nodeType="clickEffect">
+                                  <p:stCondLst>
+                                    <p:cond delay="0"/>
+                                  </p:stCondLst>
+                                  <p:childTnLst>
+                                    <p:set>
+                                      <p:cBhvr>
+                                        <p:cTn id="465" dur="1" fill="hold">
+                                          <p:stCondLst>
+                                            <p:cond delay="0"/>
+                                          </p:stCondLst>
+                                        </p:cTn>
+                                        <p:tgtEl>
+                                          <p:spTgt spid="30"/>
                                         </p:tgtEl>
                                         <p:attrNameLst>
                                           <p:attrName>style.visibility</p:attrName>
@@ -19562,17 +20181,17 @@
                                     </p:set>
                                     <p:animEffect transition="in" filter="fade">
                                       <p:cBhvr>
-                                        <p:cTn id="414" dur="1000"/>
-                                        <p:tgtEl>
-                                          <p:spTgt spid="33"/>
+                                        <p:cTn id="466" dur="1000"/>
+                                        <p:tgtEl>
+                                          <p:spTgt spid="30"/>
                                         </p:tgtEl>
                                       </p:cBhvr>
                                     </p:animEffect>
                                     <p:anim calcmode="lin" valueType="num">
                                       <p:cBhvr>
-                                        <p:cTn id="415" dur="1000" fill="hold"/>
-                                        <p:tgtEl>
-                                          <p:spTgt spid="33"/>
+                                        <p:cTn id="467" dur="1000" fill="hold"/>
+                                        <p:tgtEl>
+                                          <p:spTgt spid="30"/>
                                         </p:tgtEl>
                                         <p:attrNameLst>
                                           <p:attrName>ppt_x</p:attrName>
@@ -19593,9 +20212,9 @@
                                     </p:anim>
                                     <p:anim calcmode="lin" valueType="num">
                                       <p:cBhvr>
-                                        <p:cTn id="416" dur="1000" fill="hold"/>
-                                        <p:tgtEl>
-                                          <p:spTgt spid="33"/>
+                                        <p:cTn id="468" dur="1000" fill="hold"/>
+                                        <p:tgtEl>
+                                          <p:spTgt spid="30"/>
                                         </p:tgtEl>
                                         <p:attrNameLst>
                                           <p:attrName>ppt_y</p:attrName>
@@ -19621,26 +20240,26 @@
                           </p:cTn>
                         </p:par>
                         <p:par>
-                          <p:cTn id="417" fill="hold">
+                          <p:cTn id="469" fill="hold">
                             <p:stCondLst>
                               <p:cond delay="1000"/>
                             </p:stCondLst>
                             <p:childTnLst>
                               <p:par>
-                                <p:cTn id="418" presetID="16" presetClass="entr" presetSubtype="21" fill="hold" grpId="0" nodeType="afterEffect">
+                                <p:cTn id="470" presetID="16" presetClass="entr" presetSubtype="21" fill="hold" grpId="0" nodeType="afterEffect">
                                   <p:stCondLst>
                                     <p:cond delay="0"/>
                                   </p:stCondLst>
                                   <p:childTnLst>
                                     <p:set>
                                       <p:cBhvr>
-                                        <p:cTn id="419" dur="1" fill="hold">
+                                        <p:cTn id="471" dur="1" fill="hold">
                                           <p:stCondLst>
                                             <p:cond delay="0"/>
                                           </p:stCondLst>
                                         </p:cTn>
                                         <p:tgtEl>
-                                          <p:spTgt spid="80"/>
+                                          <p:spTgt spid="77"/>
                                         </p:tgtEl>
                                         <p:attrNameLst>
                                           <p:attrName>style.visibility</p:attrName>
@@ -19652,7 +20271,436 @@
                                     </p:set>
                                     <p:animEffect transition="in" filter="barn(inVertical)">
                                       <p:cBhvr>
-                                        <p:cTn id="420" dur="500"/>
+                                        <p:cTn id="472" dur="500"/>
+                                        <p:tgtEl>
+                                          <p:spTgt spid="77"/>
+                                        </p:tgtEl>
+                                      </p:cBhvr>
+                                    </p:animEffect>
+                                  </p:childTnLst>
+                                </p:cTn>
+                              </p:par>
+                            </p:childTnLst>
+                          </p:cTn>
+                        </p:par>
+                      </p:childTnLst>
+                    </p:cTn>
+                  </p:par>
+                  <p:par>
+                    <p:cTn id="473" fill="hold">
+                      <p:stCondLst>
+                        <p:cond delay="indefinite"/>
+                      </p:stCondLst>
+                      <p:childTnLst>
+                        <p:par>
+                          <p:cTn id="474" fill="hold">
+                            <p:stCondLst>
+                              <p:cond delay="0"/>
+                            </p:stCondLst>
+                            <p:childTnLst>
+                              <p:par>
+                                <p:cTn id="475" presetID="47" presetClass="entr" presetSubtype="0" fill="hold" nodeType="clickEffect">
+                                  <p:stCondLst>
+                                    <p:cond delay="0"/>
+                                  </p:stCondLst>
+                                  <p:childTnLst>
+                                    <p:set>
+                                      <p:cBhvr>
+                                        <p:cTn id="476" dur="1" fill="hold">
+                                          <p:stCondLst>
+                                            <p:cond delay="0"/>
+                                          </p:stCondLst>
+                                        </p:cTn>
+                                        <p:tgtEl>
+                                          <p:spTgt spid="31"/>
+                                        </p:tgtEl>
+                                        <p:attrNameLst>
+                                          <p:attrName>style.visibility</p:attrName>
+                                        </p:attrNameLst>
+                                      </p:cBhvr>
+                                      <p:to>
+                                        <p:strVal val="visible"/>
+                                      </p:to>
+                                    </p:set>
+                                    <p:animEffect transition="in" filter="fade">
+                                      <p:cBhvr>
+                                        <p:cTn id="477" dur="1000"/>
+                                        <p:tgtEl>
+                                          <p:spTgt spid="31"/>
+                                        </p:tgtEl>
+                                      </p:cBhvr>
+                                    </p:animEffect>
+                                    <p:anim calcmode="lin" valueType="num">
+                                      <p:cBhvr>
+                                        <p:cTn id="478" dur="1000" fill="hold"/>
+                                        <p:tgtEl>
+                                          <p:spTgt spid="31"/>
+                                        </p:tgtEl>
+                                        <p:attrNameLst>
+                                          <p:attrName>ppt_x</p:attrName>
+                                        </p:attrNameLst>
+                                      </p:cBhvr>
+                                      <p:tavLst>
+                                        <p:tav tm="0">
+                                          <p:val>
+                                            <p:strVal val="#ppt_x"/>
+                                          </p:val>
+                                        </p:tav>
+                                        <p:tav tm="100000">
+                                          <p:val>
+                                            <p:strVal val="#ppt_x"/>
+                                          </p:val>
+                                        </p:tav>
+                                      </p:tavLst>
+                                    </p:anim>
+                                    <p:anim calcmode="lin" valueType="num">
+                                      <p:cBhvr>
+                                        <p:cTn id="479" dur="1000" fill="hold"/>
+                                        <p:tgtEl>
+                                          <p:spTgt spid="31"/>
+                                        </p:tgtEl>
+                                        <p:attrNameLst>
+                                          <p:attrName>ppt_y</p:attrName>
+                                        </p:attrNameLst>
+                                      </p:cBhvr>
+                                      <p:tavLst>
+                                        <p:tav tm="0">
+                                          <p:val>
+                                            <p:strVal val="#ppt_y-.1"/>
+                                          </p:val>
+                                        </p:tav>
+                                        <p:tav tm="100000">
+                                          <p:val>
+                                            <p:strVal val="#ppt_y"/>
+                                          </p:val>
+                                        </p:tav>
+                                      </p:tavLst>
+                                    </p:anim>
+                                  </p:childTnLst>
+                                </p:cTn>
+                              </p:par>
+                            </p:childTnLst>
+                          </p:cTn>
+                        </p:par>
+                        <p:par>
+                          <p:cTn id="480" fill="hold">
+                            <p:stCondLst>
+                              <p:cond delay="1000"/>
+                            </p:stCondLst>
+                            <p:childTnLst>
+                              <p:par>
+                                <p:cTn id="481" presetID="16" presetClass="entr" presetSubtype="21" fill="hold" grpId="0" nodeType="afterEffect">
+                                  <p:stCondLst>
+                                    <p:cond delay="0"/>
+                                  </p:stCondLst>
+                                  <p:childTnLst>
+                                    <p:set>
+                                      <p:cBhvr>
+                                        <p:cTn id="482" dur="1" fill="hold">
+                                          <p:stCondLst>
+                                            <p:cond delay="0"/>
+                                          </p:stCondLst>
+                                        </p:cTn>
+                                        <p:tgtEl>
+                                          <p:spTgt spid="78"/>
+                                        </p:tgtEl>
+                                        <p:attrNameLst>
+                                          <p:attrName>style.visibility</p:attrName>
+                                        </p:attrNameLst>
+                                      </p:cBhvr>
+                                      <p:to>
+                                        <p:strVal val="visible"/>
+                                      </p:to>
+                                    </p:set>
+                                    <p:animEffect transition="in" filter="barn(inVertical)">
+                                      <p:cBhvr>
+                                        <p:cTn id="483" dur="500"/>
+                                        <p:tgtEl>
+                                          <p:spTgt spid="78"/>
+                                        </p:tgtEl>
+                                      </p:cBhvr>
+                                    </p:animEffect>
+                                  </p:childTnLst>
+                                </p:cTn>
+                              </p:par>
+                            </p:childTnLst>
+                          </p:cTn>
+                        </p:par>
+                      </p:childTnLst>
+                    </p:cTn>
+                  </p:par>
+                  <p:par>
+                    <p:cTn id="484" fill="hold">
+                      <p:stCondLst>
+                        <p:cond delay="indefinite"/>
+                      </p:stCondLst>
+                      <p:childTnLst>
+                        <p:par>
+                          <p:cTn id="485" fill="hold">
+                            <p:stCondLst>
+                              <p:cond delay="0"/>
+                            </p:stCondLst>
+                            <p:childTnLst>
+                              <p:par>
+                                <p:cTn id="486" presetID="16" presetClass="entr" presetSubtype="21" fill="hold" nodeType="clickEffect">
+                                  <p:stCondLst>
+                                    <p:cond delay="0"/>
+                                  </p:stCondLst>
+                                  <p:childTnLst>
+                                    <p:set>
+                                      <p:cBhvr>
+                                        <p:cTn id="487" dur="1" fill="hold">
+                                          <p:stCondLst>
+                                            <p:cond delay="0"/>
+                                          </p:stCondLst>
+                                        </p:cTn>
+                                        <p:tgtEl>
+                                          <p:spTgt spid="32"/>
+                                        </p:tgtEl>
+                                        <p:attrNameLst>
+                                          <p:attrName>style.visibility</p:attrName>
+                                        </p:attrNameLst>
+                                      </p:cBhvr>
+                                      <p:to>
+                                        <p:strVal val="visible"/>
+                                      </p:to>
+                                    </p:set>
+                                    <p:animEffect transition="in" filter="barn(inVertical)">
+                                      <p:cBhvr>
+                                        <p:cTn id="488" dur="500"/>
+                                        <p:tgtEl>
+                                          <p:spTgt spid="32"/>
+                                        </p:tgtEl>
+                                      </p:cBhvr>
+                                    </p:animEffect>
+                                  </p:childTnLst>
+                                </p:cTn>
+                              </p:par>
+                            </p:childTnLst>
+                          </p:cTn>
+                        </p:par>
+                        <p:par>
+                          <p:cTn id="489" fill="hold">
+                            <p:stCondLst>
+                              <p:cond delay="500"/>
+                            </p:stCondLst>
+                            <p:childTnLst>
+                              <p:par>
+                                <p:cTn id="490" presetID="42" presetClass="entr" presetSubtype="0" fill="hold" grpId="0" nodeType="afterEffect">
+                                  <p:stCondLst>
+                                    <p:cond delay="0"/>
+                                  </p:stCondLst>
+                                  <p:childTnLst>
+                                    <p:set>
+                                      <p:cBhvr>
+                                        <p:cTn id="491" dur="1" fill="hold">
+                                          <p:stCondLst>
+                                            <p:cond delay="0"/>
+                                          </p:stCondLst>
+                                        </p:cTn>
+                                        <p:tgtEl>
+                                          <p:spTgt spid="79"/>
+                                        </p:tgtEl>
+                                        <p:attrNameLst>
+                                          <p:attrName>style.visibility</p:attrName>
+                                        </p:attrNameLst>
+                                      </p:cBhvr>
+                                      <p:to>
+                                        <p:strVal val="visible"/>
+                                      </p:to>
+                                    </p:set>
+                                    <p:animEffect transition="in" filter="fade">
+                                      <p:cBhvr>
+                                        <p:cTn id="492" dur="1000"/>
+                                        <p:tgtEl>
+                                          <p:spTgt spid="79"/>
+                                        </p:tgtEl>
+                                      </p:cBhvr>
+                                    </p:animEffect>
+                                    <p:anim calcmode="lin" valueType="num">
+                                      <p:cBhvr>
+                                        <p:cTn id="493" dur="1000" fill="hold"/>
+                                        <p:tgtEl>
+                                          <p:spTgt spid="79"/>
+                                        </p:tgtEl>
+                                        <p:attrNameLst>
+                                          <p:attrName>ppt_x</p:attrName>
+                                        </p:attrNameLst>
+                                      </p:cBhvr>
+                                      <p:tavLst>
+                                        <p:tav tm="0">
+                                          <p:val>
+                                            <p:strVal val="#ppt_x"/>
+                                          </p:val>
+                                        </p:tav>
+                                        <p:tav tm="100000">
+                                          <p:val>
+                                            <p:strVal val="#ppt_x"/>
+                                          </p:val>
+                                        </p:tav>
+                                      </p:tavLst>
+                                    </p:anim>
+                                    <p:anim calcmode="lin" valueType="num">
+                                      <p:cBhvr>
+                                        <p:cTn id="494" dur="1000" fill="hold"/>
+                                        <p:tgtEl>
+                                          <p:spTgt spid="79"/>
+                                        </p:tgtEl>
+                                        <p:attrNameLst>
+                                          <p:attrName>ppt_y</p:attrName>
+                                        </p:attrNameLst>
+                                      </p:cBhvr>
+                                      <p:tavLst>
+                                        <p:tav tm="0">
+                                          <p:val>
+                                            <p:strVal val="#ppt_y+.1"/>
+                                          </p:val>
+                                        </p:tav>
+                                        <p:tav tm="100000">
+                                          <p:val>
+                                            <p:strVal val="#ppt_y"/>
+                                          </p:val>
+                                        </p:tav>
+                                      </p:tavLst>
+                                    </p:anim>
+                                  </p:childTnLst>
+                                </p:cTn>
+                              </p:par>
+                            </p:childTnLst>
+                          </p:cTn>
+                        </p:par>
+                      </p:childTnLst>
+                    </p:cTn>
+                  </p:par>
+                  <p:par>
+                    <p:cTn id="495" fill="hold">
+                      <p:stCondLst>
+                        <p:cond delay="indefinite"/>
+                      </p:stCondLst>
+                      <p:childTnLst>
+                        <p:par>
+                          <p:cTn id="496" fill="hold">
+                            <p:stCondLst>
+                              <p:cond delay="0"/>
+                            </p:stCondLst>
+                            <p:childTnLst>
+                              <p:par>
+                                <p:cTn id="497" presetID="42" presetClass="entr" presetSubtype="0" fill="hold" nodeType="clickEffect">
+                                  <p:stCondLst>
+                                    <p:cond delay="0"/>
+                                  </p:stCondLst>
+                                  <p:childTnLst>
+                                    <p:set>
+                                      <p:cBhvr>
+                                        <p:cTn id="498" dur="1" fill="hold">
+                                          <p:stCondLst>
+                                            <p:cond delay="0"/>
+                                          </p:stCondLst>
+                                        </p:cTn>
+                                        <p:tgtEl>
+                                          <p:spTgt spid="33"/>
+                                        </p:tgtEl>
+                                        <p:attrNameLst>
+                                          <p:attrName>style.visibility</p:attrName>
+                                        </p:attrNameLst>
+                                      </p:cBhvr>
+                                      <p:to>
+                                        <p:strVal val="visible"/>
+                                      </p:to>
+                                    </p:set>
+                                    <p:animEffect transition="in" filter="fade">
+                                      <p:cBhvr>
+                                        <p:cTn id="499" dur="1000"/>
+                                        <p:tgtEl>
+                                          <p:spTgt spid="33"/>
+                                        </p:tgtEl>
+                                      </p:cBhvr>
+                                    </p:animEffect>
+                                    <p:anim calcmode="lin" valueType="num">
+                                      <p:cBhvr>
+                                        <p:cTn id="500" dur="1000" fill="hold"/>
+                                        <p:tgtEl>
+                                          <p:spTgt spid="33"/>
+                                        </p:tgtEl>
+                                        <p:attrNameLst>
+                                          <p:attrName>ppt_x</p:attrName>
+                                        </p:attrNameLst>
+                                      </p:cBhvr>
+                                      <p:tavLst>
+                                        <p:tav tm="0">
+                                          <p:val>
+                                            <p:strVal val="#ppt_x"/>
+                                          </p:val>
+                                        </p:tav>
+                                        <p:tav tm="100000">
+                                          <p:val>
+                                            <p:strVal val="#ppt_x"/>
+                                          </p:val>
+                                        </p:tav>
+                                      </p:tavLst>
+                                    </p:anim>
+                                    <p:anim calcmode="lin" valueType="num">
+                                      <p:cBhvr>
+                                        <p:cTn id="501" dur="1000" fill="hold"/>
+                                        <p:tgtEl>
+                                          <p:spTgt spid="33"/>
+                                        </p:tgtEl>
+                                        <p:attrNameLst>
+                                          <p:attrName>ppt_y</p:attrName>
+                                        </p:attrNameLst>
+                                      </p:cBhvr>
+                                      <p:tavLst>
+                                        <p:tav tm="0">
+                                          <p:val>
+                                            <p:strVal val="#ppt_y+.1"/>
+                                          </p:val>
+                                        </p:tav>
+                                        <p:tav tm="100000">
+                                          <p:val>
+                                            <p:strVal val="#ppt_y"/>
+                                          </p:val>
+                                        </p:tav>
+                                      </p:tavLst>
+                                    </p:anim>
+                                  </p:childTnLst>
+                                </p:cTn>
+                              </p:par>
+                            </p:childTnLst>
+                          </p:cTn>
+                        </p:par>
+                        <p:par>
+                          <p:cTn id="502" fill="hold">
+                            <p:stCondLst>
+                              <p:cond delay="1000"/>
+                            </p:stCondLst>
+                            <p:childTnLst>
+                              <p:par>
+                                <p:cTn id="503" presetID="16" presetClass="entr" presetSubtype="21" fill="hold" grpId="0" nodeType="afterEffect">
+                                  <p:stCondLst>
+                                    <p:cond delay="0"/>
+                                  </p:stCondLst>
+                                  <p:childTnLst>
+                                    <p:set>
+                                      <p:cBhvr>
+                                        <p:cTn id="504" dur="1" fill="hold">
+                                          <p:stCondLst>
+                                            <p:cond delay="0"/>
+                                          </p:stCondLst>
+                                        </p:cTn>
+                                        <p:tgtEl>
+                                          <p:spTgt spid="80"/>
+                                        </p:tgtEl>
+                                        <p:attrNameLst>
+                                          <p:attrName>style.visibility</p:attrName>
+                                        </p:attrNameLst>
+                                      </p:cBhvr>
+                                      <p:to>
+                                        <p:strVal val="visible"/>
+                                      </p:to>
+                                    </p:set>
+                                    <p:animEffect transition="in" filter="barn(inVertical)">
+                                      <p:cBhvr>
+                                        <p:cTn id="505" dur="500"/>
                                         <p:tgtEl>
                                           <p:spTgt spid="80"/>
                                         </p:tgtEl>
@@ -19733,13 +20781,26 @@
       <p:bldP spid="84" grpId="0"/>
       <p:bldP spid="85" grpId="0"/>
       <p:bldP spid="86" grpId="0"/>
+      <p:bldP spid="87" grpId="0" animBg="1"/>
+      <p:bldP spid="89" grpId="0"/>
+      <p:bldP spid="90" grpId="0" animBg="1"/>
+      <p:bldP spid="91" grpId="0"/>
+      <p:bldP spid="92" grpId="0" animBg="1"/>
+      <p:bldP spid="93" grpId="0"/>
+      <p:bldP spid="94" grpId="0" animBg="1"/>
+      <p:bldP spid="95" grpId="0"/>
+      <p:bldP spid="96" grpId="0" animBg="1"/>
+      <p:bldP spid="97" grpId="0"/>
       <p:bldP spid="98" grpId="0"/>
+      <p:bldP spid="101" grpId="0" animBg="1"/>
+      <p:bldP spid="114" grpId="0"/>
+      <p:bldP spid="115" grpId="0"/>
     </p:bldLst>
   </p:timing>
 </p:sld>
 </file>
 
-<file path=ppt/slides/slide8.xml><?xml version="1.0" encoding="utf-8"?>
+<file path=ppt/slides/slide7.xml><?xml version="1.0" encoding="utf-8"?>
 <p:sld xmlns:a="http://schemas.openxmlformats.org/drawingml/2006/main" xmlns:r="http://schemas.openxmlformats.org/officeDocument/2006/relationships" xmlns:p="http://schemas.openxmlformats.org/presentationml/2006/main">
   <p:cSld>
     <p:spTree>
